--- a/Workshop writing Ansible Module.pptx
+++ b/Workshop writing Ansible Module.pptx
@@ -5,7 +5,7 @@
     <p:sldMasterId id="2147483648" r:id="rId5"/>
   </p:sldMasterIdLst>
   <p:notesMasterIdLst>
-    <p:notesMasterId r:id="rId36"/>
+    <p:notesMasterId r:id="rId39"/>
   </p:notesMasterIdLst>
   <p:sldIdLst>
     <p:sldId id="329" r:id="rId6"/>
@@ -24,20 +24,23 @@
     <p:sldId id="338" r:id="rId19"/>
     <p:sldId id="339" r:id="rId20"/>
     <p:sldId id="351" r:id="rId21"/>
-    <p:sldId id="342" r:id="rId22"/>
-    <p:sldId id="343" r:id="rId23"/>
-    <p:sldId id="344" r:id="rId24"/>
-    <p:sldId id="345" r:id="rId25"/>
-    <p:sldId id="347" r:id="rId26"/>
-    <p:sldId id="348" r:id="rId27"/>
-    <p:sldId id="346" r:id="rId28"/>
-    <p:sldId id="349" r:id="rId29"/>
-    <p:sldId id="355" r:id="rId30"/>
-    <p:sldId id="350" r:id="rId31"/>
-    <p:sldId id="304" r:id="rId32"/>
-    <p:sldId id="323" r:id="rId33"/>
-    <p:sldId id="330" r:id="rId34"/>
-    <p:sldId id="331" r:id="rId35"/>
+    <p:sldId id="356" r:id="rId22"/>
+    <p:sldId id="357" r:id="rId23"/>
+    <p:sldId id="342" r:id="rId24"/>
+    <p:sldId id="343" r:id="rId25"/>
+    <p:sldId id="344" r:id="rId26"/>
+    <p:sldId id="345" r:id="rId27"/>
+    <p:sldId id="347" r:id="rId28"/>
+    <p:sldId id="348" r:id="rId29"/>
+    <p:sldId id="346" r:id="rId30"/>
+    <p:sldId id="358" r:id="rId31"/>
+    <p:sldId id="349" r:id="rId32"/>
+    <p:sldId id="355" r:id="rId33"/>
+    <p:sldId id="350" r:id="rId34"/>
+    <p:sldId id="304" r:id="rId35"/>
+    <p:sldId id="323" r:id="rId36"/>
+    <p:sldId id="330" r:id="rId37"/>
+    <p:sldId id="331" r:id="rId38"/>
   </p:sldIdLst>
   <p:sldSz cx="12192000" cy="6858000"/>
   <p:notesSz cx="6858000" cy="9144000"/>
@@ -159,20 +162,6 @@
 </p:cmAuthorLst>
 </file>
 
-<file path=ppt/comments/comment1.xml><?xml version="1.0" encoding="utf-8"?>
-<p:cmLst xmlns:a="http://schemas.openxmlformats.org/drawingml/2006/main" xmlns:r="http://schemas.openxmlformats.org/officeDocument/2006/relationships" xmlns:p="http://schemas.openxmlformats.org/presentationml/2006/main">
-  <p:cm authorId="1" dt="2018-10-05T09:46:27.711" idx="1">
-    <p:pos x="10" y="10"/>
-    <p:text/>
-    <p:extLst>
-      <p:ext uri="{C676402C-5697-4E1C-873F-D02D1690AC5C}">
-        <p15:threadingInfo xmlns:p15="http://schemas.microsoft.com/office/powerpoint/2012/main" timeZoneBias="-120"/>
-      </p:ext>
-    </p:extLst>
-  </p:cm>
-</p:cmLst>
-</file>
-
 <file path=ppt/notesMasters/notesMaster1.xml><?xml version="1.0" encoding="utf-8"?>
 <p:notesMaster xmlns:a="http://schemas.openxmlformats.org/drawingml/2006/main" xmlns:r="http://schemas.openxmlformats.org/officeDocument/2006/relationships" xmlns:p="http://schemas.openxmlformats.org/presentationml/2006/main">
   <p:cSld>
@@ -255,7 +244,7 @@
           <a:p>
             <a:fld id="{D7699DA4-4BAC-44E7-AA44-6306E7F6091E}" type="datetimeFigureOut">
               <a:rPr lang="nl-NL" smtClean="0"/>
-              <a:t>5-10-2018</a:t>
+              <a:t>11-10-2018</a:t>
             </a:fld>
             <a:endParaRPr lang="nl-NL"/>
           </a:p>
@@ -651,6 +640,323 @@
           <a:bodyPr/>
           <a:lstStyle/>
           <a:p>
+            <a:r>
+              <a:rPr lang="en-US" dirty="0"/>
+              <a:t>Action Plugins look like modules to end users who are writing </a:t>
+            </a:r>
+            <a:r>
+              <a:rPr lang="en-US" dirty="0">
+                <a:hlinkClick r:id="rId3"/>
+              </a:rPr>
+              <a:t>playbooks</a:t>
+            </a:r>
+            <a:r>
+              <a:rPr lang="en-US" dirty="0"/>
+              <a:t> but they’re distinct entities for the purposes of this document. Action Plugins always execute on the controller and are sometimes able to do all work there (for instance, the debug Action Plugin which prints some text for the user to see or the assert Action Plugin which can test whether several values in a playbook satisfy certain criteria.)</a:t>
+            </a:r>
+          </a:p>
+          <a:p>
+            <a:r>
+              <a:rPr lang="en-US" dirty="0"/>
+              <a:t>More often, Action Plugins set up some values on the controller, then invoke an actual module on the managed node that does something with these values. An easy to understand version of this is the </a:t>
+            </a:r>
+            <a:r>
+              <a:rPr lang="en-US" dirty="0">
+                <a:hlinkClick r:id="rId4"/>
+              </a:rPr>
+              <a:t>template Action Plugin</a:t>
+            </a:r>
+            <a:r>
+              <a:rPr lang="en-US" dirty="0"/>
+              <a:t>. The </a:t>
+            </a:r>
+            <a:r>
+              <a:rPr lang="en-US" dirty="0">
+                <a:hlinkClick r:id="rId4"/>
+              </a:rPr>
+              <a:t>template Action Plugin</a:t>
+            </a:r>
+            <a:r>
+              <a:rPr lang="en-US" dirty="0"/>
+              <a:t> takes values from the user to construct a file in a temporary location on the controller using variables from the playbook environment. It then transfers the temporary file to a temporary file on the remote system. After that, it invokes the </a:t>
+            </a:r>
+            <a:r>
+              <a:rPr lang="en-US" dirty="0">
+                <a:hlinkClick r:id="rId5"/>
+              </a:rPr>
+              <a:t>copy module</a:t>
+            </a:r>
+            <a:r>
+              <a:rPr lang="en-US" dirty="0"/>
+              <a:t> which operates on the remote system to move the file into its final location, sets file permissions, and so on.</a:t>
+            </a:r>
+          </a:p>
+          <a:p>
+            <a:endParaRPr lang="nl-NL" dirty="0"/>
+          </a:p>
+          <a:p>
+            <a:r>
+              <a:rPr lang="nl-NL" dirty="0"/>
+              <a:t>Python modules </a:t>
+            </a:r>
+            <a:r>
+              <a:rPr lang="nl-NL" dirty="0" err="1"/>
+              <a:t>with</a:t>
+            </a:r>
+            <a:r>
+              <a:rPr lang="nl-NL" dirty="0"/>
+              <a:t> </a:t>
+            </a:r>
+            <a:r>
+              <a:rPr lang="nl-NL" dirty="0" err="1"/>
+              <a:t>the</a:t>
+            </a:r>
+            <a:r>
+              <a:rPr lang="nl-NL" dirty="0"/>
+              <a:t> </a:t>
+            </a:r>
+            <a:r>
+              <a:rPr lang="nl-NL" dirty="0" err="1"/>
+              <a:t>Ansiballz</a:t>
+            </a:r>
+            <a:r>
+              <a:rPr lang="nl-NL" dirty="0"/>
+              <a:t> Framework is wat we are </a:t>
+            </a:r>
+            <a:r>
+              <a:rPr lang="nl-NL" dirty="0" err="1"/>
+              <a:t>going</a:t>
+            </a:r>
+            <a:r>
+              <a:rPr lang="nl-NL" dirty="0"/>
+              <a:t> </a:t>
+            </a:r>
+            <a:r>
+              <a:rPr lang="nl-NL" dirty="0" err="1"/>
+              <a:t>to</a:t>
+            </a:r>
+            <a:r>
+              <a:rPr lang="nl-NL" dirty="0"/>
+              <a:t> </a:t>
+            </a:r>
+            <a:r>
+              <a:rPr lang="nl-NL" dirty="0" err="1"/>
+              <a:t>work</a:t>
+            </a:r>
+            <a:r>
+              <a:rPr lang="nl-NL" dirty="0"/>
+              <a:t> on </a:t>
+            </a:r>
+            <a:r>
+              <a:rPr lang="nl-NL" dirty="0" err="1"/>
+              <a:t>today</a:t>
+            </a:r>
+            <a:endParaRPr lang="nl-NL" dirty="0"/>
+          </a:p>
+          <a:p>
+            <a:endParaRPr lang="nl-NL" dirty="0"/>
+          </a:p>
+          <a:p>
+            <a:r>
+              <a:rPr lang="nl-NL" dirty="0"/>
+              <a:t>Next </a:t>
+            </a:r>
+            <a:r>
+              <a:rPr lang="nl-NL" dirty="0" err="1"/>
+              <a:t>to</a:t>
+            </a:r>
+            <a:r>
+              <a:rPr lang="nl-NL" dirty="0"/>
+              <a:t> </a:t>
+            </a:r>
+            <a:r>
+              <a:rPr lang="nl-NL" dirty="0" err="1"/>
+              <a:t>this</a:t>
+            </a:r>
+            <a:r>
+              <a:rPr lang="nl-NL" dirty="0"/>
+              <a:t> </a:t>
+            </a:r>
+            <a:r>
+              <a:rPr lang="nl-NL" dirty="0" err="1"/>
+              <a:t>you</a:t>
+            </a:r>
+            <a:r>
+              <a:rPr lang="nl-NL" dirty="0"/>
+              <a:t> </a:t>
+            </a:r>
+            <a:r>
+              <a:rPr lang="nl-NL" dirty="0" err="1"/>
+              <a:t>can</a:t>
+            </a:r>
+            <a:r>
+              <a:rPr lang="nl-NL" dirty="0"/>
+              <a:t> have modules </a:t>
+            </a:r>
+            <a:r>
+              <a:rPr lang="nl-NL" dirty="0" err="1"/>
+              <a:t>written</a:t>
+            </a:r>
+            <a:r>
+              <a:rPr lang="nl-NL" dirty="0"/>
+              <a:t> in Powershell, </a:t>
+            </a:r>
+            <a:r>
+              <a:rPr lang="nl-NL" dirty="0" err="1"/>
+              <a:t>they</a:t>
+            </a:r>
+            <a:r>
+              <a:rPr lang="nl-NL" dirty="0"/>
+              <a:t> </a:t>
+            </a:r>
+            <a:r>
+              <a:rPr lang="nl-NL" dirty="0" err="1"/>
+              <a:t>use</a:t>
+            </a:r>
+            <a:r>
+              <a:rPr lang="nl-NL" dirty="0"/>
+              <a:t> </a:t>
+            </a:r>
+            <a:r>
+              <a:rPr lang="nl-NL" dirty="0" err="1"/>
+              <a:t>the</a:t>
+            </a:r>
+            <a:r>
+              <a:rPr lang="nl-NL" dirty="0"/>
+              <a:t> Module </a:t>
+            </a:r>
+            <a:r>
+              <a:rPr lang="nl-NL" dirty="0" err="1"/>
+              <a:t>Replacer</a:t>
+            </a:r>
+            <a:r>
+              <a:rPr lang="nl-NL" dirty="0"/>
+              <a:t> </a:t>
+            </a:r>
+            <a:r>
+              <a:rPr lang="nl-NL" dirty="0" err="1"/>
+              <a:t>framework</a:t>
+            </a:r>
+            <a:r>
+              <a:rPr lang="nl-NL" dirty="0"/>
+              <a:t> </a:t>
+            </a:r>
+          </a:p>
+          <a:p>
+            <a:endParaRPr lang="nl-NL" dirty="0"/>
+          </a:p>
+          <a:p>
+            <a:r>
+              <a:rPr lang="nl-NL" dirty="0"/>
+              <a:t>None-native WANT_JSON Modules: </a:t>
+            </a:r>
+            <a:r>
+              <a:rPr lang="nl-NL" dirty="0" err="1"/>
+              <a:t>Contain</a:t>
+            </a:r>
+            <a:r>
+              <a:rPr lang="nl-NL" dirty="0"/>
+              <a:t> </a:t>
+            </a:r>
+            <a:r>
+              <a:rPr lang="nl-NL" dirty="0" err="1"/>
+              <a:t>the</a:t>
+            </a:r>
+            <a:r>
+              <a:rPr lang="nl-NL" dirty="0"/>
+              <a:t> WANT_JSON string. </a:t>
+            </a:r>
+            <a:r>
+              <a:rPr lang="nl-NL" dirty="0" err="1"/>
+              <a:t>They</a:t>
+            </a:r>
+            <a:r>
+              <a:rPr lang="nl-NL" dirty="0"/>
+              <a:t> </a:t>
+            </a:r>
+            <a:r>
+              <a:rPr lang="nl-NL" dirty="0" err="1"/>
+              <a:t>can</a:t>
+            </a:r>
+            <a:r>
+              <a:rPr lang="nl-NL" dirty="0"/>
+              <a:t> </a:t>
+            </a:r>
+            <a:r>
+              <a:rPr lang="nl-NL" dirty="0" err="1"/>
+              <a:t>only</a:t>
+            </a:r>
+            <a:r>
+              <a:rPr lang="nl-NL" dirty="0"/>
+              <a:t> accept 1 parameter: </a:t>
+            </a:r>
+            <a:r>
+              <a:rPr lang="nl-NL" dirty="0" err="1"/>
+              <a:t>filename</a:t>
+            </a:r>
+            <a:r>
+              <a:rPr lang="nl-NL" dirty="0"/>
+              <a:t> </a:t>
+            </a:r>
+            <a:r>
+              <a:rPr lang="nl-NL" dirty="0" err="1"/>
+              <a:t>wich</a:t>
+            </a:r>
+            <a:r>
+              <a:rPr lang="nl-NL" dirty="0"/>
+              <a:t> </a:t>
+            </a:r>
+            <a:r>
+              <a:rPr lang="nl-NL" dirty="0" err="1"/>
+              <a:t>contains</a:t>
+            </a:r>
+            <a:r>
+              <a:rPr lang="nl-NL" dirty="0"/>
+              <a:t> </a:t>
+            </a:r>
+            <a:r>
+              <a:rPr lang="nl-NL" dirty="0" err="1"/>
+              <a:t>the</a:t>
+            </a:r>
+            <a:r>
+              <a:rPr lang="nl-NL" dirty="0"/>
+              <a:t> JSON parameters </a:t>
+            </a:r>
+          </a:p>
+          <a:p>
+            <a:endParaRPr lang="nl-NL" dirty="0"/>
+          </a:p>
+          <a:p>
+            <a:r>
+              <a:rPr lang="nl-NL" dirty="0" err="1"/>
+              <a:t>Binary</a:t>
+            </a:r>
+            <a:r>
+              <a:rPr lang="nl-NL" dirty="0"/>
+              <a:t> Modules: </a:t>
+            </a:r>
+            <a:r>
+              <a:rPr lang="en-US" dirty="0"/>
+              <a:t>Ansible doesn’t perform any magic to make these portable to different systems so they may be specific to the system on which they were compiled or require other binary runtime dependencies. Despite these drawbacks, a site may sometimes have no choice but to compile a custom module against a specific binary library if that’s the only way they have to get access to certain resources.</a:t>
+            </a:r>
+          </a:p>
+          <a:p>
+            <a:r>
+              <a:rPr lang="en-US" dirty="0"/>
+              <a:t>Binary modules take their arguments and will return data to Ansible in the same way as </a:t>
+            </a:r>
+            <a:r>
+              <a:rPr lang="en-US" dirty="0">
+                <a:hlinkClick r:id="rId6"/>
+              </a:rPr>
+              <a:t>want JSON modules</a:t>
+            </a:r>
+            <a:r>
+              <a:rPr lang="en-US" dirty="0"/>
+              <a:t>.</a:t>
+            </a:r>
+          </a:p>
+          <a:p>
             <a:endParaRPr lang="nl-NL" dirty="0"/>
           </a:p>
         </p:txBody>
@@ -672,7 +978,7 @@
           <a:p>
             <a:fld id="{3EB4E6AA-C5E5-4A3E-8460-79F2BE99BEBD}" type="slidenum">
               <a:rPr lang="nl-NL" smtClean="0"/>
-              <a:t>12</a:t>
+              <a:t>11</a:t>
             </a:fld>
             <a:endParaRPr lang="nl-NL"/>
           </a:p>
@@ -681,7 +987,7 @@
     </p:spTree>
     <p:extLst>
       <p:ext uri="{BB962C8B-B14F-4D97-AF65-F5344CB8AC3E}">
-        <p14:creationId xmlns:p14="http://schemas.microsoft.com/office/powerpoint/2010/main" val="787151979"/>
+        <p14:creationId xmlns:p14="http://schemas.microsoft.com/office/powerpoint/2010/main" val="3687391455"/>
       </p:ext>
     </p:extLst>
   </p:cSld>
@@ -735,134 +1041,6 @@
           <a:bodyPr/>
           <a:lstStyle/>
           <a:p>
-            <a:r>
-              <a:rPr lang="en-US" dirty="0"/>
-              <a:t>The </a:t>
-            </a:r>
-            <a:r>
-              <a:rPr lang="en-US" dirty="0" err="1"/>
-              <a:t>argument_spec</a:t>
-            </a:r>
-            <a:r>
-              <a:rPr lang="en-US" dirty="0"/>
-              <a:t> provided to </a:t>
-            </a:r>
-            <a:r>
-              <a:rPr lang="en-US" dirty="0" err="1"/>
-              <a:t>AnsibleModule</a:t>
-            </a:r>
-            <a:r>
-              <a:rPr lang="en-US" dirty="0"/>
-              <a:t> defines the supported arguments for a module, as well as their type, defaults and more.</a:t>
-            </a:r>
-          </a:p>
-          <a:p>
-            <a:r>
-              <a:rPr lang="en-US" b="1" dirty="0"/>
-              <a:t>Argument: type</a:t>
-            </a:r>
-          </a:p>
-          <a:p>
-            <a:r>
-              <a:rPr lang="en-US" dirty="0"/>
-              <a:t>type allows you to define the type of the value accepted for the argument. The default value for type is str. Possible values are:</a:t>
-            </a:r>
-          </a:p>
-          <a:p>
-            <a:r>
-              <a:rPr lang="en-US" dirty="0"/>
-              <a:t>str, list, </a:t>
-            </a:r>
-            <a:r>
-              <a:rPr lang="en-US" dirty="0" err="1"/>
-              <a:t>dict</a:t>
-            </a:r>
-            <a:r>
-              <a:rPr lang="en-US" dirty="0"/>
-              <a:t>, bool, int, float, path, raw, </a:t>
-            </a:r>
-            <a:r>
-              <a:rPr lang="en-US" dirty="0" err="1"/>
-              <a:t>jsonarg</a:t>
-            </a:r>
-            <a:r>
-              <a:rPr lang="en-US" dirty="0"/>
-              <a:t>, json, bytes, bits</a:t>
-            </a:r>
-          </a:p>
-          <a:p>
-            <a:r>
-              <a:rPr lang="en-US" b="1" dirty="0"/>
-              <a:t>Argument: default</a:t>
-            </a:r>
-          </a:p>
-          <a:p>
-            <a:r>
-              <a:rPr lang="nl-NL" dirty="0" err="1"/>
-              <a:t>Defines</a:t>
-            </a:r>
-            <a:r>
-              <a:rPr lang="nl-NL" dirty="0"/>
-              <a:t> default </a:t>
-            </a:r>
-            <a:r>
-              <a:rPr lang="nl-NL" dirty="0" err="1"/>
-              <a:t>value</a:t>
-            </a:r>
-            <a:endParaRPr lang="nl-NL" dirty="0"/>
-          </a:p>
-          <a:p>
-            <a:r>
-              <a:rPr lang="nl-NL" b="1" dirty="0"/>
-              <a:t>Argument: </a:t>
-            </a:r>
-            <a:r>
-              <a:rPr lang="nl-NL" b="1" dirty="0" err="1"/>
-              <a:t>choices</a:t>
-            </a:r>
-            <a:endParaRPr lang="nl-NL" b="1" dirty="0"/>
-          </a:p>
-          <a:p>
-            <a:r>
-              <a:rPr lang="nl-NL" dirty="0" err="1"/>
-              <a:t>Accepts</a:t>
-            </a:r>
-            <a:r>
-              <a:rPr lang="nl-NL" dirty="0"/>
-              <a:t> a list of </a:t>
-            </a:r>
-            <a:r>
-              <a:rPr lang="nl-NL" dirty="0" err="1"/>
-              <a:t>choices</a:t>
-            </a:r>
-            <a:r>
-              <a:rPr lang="nl-NL" dirty="0"/>
-              <a:t> </a:t>
-            </a:r>
-            <a:r>
-              <a:rPr lang="nl-NL" dirty="0" err="1"/>
-              <a:t>the</a:t>
-            </a:r>
-            <a:r>
-              <a:rPr lang="nl-NL" dirty="0"/>
-              <a:t> </a:t>
-            </a:r>
-          </a:p>
-          <a:p>
-            <a:r>
-              <a:rPr lang="nl-NL" b="1" dirty="0"/>
-              <a:t>Argument </a:t>
-            </a:r>
-            <a:r>
-              <a:rPr lang="nl-NL" b="1" dirty="0" err="1"/>
-              <a:t>required</a:t>
-            </a:r>
-            <a:r>
-              <a:rPr lang="nl-NL" b="1" dirty="0"/>
-              <a:t>:</a:t>
-            </a:r>
-          </a:p>
-          <a:p>
             <a:endParaRPr lang="nl-NL" dirty="0"/>
           </a:p>
         </p:txBody>
@@ -884,7 +1062,7 @@
           <a:p>
             <a:fld id="{3EB4E6AA-C5E5-4A3E-8460-79F2BE99BEBD}" type="slidenum">
               <a:rPr lang="nl-NL" smtClean="0"/>
-              <a:t>13</a:t>
+              <a:t>12</a:t>
             </a:fld>
             <a:endParaRPr lang="nl-NL"/>
           </a:p>
@@ -893,7 +1071,7 @@
     </p:spTree>
     <p:extLst>
       <p:ext uri="{BB962C8B-B14F-4D97-AF65-F5344CB8AC3E}">
-        <p14:creationId xmlns:p14="http://schemas.microsoft.com/office/powerpoint/2010/main" val="1007722698"/>
+        <p14:creationId xmlns:p14="http://schemas.microsoft.com/office/powerpoint/2010/main" val="787151979"/>
       </p:ext>
     </p:extLst>
   </p:cSld>
@@ -947,6 +1125,134 @@
           <a:bodyPr/>
           <a:lstStyle/>
           <a:p>
+            <a:r>
+              <a:rPr lang="en-US" dirty="0"/>
+              <a:t>The </a:t>
+            </a:r>
+            <a:r>
+              <a:rPr lang="en-US" dirty="0" err="1"/>
+              <a:t>argument_spec</a:t>
+            </a:r>
+            <a:r>
+              <a:rPr lang="en-US" dirty="0"/>
+              <a:t> provided to </a:t>
+            </a:r>
+            <a:r>
+              <a:rPr lang="en-US" dirty="0" err="1"/>
+              <a:t>AnsibleModule</a:t>
+            </a:r>
+            <a:r>
+              <a:rPr lang="en-US" dirty="0"/>
+              <a:t> defines the supported arguments for a module, as well as their type, defaults and more.</a:t>
+            </a:r>
+          </a:p>
+          <a:p>
+            <a:r>
+              <a:rPr lang="en-US" b="1" dirty="0"/>
+              <a:t>Argument: type</a:t>
+            </a:r>
+          </a:p>
+          <a:p>
+            <a:r>
+              <a:rPr lang="en-US" dirty="0"/>
+              <a:t>type allows you to define the type of the value accepted for the argument. The default value for type is str. Possible values are:</a:t>
+            </a:r>
+          </a:p>
+          <a:p>
+            <a:r>
+              <a:rPr lang="en-US" dirty="0"/>
+              <a:t>str, list, </a:t>
+            </a:r>
+            <a:r>
+              <a:rPr lang="en-US" dirty="0" err="1"/>
+              <a:t>dict</a:t>
+            </a:r>
+            <a:r>
+              <a:rPr lang="en-US" dirty="0"/>
+              <a:t>, bool, int, float, path, raw, </a:t>
+            </a:r>
+            <a:r>
+              <a:rPr lang="en-US" dirty="0" err="1"/>
+              <a:t>jsonarg</a:t>
+            </a:r>
+            <a:r>
+              <a:rPr lang="en-US" dirty="0"/>
+              <a:t>, json, bytes, bits</a:t>
+            </a:r>
+          </a:p>
+          <a:p>
+            <a:r>
+              <a:rPr lang="en-US" b="1" dirty="0"/>
+              <a:t>Argument: default</a:t>
+            </a:r>
+          </a:p>
+          <a:p>
+            <a:r>
+              <a:rPr lang="nl-NL" dirty="0" err="1"/>
+              <a:t>Defines</a:t>
+            </a:r>
+            <a:r>
+              <a:rPr lang="nl-NL" dirty="0"/>
+              <a:t> default </a:t>
+            </a:r>
+            <a:r>
+              <a:rPr lang="nl-NL" dirty="0" err="1"/>
+              <a:t>value</a:t>
+            </a:r>
+            <a:endParaRPr lang="nl-NL" dirty="0"/>
+          </a:p>
+          <a:p>
+            <a:r>
+              <a:rPr lang="nl-NL" b="1" dirty="0"/>
+              <a:t>Argument: </a:t>
+            </a:r>
+            <a:r>
+              <a:rPr lang="nl-NL" b="1" dirty="0" err="1"/>
+              <a:t>choices</a:t>
+            </a:r>
+            <a:endParaRPr lang="nl-NL" b="1" dirty="0"/>
+          </a:p>
+          <a:p>
+            <a:r>
+              <a:rPr lang="nl-NL" dirty="0" err="1"/>
+              <a:t>Accepts</a:t>
+            </a:r>
+            <a:r>
+              <a:rPr lang="nl-NL" dirty="0"/>
+              <a:t> a list of </a:t>
+            </a:r>
+            <a:r>
+              <a:rPr lang="nl-NL" dirty="0" err="1"/>
+              <a:t>choices</a:t>
+            </a:r>
+            <a:r>
+              <a:rPr lang="nl-NL" dirty="0"/>
+              <a:t> </a:t>
+            </a:r>
+            <a:r>
+              <a:rPr lang="nl-NL" dirty="0" err="1"/>
+              <a:t>the</a:t>
+            </a:r>
+            <a:r>
+              <a:rPr lang="nl-NL" dirty="0"/>
+              <a:t> </a:t>
+            </a:r>
+          </a:p>
+          <a:p>
+            <a:r>
+              <a:rPr lang="nl-NL" b="1" dirty="0"/>
+              <a:t>Argument </a:t>
+            </a:r>
+            <a:r>
+              <a:rPr lang="nl-NL" b="1" dirty="0" err="1"/>
+              <a:t>required</a:t>
+            </a:r>
+            <a:r>
+              <a:rPr lang="nl-NL" b="1" dirty="0"/>
+              <a:t>:</a:t>
+            </a:r>
+          </a:p>
+          <a:p>
             <a:endParaRPr lang="nl-NL" dirty="0"/>
           </a:p>
         </p:txBody>
@@ -968,7 +1274,7 @@
           <a:p>
             <a:fld id="{3EB4E6AA-C5E5-4A3E-8460-79F2BE99BEBD}" type="slidenum">
               <a:rPr lang="nl-NL" smtClean="0"/>
-              <a:t>16</a:t>
+              <a:t>13</a:t>
             </a:fld>
             <a:endParaRPr lang="nl-NL"/>
           </a:p>
@@ -977,7 +1283,7 @@
     </p:spTree>
     <p:extLst>
       <p:ext uri="{BB962C8B-B14F-4D97-AF65-F5344CB8AC3E}">
-        <p14:creationId xmlns:p14="http://schemas.microsoft.com/office/powerpoint/2010/main" val="4070290050"/>
+        <p14:creationId xmlns:p14="http://schemas.microsoft.com/office/powerpoint/2010/main" val="1007722698"/>
       </p:ext>
     </p:extLst>
   </p:cSld>
@@ -1052,7 +1358,7 @@
           <a:p>
             <a:fld id="{3EB4E6AA-C5E5-4A3E-8460-79F2BE99BEBD}" type="slidenum">
               <a:rPr lang="nl-NL" smtClean="0"/>
-              <a:t>20</a:t>
+              <a:t>16</a:t>
             </a:fld>
             <a:endParaRPr lang="nl-NL"/>
           </a:p>
@@ -1061,7 +1367,7 @@
     </p:spTree>
     <p:extLst>
       <p:ext uri="{BB962C8B-B14F-4D97-AF65-F5344CB8AC3E}">
-        <p14:creationId xmlns:p14="http://schemas.microsoft.com/office/powerpoint/2010/main" val="1448744113"/>
+        <p14:creationId xmlns:p14="http://schemas.microsoft.com/office/powerpoint/2010/main" val="4070290050"/>
       </p:ext>
     </p:extLst>
   </p:cSld>
@@ -1136,7 +1442,7 @@
           <a:p>
             <a:fld id="{3EB4E6AA-C5E5-4A3E-8460-79F2BE99BEBD}" type="slidenum">
               <a:rPr lang="nl-NL" smtClean="0"/>
-              <a:t>23</a:t>
+              <a:t>17</a:t>
             </a:fld>
             <a:endParaRPr lang="nl-NL"/>
           </a:p>
@@ -1145,7 +1451,7 @@
     </p:spTree>
     <p:extLst>
       <p:ext uri="{BB962C8B-B14F-4D97-AF65-F5344CB8AC3E}">
-        <p14:creationId xmlns:p14="http://schemas.microsoft.com/office/powerpoint/2010/main" val="3642071706"/>
+        <p14:creationId xmlns:p14="http://schemas.microsoft.com/office/powerpoint/2010/main" val="4046329356"/>
       </p:ext>
     </p:extLst>
   </p:cSld>
@@ -1199,253 +1505,7 @@
           <a:bodyPr/>
           <a:lstStyle/>
           <a:p>
-            <a:r>
-              <a:rPr lang="nl-NL" dirty="0"/>
-              <a:t>The correct </a:t>
-            </a:r>
-            <a:r>
-              <a:rPr lang="nl-NL" dirty="0" err="1"/>
-              <a:t>place</a:t>
-            </a:r>
-            <a:r>
-              <a:rPr lang="nl-NL" dirty="0"/>
-              <a:t> </a:t>
-            </a:r>
-            <a:r>
-              <a:rPr lang="nl-NL" dirty="0" err="1"/>
-              <a:t>for</a:t>
-            </a:r>
-            <a:r>
-              <a:rPr lang="nl-NL" dirty="0"/>
-              <a:t> </a:t>
-            </a:r>
-            <a:r>
-              <a:rPr lang="nl-NL" dirty="0" err="1"/>
-              <a:t>your</a:t>
-            </a:r>
-            <a:r>
-              <a:rPr lang="nl-NL" dirty="0"/>
-              <a:t> module </a:t>
-            </a:r>
-            <a:r>
-              <a:rPr lang="nl-NL" dirty="0" err="1"/>
-              <a:t>depends</a:t>
-            </a:r>
-            <a:r>
-              <a:rPr lang="nl-NL" dirty="0"/>
-              <a:t> on </a:t>
-            </a:r>
-            <a:r>
-              <a:rPr lang="nl-NL" dirty="0" err="1"/>
-              <a:t>what</a:t>
-            </a:r>
-            <a:r>
-              <a:rPr lang="nl-NL" dirty="0"/>
-              <a:t> </a:t>
-            </a:r>
-            <a:r>
-              <a:rPr lang="nl-NL" dirty="0" err="1"/>
-              <a:t>your</a:t>
-            </a:r>
-            <a:r>
-              <a:rPr lang="nl-NL" dirty="0"/>
-              <a:t> module is </a:t>
-            </a:r>
-            <a:r>
-              <a:rPr lang="nl-NL" dirty="0" err="1"/>
-              <a:t>used</a:t>
-            </a:r>
-            <a:r>
-              <a:rPr lang="nl-NL" dirty="0"/>
-              <a:t> </a:t>
-            </a:r>
-            <a:r>
-              <a:rPr lang="nl-NL" dirty="0" err="1"/>
-              <a:t>for</a:t>
-            </a:r>
-            <a:r>
-              <a:rPr lang="nl-NL" dirty="0"/>
-              <a:t> </a:t>
-            </a:r>
-            <a:r>
-              <a:rPr lang="nl-NL" dirty="0" err="1"/>
-              <a:t>the</a:t>
-            </a:r>
-            <a:r>
-              <a:rPr lang="nl-NL" dirty="0"/>
-              <a:t> list is </a:t>
-            </a:r>
-            <a:r>
-              <a:rPr lang="nl-NL" dirty="0" err="1"/>
-              <a:t>cloud</a:t>
-            </a:r>
             <a:endParaRPr lang="nl-NL" dirty="0"/>
-          </a:p>
-          <a:p>
-            <a:r>
-              <a:rPr lang="nl-NL" dirty="0"/>
-              <a:t>clustering</a:t>
-            </a:r>
-          </a:p>
-          <a:p>
-            <a:r>
-              <a:rPr lang="nl-NL" dirty="0" err="1"/>
-              <a:t>commands</a:t>
-            </a:r>
-            <a:endParaRPr lang="nl-NL" dirty="0"/>
-          </a:p>
-          <a:p>
-            <a:r>
-              <a:rPr lang="nl-NL" dirty="0"/>
-              <a:t>crypto</a:t>
-            </a:r>
-          </a:p>
-          <a:p>
-            <a:r>
-              <a:rPr lang="nl-NL" dirty="0"/>
-              <a:t>database</a:t>
-            </a:r>
-          </a:p>
-          <a:p>
-            <a:r>
-              <a:rPr lang="nl-NL" dirty="0"/>
-              <a:t>files</a:t>
-            </a:r>
-          </a:p>
-          <a:p>
-            <a:r>
-              <a:rPr lang="nl-NL" dirty="0" err="1"/>
-              <a:t>identity</a:t>
-            </a:r>
-            <a:endParaRPr lang="nl-NL" dirty="0"/>
-          </a:p>
-          <a:p>
-            <a:r>
-              <a:rPr lang="nl-NL" dirty="0"/>
-              <a:t>__init__.py</a:t>
-            </a:r>
-          </a:p>
-          <a:p>
-            <a:r>
-              <a:rPr lang="nl-NL" dirty="0"/>
-              <a:t>__</a:t>
-            </a:r>
-            <a:r>
-              <a:rPr lang="nl-NL" dirty="0" err="1"/>
-              <a:t>init</a:t>
-            </a:r>
-            <a:r>
-              <a:rPr lang="nl-NL" dirty="0"/>
-              <a:t>__.</a:t>
-            </a:r>
-            <a:r>
-              <a:rPr lang="nl-NL" dirty="0" err="1"/>
-              <a:t>pyc</a:t>
-            </a:r>
-            <a:endParaRPr lang="nl-NL" dirty="0"/>
-          </a:p>
-          <a:p>
-            <a:r>
-              <a:rPr lang="nl-NL" dirty="0" err="1"/>
-              <a:t>inventory</a:t>
-            </a:r>
-            <a:endParaRPr lang="nl-NL" dirty="0"/>
-          </a:p>
-          <a:p>
-            <a:r>
-              <a:rPr lang="nl-NL" dirty="0"/>
-              <a:t>messaging</a:t>
-            </a:r>
-          </a:p>
-          <a:p>
-            <a:r>
-              <a:rPr lang="nl-NL" dirty="0"/>
-              <a:t>monitoring</a:t>
-            </a:r>
-          </a:p>
-          <a:p>
-            <a:r>
-              <a:rPr lang="nl-NL" dirty="0" err="1"/>
-              <a:t>net_tools</a:t>
-            </a:r>
-            <a:endParaRPr lang="nl-NL" dirty="0"/>
-          </a:p>
-          <a:p>
-            <a:r>
-              <a:rPr lang="nl-NL" dirty="0" err="1"/>
-              <a:t>network</a:t>
-            </a:r>
-            <a:endParaRPr lang="nl-NL" dirty="0"/>
-          </a:p>
-          <a:p>
-            <a:r>
-              <a:rPr lang="nl-NL" dirty="0" err="1"/>
-              <a:t>notification</a:t>
-            </a:r>
-            <a:endParaRPr lang="nl-NL" dirty="0"/>
-          </a:p>
-          <a:p>
-            <a:r>
-              <a:rPr lang="nl-NL" dirty="0" err="1"/>
-              <a:t>packaging</a:t>
-            </a:r>
-            <a:endParaRPr lang="nl-NL" dirty="0"/>
-          </a:p>
-          <a:p>
-            <a:r>
-              <a:rPr lang="nl-NL" dirty="0" err="1"/>
-              <a:t>remote_management</a:t>
-            </a:r>
-            <a:endParaRPr lang="nl-NL" dirty="0"/>
-          </a:p>
-          <a:p>
-            <a:r>
-              <a:rPr lang="nl-NL" dirty="0" err="1"/>
-              <a:t>source_control</a:t>
-            </a:r>
-            <a:endParaRPr lang="nl-NL" dirty="0"/>
-          </a:p>
-          <a:p>
-            <a:r>
-              <a:rPr lang="nl-NL" dirty="0"/>
-              <a:t>storage</a:t>
-            </a:r>
-          </a:p>
-          <a:p>
-            <a:r>
-              <a:rPr lang="nl-NL" dirty="0"/>
-              <a:t>system</a:t>
-            </a:r>
-          </a:p>
-          <a:p>
-            <a:r>
-              <a:rPr lang="nl-NL" dirty="0" err="1"/>
-              <a:t>utilities</a:t>
-            </a:r>
-            <a:endParaRPr lang="nl-NL" dirty="0"/>
-          </a:p>
-          <a:p>
-            <a:r>
-              <a:rPr lang="nl-NL" dirty="0" err="1"/>
-              <a:t>web_infrastructure</a:t>
-            </a:r>
-            <a:endParaRPr lang="nl-NL" dirty="0"/>
-          </a:p>
-          <a:p>
-            <a:r>
-              <a:rPr lang="nl-NL" dirty="0" err="1"/>
-              <a:t>windows</a:t>
-            </a:r>
-            <a:endParaRPr lang="nl-NL" dirty="0"/>
-          </a:p>
-          <a:p>
-            <a:endParaRPr lang="nl-NL" dirty="0"/>
-          </a:p>
-          <a:p>
-            <a:r>
-              <a:rPr lang="nl-NL" dirty="0"/>
-              <a:t> </a:t>
-            </a:r>
           </a:p>
         </p:txBody>
       </p:sp>
@@ -1466,7 +1526,505 @@
           <a:p>
             <a:fld id="{3EB4E6AA-C5E5-4A3E-8460-79F2BE99BEBD}" type="slidenum">
               <a:rPr lang="nl-NL" smtClean="0"/>
-              <a:t>24</a:t>
+              <a:t>18</a:t>
+            </a:fld>
+            <a:endParaRPr lang="nl-NL"/>
+          </a:p>
+        </p:txBody>
+      </p:sp>
+    </p:spTree>
+    <p:extLst>
+      <p:ext uri="{BB962C8B-B14F-4D97-AF65-F5344CB8AC3E}">
+        <p14:creationId xmlns:p14="http://schemas.microsoft.com/office/powerpoint/2010/main" val="3979729352"/>
+      </p:ext>
+    </p:extLst>
+  </p:cSld>
+  <p:clrMapOvr>
+    <a:masterClrMapping/>
+  </p:clrMapOvr>
+</p:notes>
+</file>
+
+<file path=ppt/notesSlides/notesSlide16.xml><?xml version="1.0" encoding="utf-8"?>
+<p:notes xmlns:a="http://schemas.openxmlformats.org/drawingml/2006/main" xmlns:r="http://schemas.openxmlformats.org/officeDocument/2006/relationships" xmlns:p="http://schemas.openxmlformats.org/presentationml/2006/main">
+  <p:cSld>
+    <p:spTree>
+      <p:nvGrpSpPr>
+        <p:cNvPr id="1" name=""/>
+        <p:cNvGrpSpPr/>
+        <p:nvPr/>
+      </p:nvGrpSpPr>
+      <p:grpSpPr>
+        <a:xfrm>
+          <a:off x="0" y="0"/>
+          <a:ext cx="0" cy="0"/>
+          <a:chOff x="0" y="0"/>
+          <a:chExt cx="0" cy="0"/>
+        </a:xfrm>
+      </p:grpSpPr>
+      <p:sp>
+        <p:nvSpPr>
+          <p:cNvPr id="2" name="Slide Image Placeholder 1"/>
+          <p:cNvSpPr>
+            <a:spLocks noGrp="1" noRot="1" noChangeAspect="1"/>
+          </p:cNvSpPr>
+          <p:nvPr>
+            <p:ph type="sldImg"/>
+          </p:nvPr>
+        </p:nvSpPr>
+        <p:spPr/>
+      </p:sp>
+      <p:sp>
+        <p:nvSpPr>
+          <p:cNvPr id="3" name="Notes Placeholder 2"/>
+          <p:cNvSpPr>
+            <a:spLocks noGrp="1"/>
+          </p:cNvSpPr>
+          <p:nvPr>
+            <p:ph type="body" idx="1"/>
+          </p:nvPr>
+        </p:nvSpPr>
+        <p:spPr/>
+        <p:txBody>
+          <a:bodyPr/>
+          <a:lstStyle/>
+          <a:p>
+            <a:endParaRPr lang="nl-NL" dirty="0"/>
+          </a:p>
+        </p:txBody>
+      </p:sp>
+      <p:sp>
+        <p:nvSpPr>
+          <p:cNvPr id="4" name="Slide Number Placeholder 3"/>
+          <p:cNvSpPr>
+            <a:spLocks noGrp="1"/>
+          </p:cNvSpPr>
+          <p:nvPr>
+            <p:ph type="sldNum" sz="quarter" idx="5"/>
+          </p:nvPr>
+        </p:nvSpPr>
+        <p:spPr/>
+        <p:txBody>
+          <a:bodyPr/>
+          <a:lstStyle/>
+          <a:p>
+            <a:fld id="{3EB4E6AA-C5E5-4A3E-8460-79F2BE99BEBD}" type="slidenum">
+              <a:rPr lang="nl-NL" smtClean="0"/>
+              <a:t>22</a:t>
+            </a:fld>
+            <a:endParaRPr lang="nl-NL"/>
+          </a:p>
+        </p:txBody>
+      </p:sp>
+    </p:spTree>
+    <p:extLst>
+      <p:ext uri="{BB962C8B-B14F-4D97-AF65-F5344CB8AC3E}">
+        <p14:creationId xmlns:p14="http://schemas.microsoft.com/office/powerpoint/2010/main" val="1448744113"/>
+      </p:ext>
+    </p:extLst>
+  </p:cSld>
+  <p:clrMapOvr>
+    <a:masterClrMapping/>
+  </p:clrMapOvr>
+</p:notes>
+</file>
+
+<file path=ppt/notesSlides/notesSlide17.xml><?xml version="1.0" encoding="utf-8"?>
+<p:notes xmlns:a="http://schemas.openxmlformats.org/drawingml/2006/main" xmlns:r="http://schemas.openxmlformats.org/officeDocument/2006/relationships" xmlns:p="http://schemas.openxmlformats.org/presentationml/2006/main">
+  <p:cSld>
+    <p:spTree>
+      <p:nvGrpSpPr>
+        <p:cNvPr id="1" name=""/>
+        <p:cNvGrpSpPr/>
+        <p:nvPr/>
+      </p:nvGrpSpPr>
+      <p:grpSpPr>
+        <a:xfrm>
+          <a:off x="0" y="0"/>
+          <a:ext cx="0" cy="0"/>
+          <a:chOff x="0" y="0"/>
+          <a:chExt cx="0" cy="0"/>
+        </a:xfrm>
+      </p:grpSpPr>
+      <p:sp>
+        <p:nvSpPr>
+          <p:cNvPr id="2" name="Slide Image Placeholder 1"/>
+          <p:cNvSpPr>
+            <a:spLocks noGrp="1" noRot="1" noChangeAspect="1"/>
+          </p:cNvSpPr>
+          <p:nvPr>
+            <p:ph type="sldImg"/>
+          </p:nvPr>
+        </p:nvSpPr>
+        <p:spPr/>
+      </p:sp>
+      <p:sp>
+        <p:nvSpPr>
+          <p:cNvPr id="3" name="Notes Placeholder 2"/>
+          <p:cNvSpPr>
+            <a:spLocks noGrp="1"/>
+          </p:cNvSpPr>
+          <p:nvPr>
+            <p:ph type="body" idx="1"/>
+          </p:nvPr>
+        </p:nvSpPr>
+        <p:spPr/>
+        <p:txBody>
+          <a:bodyPr/>
+          <a:lstStyle/>
+          <a:p>
+            <a:endParaRPr lang="nl-NL" dirty="0"/>
+          </a:p>
+        </p:txBody>
+      </p:sp>
+      <p:sp>
+        <p:nvSpPr>
+          <p:cNvPr id="4" name="Slide Number Placeholder 3"/>
+          <p:cNvSpPr>
+            <a:spLocks noGrp="1"/>
+          </p:cNvSpPr>
+          <p:nvPr>
+            <p:ph type="sldNum" sz="quarter" idx="5"/>
+          </p:nvPr>
+        </p:nvSpPr>
+        <p:spPr/>
+        <p:txBody>
+          <a:bodyPr/>
+          <a:lstStyle/>
+          <a:p>
+            <a:fld id="{3EB4E6AA-C5E5-4A3E-8460-79F2BE99BEBD}" type="slidenum">
+              <a:rPr lang="nl-NL" smtClean="0"/>
+              <a:t>25</a:t>
+            </a:fld>
+            <a:endParaRPr lang="nl-NL"/>
+          </a:p>
+        </p:txBody>
+      </p:sp>
+    </p:spTree>
+    <p:extLst>
+      <p:ext uri="{BB962C8B-B14F-4D97-AF65-F5344CB8AC3E}">
+        <p14:creationId xmlns:p14="http://schemas.microsoft.com/office/powerpoint/2010/main" val="3642071706"/>
+      </p:ext>
+    </p:extLst>
+  </p:cSld>
+  <p:clrMapOvr>
+    <a:masterClrMapping/>
+  </p:clrMapOvr>
+</p:notes>
+</file>
+
+<file path=ppt/notesSlides/notesSlide18.xml><?xml version="1.0" encoding="utf-8"?>
+<p:notes xmlns:a="http://schemas.openxmlformats.org/drawingml/2006/main" xmlns:r="http://schemas.openxmlformats.org/officeDocument/2006/relationships" xmlns:p="http://schemas.openxmlformats.org/presentationml/2006/main">
+  <p:cSld>
+    <p:spTree>
+      <p:nvGrpSpPr>
+        <p:cNvPr id="1" name=""/>
+        <p:cNvGrpSpPr/>
+        <p:nvPr/>
+      </p:nvGrpSpPr>
+      <p:grpSpPr>
+        <a:xfrm>
+          <a:off x="0" y="0"/>
+          <a:ext cx="0" cy="0"/>
+          <a:chOff x="0" y="0"/>
+          <a:chExt cx="0" cy="0"/>
+        </a:xfrm>
+      </p:grpSpPr>
+      <p:sp>
+        <p:nvSpPr>
+          <p:cNvPr id="2" name="Slide Image Placeholder 1"/>
+          <p:cNvSpPr>
+            <a:spLocks noGrp="1" noRot="1" noChangeAspect="1"/>
+          </p:cNvSpPr>
+          <p:nvPr>
+            <p:ph type="sldImg"/>
+          </p:nvPr>
+        </p:nvSpPr>
+        <p:spPr/>
+      </p:sp>
+      <p:sp>
+        <p:nvSpPr>
+          <p:cNvPr id="3" name="Notes Placeholder 2"/>
+          <p:cNvSpPr>
+            <a:spLocks noGrp="1"/>
+          </p:cNvSpPr>
+          <p:nvPr>
+            <p:ph type="body" idx="1"/>
+          </p:nvPr>
+        </p:nvSpPr>
+        <p:spPr/>
+        <p:txBody>
+          <a:bodyPr/>
+          <a:lstStyle/>
+          <a:p>
+            <a:r>
+              <a:rPr lang="nl-NL" dirty="0"/>
+              <a:t>The correct </a:t>
+            </a:r>
+            <a:r>
+              <a:rPr lang="nl-NL" dirty="0" err="1"/>
+              <a:t>place</a:t>
+            </a:r>
+            <a:r>
+              <a:rPr lang="nl-NL" dirty="0"/>
+              <a:t> </a:t>
+            </a:r>
+            <a:r>
+              <a:rPr lang="nl-NL" dirty="0" err="1"/>
+              <a:t>for</a:t>
+            </a:r>
+            <a:r>
+              <a:rPr lang="nl-NL" dirty="0"/>
+              <a:t> </a:t>
+            </a:r>
+            <a:r>
+              <a:rPr lang="nl-NL" dirty="0" err="1"/>
+              <a:t>your</a:t>
+            </a:r>
+            <a:r>
+              <a:rPr lang="nl-NL" dirty="0"/>
+              <a:t> module </a:t>
+            </a:r>
+            <a:r>
+              <a:rPr lang="nl-NL" dirty="0" err="1"/>
+              <a:t>depends</a:t>
+            </a:r>
+            <a:r>
+              <a:rPr lang="nl-NL" dirty="0"/>
+              <a:t> on </a:t>
+            </a:r>
+            <a:r>
+              <a:rPr lang="nl-NL" dirty="0" err="1"/>
+              <a:t>what</a:t>
+            </a:r>
+            <a:r>
+              <a:rPr lang="nl-NL" dirty="0"/>
+              <a:t> </a:t>
+            </a:r>
+            <a:r>
+              <a:rPr lang="nl-NL" dirty="0" err="1"/>
+              <a:t>your</a:t>
+            </a:r>
+            <a:r>
+              <a:rPr lang="nl-NL" dirty="0"/>
+              <a:t> module is </a:t>
+            </a:r>
+            <a:r>
+              <a:rPr lang="nl-NL" dirty="0" err="1"/>
+              <a:t>used</a:t>
+            </a:r>
+            <a:r>
+              <a:rPr lang="nl-NL" dirty="0"/>
+              <a:t> </a:t>
+            </a:r>
+            <a:r>
+              <a:rPr lang="nl-NL" dirty="0" err="1"/>
+              <a:t>for</a:t>
+            </a:r>
+            <a:r>
+              <a:rPr lang="nl-NL" dirty="0"/>
+              <a:t> </a:t>
+            </a:r>
+            <a:r>
+              <a:rPr lang="nl-NL" dirty="0" err="1"/>
+              <a:t>the</a:t>
+            </a:r>
+            <a:r>
+              <a:rPr lang="nl-NL" dirty="0"/>
+              <a:t> list is </a:t>
+            </a:r>
+            <a:r>
+              <a:rPr lang="nl-NL" dirty="0" err="1"/>
+              <a:t>cloud</a:t>
+            </a:r>
+            <a:endParaRPr lang="nl-NL" dirty="0"/>
+          </a:p>
+          <a:p>
+            <a:r>
+              <a:rPr lang="nl-NL" dirty="0"/>
+              <a:t>clustering</a:t>
+            </a:r>
+          </a:p>
+          <a:p>
+            <a:r>
+              <a:rPr lang="nl-NL" dirty="0" err="1"/>
+              <a:t>commands</a:t>
+            </a:r>
+            <a:endParaRPr lang="nl-NL" dirty="0"/>
+          </a:p>
+          <a:p>
+            <a:r>
+              <a:rPr lang="nl-NL" dirty="0"/>
+              <a:t>crypto</a:t>
+            </a:r>
+          </a:p>
+          <a:p>
+            <a:r>
+              <a:rPr lang="nl-NL" dirty="0"/>
+              <a:t>database</a:t>
+            </a:r>
+          </a:p>
+          <a:p>
+            <a:r>
+              <a:rPr lang="nl-NL" dirty="0"/>
+              <a:t>files</a:t>
+            </a:r>
+          </a:p>
+          <a:p>
+            <a:r>
+              <a:rPr lang="nl-NL" dirty="0" err="1"/>
+              <a:t>identity</a:t>
+            </a:r>
+            <a:endParaRPr lang="nl-NL" dirty="0"/>
+          </a:p>
+          <a:p>
+            <a:r>
+              <a:rPr lang="nl-NL" dirty="0"/>
+              <a:t>__init__.py</a:t>
+            </a:r>
+          </a:p>
+          <a:p>
+            <a:r>
+              <a:rPr lang="nl-NL" dirty="0"/>
+              <a:t>__</a:t>
+            </a:r>
+            <a:r>
+              <a:rPr lang="nl-NL" dirty="0" err="1"/>
+              <a:t>init</a:t>
+            </a:r>
+            <a:r>
+              <a:rPr lang="nl-NL" dirty="0"/>
+              <a:t>__.</a:t>
+            </a:r>
+            <a:r>
+              <a:rPr lang="nl-NL" dirty="0" err="1"/>
+              <a:t>pyc</a:t>
+            </a:r>
+            <a:endParaRPr lang="nl-NL" dirty="0"/>
+          </a:p>
+          <a:p>
+            <a:r>
+              <a:rPr lang="nl-NL" dirty="0" err="1"/>
+              <a:t>inventory</a:t>
+            </a:r>
+            <a:endParaRPr lang="nl-NL" dirty="0"/>
+          </a:p>
+          <a:p>
+            <a:r>
+              <a:rPr lang="nl-NL" dirty="0"/>
+              <a:t>messaging</a:t>
+            </a:r>
+          </a:p>
+          <a:p>
+            <a:r>
+              <a:rPr lang="nl-NL" dirty="0"/>
+              <a:t>monitoring</a:t>
+            </a:r>
+          </a:p>
+          <a:p>
+            <a:r>
+              <a:rPr lang="nl-NL" dirty="0" err="1"/>
+              <a:t>net_tools</a:t>
+            </a:r>
+            <a:endParaRPr lang="nl-NL" dirty="0"/>
+          </a:p>
+          <a:p>
+            <a:r>
+              <a:rPr lang="nl-NL" dirty="0" err="1"/>
+              <a:t>network</a:t>
+            </a:r>
+            <a:endParaRPr lang="nl-NL" dirty="0"/>
+          </a:p>
+          <a:p>
+            <a:r>
+              <a:rPr lang="nl-NL" dirty="0" err="1"/>
+              <a:t>notification</a:t>
+            </a:r>
+            <a:endParaRPr lang="nl-NL" dirty="0"/>
+          </a:p>
+          <a:p>
+            <a:r>
+              <a:rPr lang="nl-NL" dirty="0" err="1"/>
+              <a:t>packaging</a:t>
+            </a:r>
+            <a:endParaRPr lang="nl-NL" dirty="0"/>
+          </a:p>
+          <a:p>
+            <a:r>
+              <a:rPr lang="nl-NL" dirty="0" err="1"/>
+              <a:t>remote_management</a:t>
+            </a:r>
+            <a:endParaRPr lang="nl-NL" dirty="0"/>
+          </a:p>
+          <a:p>
+            <a:r>
+              <a:rPr lang="nl-NL" dirty="0" err="1"/>
+              <a:t>source_control</a:t>
+            </a:r>
+            <a:endParaRPr lang="nl-NL" dirty="0"/>
+          </a:p>
+          <a:p>
+            <a:r>
+              <a:rPr lang="nl-NL" dirty="0"/>
+              <a:t>storage</a:t>
+            </a:r>
+          </a:p>
+          <a:p>
+            <a:r>
+              <a:rPr lang="nl-NL" dirty="0"/>
+              <a:t>system</a:t>
+            </a:r>
+          </a:p>
+          <a:p>
+            <a:r>
+              <a:rPr lang="nl-NL" dirty="0" err="1"/>
+              <a:t>utilities</a:t>
+            </a:r>
+            <a:endParaRPr lang="nl-NL" dirty="0"/>
+          </a:p>
+          <a:p>
+            <a:r>
+              <a:rPr lang="nl-NL" dirty="0" err="1"/>
+              <a:t>web_infrastructure</a:t>
+            </a:r>
+            <a:endParaRPr lang="nl-NL" dirty="0"/>
+          </a:p>
+          <a:p>
+            <a:r>
+              <a:rPr lang="nl-NL" dirty="0" err="1"/>
+              <a:t>windows</a:t>
+            </a:r>
+            <a:endParaRPr lang="nl-NL" dirty="0"/>
+          </a:p>
+          <a:p>
+            <a:endParaRPr lang="nl-NL" dirty="0"/>
+          </a:p>
+          <a:p>
+            <a:r>
+              <a:rPr lang="nl-NL" dirty="0"/>
+              <a:t> </a:t>
+            </a:r>
+          </a:p>
+        </p:txBody>
+      </p:sp>
+      <p:sp>
+        <p:nvSpPr>
+          <p:cNvPr id="4" name="Slide Number Placeholder 3"/>
+          <p:cNvSpPr>
+            <a:spLocks noGrp="1"/>
+          </p:cNvSpPr>
+          <p:nvPr>
+            <p:ph type="sldNum" sz="quarter" idx="5"/>
+          </p:nvPr>
+        </p:nvSpPr>
+        <p:spPr/>
+        <p:txBody>
+          <a:bodyPr/>
+          <a:lstStyle/>
+          <a:p>
+            <a:fld id="{3EB4E6AA-C5E5-4A3E-8460-79F2BE99BEBD}" type="slidenum">
+              <a:rPr lang="nl-NL" smtClean="0"/>
+              <a:t>27</a:t>
             </a:fld>
             <a:endParaRPr lang="nl-NL"/>
           </a:p>
@@ -1697,34 +2255,6 @@
           <a:bodyPr/>
           <a:lstStyle/>
           <a:p>
-            <a:r>
-              <a:rPr lang="nl-NL" dirty="0" err="1"/>
-              <a:t>With</a:t>
-            </a:r>
-            <a:r>
-              <a:rPr lang="nl-NL" dirty="0"/>
-              <a:t> </a:t>
-            </a:r>
-            <a:r>
-              <a:rPr lang="nl-NL" dirty="0" err="1"/>
-              <a:t>Ansible</a:t>
-            </a:r>
-            <a:r>
-              <a:rPr lang="nl-NL" dirty="0"/>
-              <a:t> 2.7 </a:t>
-            </a:r>
-            <a:r>
-              <a:rPr lang="nl-NL" dirty="0" err="1"/>
-              <a:t>almost</a:t>
-            </a:r>
-            <a:r>
-              <a:rPr lang="nl-NL" dirty="0"/>
-              <a:t> 2350 modules are </a:t>
-            </a:r>
-            <a:r>
-              <a:rPr lang="nl-NL" dirty="0" err="1"/>
-              <a:t>shipped</a:t>
-            </a:r>
             <a:endParaRPr lang="nl-NL" dirty="0"/>
           </a:p>
         </p:txBody>
@@ -1746,7 +2276,7 @@
           <a:p>
             <a:fld id="{3EB4E6AA-C5E5-4A3E-8460-79F2BE99BEBD}" type="slidenum">
               <a:rPr lang="nl-NL" smtClean="0"/>
-              <a:t>6</a:t>
+              <a:t>4</a:t>
             </a:fld>
             <a:endParaRPr lang="nl-NL"/>
           </a:p>
@@ -1755,7 +2285,7 @@
     </p:spTree>
     <p:extLst>
       <p:ext uri="{BB962C8B-B14F-4D97-AF65-F5344CB8AC3E}">
-        <p14:creationId xmlns:p14="http://schemas.microsoft.com/office/powerpoint/2010/main" val="1764637714"/>
+        <p14:creationId xmlns:p14="http://schemas.microsoft.com/office/powerpoint/2010/main" val="3359138962"/>
       </p:ext>
     </p:extLst>
   </p:cSld>
@@ -1858,7 +2388,7 @@
           <a:p>
             <a:fld id="{3EB4E6AA-C5E5-4A3E-8460-79F2BE99BEBD}" type="slidenum">
               <a:rPr lang="nl-NL" smtClean="0"/>
-              <a:t>7</a:t>
+              <a:t>6</a:t>
             </a:fld>
             <a:endParaRPr lang="nl-NL"/>
           </a:p>
@@ -1867,7 +2397,7 @@
     </p:spTree>
     <p:extLst>
       <p:ext uri="{BB962C8B-B14F-4D97-AF65-F5344CB8AC3E}">
-        <p14:creationId xmlns:p14="http://schemas.microsoft.com/office/powerpoint/2010/main" val="1582214241"/>
+        <p14:creationId xmlns:p14="http://schemas.microsoft.com/office/powerpoint/2010/main" val="1764637714"/>
       </p:ext>
     </p:extLst>
   </p:cSld>
@@ -1970,7 +2500,7 @@
           <a:p>
             <a:fld id="{3EB4E6AA-C5E5-4A3E-8460-79F2BE99BEBD}" type="slidenum">
               <a:rPr lang="nl-NL" smtClean="0"/>
-              <a:t>8</a:t>
+              <a:t>7</a:t>
             </a:fld>
             <a:endParaRPr lang="nl-NL"/>
           </a:p>
@@ -1979,7 +2509,7 @@
     </p:spTree>
     <p:extLst>
       <p:ext uri="{BB962C8B-B14F-4D97-AF65-F5344CB8AC3E}">
-        <p14:creationId xmlns:p14="http://schemas.microsoft.com/office/powerpoint/2010/main" val="2204962345"/>
+        <p14:creationId xmlns:p14="http://schemas.microsoft.com/office/powerpoint/2010/main" val="1582214241"/>
       </p:ext>
     </p:extLst>
   </p:cSld>
@@ -2034,194 +2564,33 @@
           <a:lstStyle/>
           <a:p>
             <a:r>
-              <a:rPr lang="en-US" dirty="0"/>
-              <a:t>Before diving into the work of creating a new module, you should think about whether you actually </a:t>
-            </a:r>
-            <a:r>
-              <a:rPr lang="en-US" i="1" dirty="0"/>
-              <a:t>should</a:t>
-            </a:r>
-            <a:r>
-              <a:rPr lang="en-US" dirty="0"/>
-              <a:t> develop a module. Ask the following questions:</a:t>
-            </a:r>
-          </a:p>
-          <a:p>
-            <a:endParaRPr lang="en-US" dirty="0"/>
-          </a:p>
-          <a:p>
-            <a:r>
-              <a:rPr lang="en-US" dirty="0"/>
-              <a:t>Does a similar module already exist?</a:t>
-            </a:r>
-          </a:p>
-          <a:p>
-            <a:r>
-              <a:rPr lang="en-US" dirty="0"/>
-              <a:t>There are a lot of existing modules available, you should check out the list of existing modules at </a:t>
-            </a:r>
-            <a:r>
-              <a:rPr lang="en-US" dirty="0">
-                <a:hlinkClick r:id="rId3" tooltip="(in Python v3.7)"/>
-              </a:rPr>
-              <a:t>Importing Modules</a:t>
-            </a:r>
-            <a:endParaRPr lang="en-US" dirty="0"/>
-          </a:p>
-          <a:p>
-            <a:endParaRPr lang="en-US" dirty="0"/>
-          </a:p>
-          <a:p>
-            <a:r>
-              <a:rPr lang="en-US" dirty="0"/>
-              <a:t>Has someone already worked on a similar Pull Request?</a:t>
-            </a:r>
-          </a:p>
-          <a:p>
-            <a:r>
-              <a:rPr lang="en-US" dirty="0"/>
-              <a:t>It’s possible that someone has already started developing a similar PR. There are a few ways to find open module Pull Requests:</a:t>
-            </a:r>
-          </a:p>
-          <a:p>
-            <a:r>
-              <a:rPr lang="en-US" dirty="0">
-                <a:hlinkClick r:id="rId4"/>
-              </a:rPr>
-              <a:t>GitHub new module PRs</a:t>
-            </a:r>
-            <a:endParaRPr lang="en-US" dirty="0"/>
-          </a:p>
-          <a:p>
-            <a:r>
-              <a:rPr lang="en-US" dirty="0">
-                <a:hlinkClick r:id="rId5"/>
-              </a:rPr>
-              <a:t>All updates to modules</a:t>
-            </a:r>
-            <a:endParaRPr lang="en-US" dirty="0"/>
-          </a:p>
-          <a:p>
-            <a:r>
-              <a:rPr lang="en-US" dirty="0">
-                <a:hlinkClick r:id="rId6"/>
-              </a:rPr>
-              <a:t>New module PRs listed by directory</a:t>
-            </a:r>
-            <a:r>
-              <a:rPr lang="en-US" dirty="0"/>
-              <a:t> search for </a:t>
-            </a:r>
-            <a:r>
-              <a:rPr lang="en-US" i="1" dirty="0"/>
-              <a:t>lib/ansible/modules/</a:t>
-            </a:r>
-            <a:endParaRPr lang="en-US" dirty="0"/>
-          </a:p>
-          <a:p>
-            <a:r>
-              <a:rPr lang="en-US" dirty="0"/>
-              <a:t>If you find an existing PR that looks like it addresses the issue you are trying to solve, please provide feedback on the PR - this will speed up getting the PR merged.</a:t>
-            </a:r>
-          </a:p>
-          <a:p>
-            <a:endParaRPr lang="en-US" dirty="0"/>
-          </a:p>
-          <a:p>
-            <a:r>
-              <a:rPr lang="en-US" dirty="0"/>
-              <a:t>Should you use or develop an action plugin instead?</a:t>
-            </a:r>
-          </a:p>
-          <a:p>
-            <a:r>
-              <a:rPr lang="en-US" dirty="0"/>
-              <a:t>Action plugins get run on the master instead of on the target. For modules like file/copy/template, some of the work needs to be done on the master before the module executes on the target. Action plugins execute first on the master and can then execute the normal module on the target if necessary.</a:t>
-            </a:r>
-          </a:p>
-          <a:p>
-            <a:r>
-              <a:rPr lang="en-US" dirty="0"/>
-              <a:t>For more information about action plugins, read the </a:t>
-            </a:r>
-            <a:r>
-              <a:rPr lang="en-US" dirty="0">
-                <a:hlinkClick r:id="rId7"/>
-              </a:rPr>
-              <a:t>action plugins documentation</a:t>
-            </a:r>
-            <a:r>
-              <a:rPr lang="en-US" dirty="0"/>
-              <a:t>.</a:t>
-            </a:r>
-          </a:p>
-          <a:p>
-            <a:endParaRPr lang="en-US" dirty="0"/>
-          </a:p>
-          <a:p>
-            <a:r>
-              <a:rPr lang="en-US" dirty="0"/>
-              <a:t>Should you use a role instead?</a:t>
-            </a:r>
-          </a:p>
-          <a:p>
-            <a:r>
-              <a:rPr lang="en-US" dirty="0"/>
-              <a:t>Check out the </a:t>
-            </a:r>
-            <a:r>
-              <a:rPr lang="en-US" dirty="0">
-                <a:hlinkClick r:id="rId8"/>
-              </a:rPr>
-              <a:t>roles documentation</a:t>
-            </a:r>
-            <a:r>
-              <a:rPr lang="en-US" dirty="0"/>
-              <a:t>.</a:t>
-            </a:r>
-          </a:p>
-          <a:p>
-            <a:endParaRPr lang="en-US" dirty="0"/>
-          </a:p>
-          <a:p>
-            <a:r>
-              <a:rPr lang="en-US" dirty="0"/>
-              <a:t>Should you write multiple modules instead of one module?</a:t>
-            </a:r>
-          </a:p>
-          <a:p>
-            <a:r>
-              <a:rPr lang="en-US" dirty="0"/>
-              <a:t>The following guidelines will help you determine if your module attempts to do too much, and should likely be broken into several smaller modules.</a:t>
-            </a:r>
-          </a:p>
-          <a:p>
-            <a:r>
-              <a:rPr lang="en-US" dirty="0"/>
-              <a:t>Modules should have a concise and well defined functionality. Basically, follow the UNIX philosophy of doing one thing well.</a:t>
-            </a:r>
-          </a:p>
-          <a:p>
-            <a:r>
-              <a:rPr lang="en-US" dirty="0"/>
-              <a:t>Modules should not require that a user know all the underlying options of an </a:t>
-            </a:r>
-            <a:r>
-              <a:rPr lang="en-US" dirty="0" err="1"/>
-              <a:t>api</a:t>
-            </a:r>
-            <a:r>
-              <a:rPr lang="en-US" dirty="0"/>
-              <a:t>/tool to be used. For instance, if the legal values for a required module parameter cannot be documented, that’s a sign that the module would be rejected.</a:t>
-            </a:r>
-          </a:p>
-          <a:p>
-            <a:r>
-              <a:rPr lang="en-US" dirty="0"/>
-              <a:t>Modules should typically encompass much of the logic for interacting with a resource. A lightweight wrapper around an API that does not contain much logic would likely cause users to offload too much logic into a playbook, and for this reason the module would be rejected. Instead try creating multiple modules for interacting with smaller individual pieces of the API.</a:t>
-            </a:r>
-          </a:p>
-          <a:p>
+              <a:rPr lang="nl-NL" dirty="0" err="1"/>
+              <a:t>With</a:t>
+            </a:r>
+            <a:r>
+              <a:rPr lang="nl-NL" dirty="0"/>
+              <a:t> </a:t>
+            </a:r>
+            <a:r>
+              <a:rPr lang="nl-NL" dirty="0" err="1"/>
+              <a:t>Ansible</a:t>
+            </a:r>
+            <a:r>
+              <a:rPr lang="nl-NL" dirty="0"/>
+              <a:t> 2.7 </a:t>
+            </a:r>
+            <a:r>
+              <a:rPr lang="nl-NL" dirty="0" err="1"/>
+              <a:t>almost</a:t>
+            </a:r>
+            <a:r>
+              <a:rPr lang="nl-NL" dirty="0"/>
+              <a:t> 2350 modules are </a:t>
+            </a:r>
+            <a:r>
+              <a:rPr lang="nl-NL" dirty="0" err="1"/>
+              <a:t>shipped</a:t>
+            </a:r>
             <a:endParaRPr lang="nl-NL" dirty="0"/>
           </a:p>
         </p:txBody>
@@ -2243,7 +2612,7 @@
           <a:p>
             <a:fld id="{3EB4E6AA-C5E5-4A3E-8460-79F2BE99BEBD}" type="slidenum">
               <a:rPr lang="nl-NL" smtClean="0"/>
-              <a:t>9</a:t>
+              <a:t>8</a:t>
             </a:fld>
             <a:endParaRPr lang="nl-NL"/>
           </a:p>
@@ -2252,7 +2621,7 @@
     </p:spTree>
     <p:extLst>
       <p:ext uri="{BB962C8B-B14F-4D97-AF65-F5344CB8AC3E}">
-        <p14:creationId xmlns:p14="http://schemas.microsoft.com/office/powerpoint/2010/main" val="1106218187"/>
+        <p14:creationId xmlns:p14="http://schemas.microsoft.com/office/powerpoint/2010/main" val="2204962345"/>
       </p:ext>
     </p:extLst>
   </p:cSld>
@@ -2308,11 +2677,15 @@
           <a:p>
             <a:r>
               <a:rPr lang="en-US" dirty="0"/>
-              <a:t>Basically, follow the UNIX philosophy of doing one thing well.</a:t>
-            </a:r>
-            <a:r>
-              <a:rPr lang="nl-NL" dirty="0"/>
-              <a:t> </a:t>
+              <a:t>Before diving into the work of creating a new module, you should think about whether you actually </a:t>
+            </a:r>
+            <a:r>
+              <a:rPr lang="en-US" i="1" dirty="0"/>
+              <a:t>should</a:t>
+            </a:r>
+            <a:r>
+              <a:rPr lang="en-US" dirty="0"/>
+              <a:t> develop a module. Ask the following questions:</a:t>
             </a:r>
           </a:p>
           <a:p>
@@ -2321,23 +2694,176 @@
           <a:p>
             <a:r>
               <a:rPr lang="en-US" dirty="0"/>
-              <a:t>For instance, if the legal values for a required module parameter cannot be documented, that’s a sign that the module would be rejected</a:t>
-            </a:r>
-          </a:p>
-          <a:p>
+              <a:t>Does a similar module already exist?</a:t>
+            </a:r>
+          </a:p>
+          <a:p>
+            <a:r>
+              <a:rPr lang="en-US" dirty="0"/>
+              <a:t>There are a lot of existing modules available, you should check out the list of existing modules at </a:t>
+            </a:r>
+            <a:r>
+              <a:rPr lang="en-US" dirty="0">
+                <a:hlinkClick r:id="rId3" tooltip="(in Python v3.7)"/>
+              </a:rPr>
+              <a:t>Importing Modules</a:t>
+            </a:r>
             <a:endParaRPr lang="en-US" dirty="0"/>
           </a:p>
           <a:p>
+            <a:endParaRPr lang="en-US" dirty="0"/>
+          </a:p>
+          <a:p>
             <a:r>
               <a:rPr lang="en-US" dirty="0"/>
-              <a:t>A lightweight wrapper around an API that does not contain much logic would likely cause users to offload too much logic into a playbook, and for this reason the module would be rejected. Instead try creating </a:t>
+              <a:t>Has someone already worked on a similar Pull Request?</a:t>
             </a:r>
           </a:p>
           <a:p>
             <a:r>
               <a:rPr lang="en-US" dirty="0"/>
-              <a:t>multiple modules for interacting with smaller individual pieces of the API</a:t>
-            </a:r>
+              <a:t>It’s possible that someone has already started developing a similar PR. There are a few ways to find open module Pull Requests:</a:t>
+            </a:r>
+          </a:p>
+          <a:p>
+            <a:r>
+              <a:rPr lang="en-US" dirty="0">
+                <a:hlinkClick r:id="rId4"/>
+              </a:rPr>
+              <a:t>GitHub new module PRs</a:t>
+            </a:r>
+            <a:endParaRPr lang="en-US" dirty="0"/>
+          </a:p>
+          <a:p>
+            <a:r>
+              <a:rPr lang="en-US" dirty="0">
+                <a:hlinkClick r:id="rId5"/>
+              </a:rPr>
+              <a:t>All updates to modules</a:t>
+            </a:r>
+            <a:endParaRPr lang="en-US" dirty="0"/>
+          </a:p>
+          <a:p>
+            <a:r>
+              <a:rPr lang="en-US" dirty="0">
+                <a:hlinkClick r:id="rId6"/>
+              </a:rPr>
+              <a:t>New module PRs listed by directory</a:t>
+            </a:r>
+            <a:r>
+              <a:rPr lang="en-US" dirty="0"/>
+              <a:t> search for </a:t>
+            </a:r>
+            <a:r>
+              <a:rPr lang="en-US" i="1" dirty="0"/>
+              <a:t>lib/ansible/modules/</a:t>
+            </a:r>
+            <a:endParaRPr lang="en-US" dirty="0"/>
+          </a:p>
+          <a:p>
+            <a:r>
+              <a:rPr lang="en-US" dirty="0"/>
+              <a:t>If you find an existing PR that looks like it addresses the issue you are trying to solve, please provide feedback on the PR - this will speed up getting the PR merged.</a:t>
+            </a:r>
+          </a:p>
+          <a:p>
+            <a:endParaRPr lang="en-US" dirty="0"/>
+          </a:p>
+          <a:p>
+            <a:r>
+              <a:rPr lang="en-US" dirty="0"/>
+              <a:t>Should you use or develop an action plugin instead?</a:t>
+            </a:r>
+          </a:p>
+          <a:p>
+            <a:r>
+              <a:rPr lang="en-US" dirty="0"/>
+              <a:t>Action plugins get run on the master instead of on the target. For modules like file/copy/template, some of the work needs to be done on the master before the module executes on the target. Action plugins execute first on the master and can then execute the normal module on the target if necessary.</a:t>
+            </a:r>
+          </a:p>
+          <a:p>
+            <a:r>
+              <a:rPr lang="en-US" dirty="0"/>
+              <a:t>For more information about action plugins, read the </a:t>
+            </a:r>
+            <a:r>
+              <a:rPr lang="en-US" dirty="0">
+                <a:hlinkClick r:id="rId7"/>
+              </a:rPr>
+              <a:t>action plugins documentation</a:t>
+            </a:r>
+            <a:r>
+              <a:rPr lang="en-US" dirty="0"/>
+              <a:t>.</a:t>
+            </a:r>
+          </a:p>
+          <a:p>
+            <a:endParaRPr lang="en-US" dirty="0"/>
+          </a:p>
+          <a:p>
+            <a:r>
+              <a:rPr lang="en-US" dirty="0"/>
+              <a:t>Should you use a role instead?</a:t>
+            </a:r>
+          </a:p>
+          <a:p>
+            <a:r>
+              <a:rPr lang="en-US" dirty="0"/>
+              <a:t>Check out the </a:t>
+            </a:r>
+            <a:r>
+              <a:rPr lang="en-US" dirty="0">
+                <a:hlinkClick r:id="rId8"/>
+              </a:rPr>
+              <a:t>roles documentation</a:t>
+            </a:r>
+            <a:r>
+              <a:rPr lang="en-US" dirty="0"/>
+              <a:t>.</a:t>
+            </a:r>
+          </a:p>
+          <a:p>
+            <a:endParaRPr lang="en-US" dirty="0"/>
+          </a:p>
+          <a:p>
+            <a:r>
+              <a:rPr lang="en-US" dirty="0"/>
+              <a:t>Should you write multiple modules instead of one module?</a:t>
+            </a:r>
+          </a:p>
+          <a:p>
+            <a:r>
+              <a:rPr lang="en-US" dirty="0"/>
+              <a:t>The following guidelines will help you determine if your module attempts to do too much, and should likely be broken into several smaller modules.</a:t>
+            </a:r>
+          </a:p>
+          <a:p>
+            <a:r>
+              <a:rPr lang="en-US" dirty="0"/>
+              <a:t>Modules should have a concise and well defined functionality. Basically, follow the UNIX philosophy of doing one thing well.</a:t>
+            </a:r>
+          </a:p>
+          <a:p>
+            <a:r>
+              <a:rPr lang="en-US" dirty="0"/>
+              <a:t>Modules should not require that a user know all the underlying options of an </a:t>
+            </a:r>
+            <a:r>
+              <a:rPr lang="en-US" dirty="0" err="1"/>
+              <a:t>api</a:t>
+            </a:r>
+            <a:r>
+              <a:rPr lang="en-US" dirty="0"/>
+              <a:t>/tool to be used. For instance, if the legal values for a required module parameter cannot be documented, that’s a sign that the module would be rejected.</a:t>
+            </a:r>
+          </a:p>
+          <a:p>
+            <a:r>
+              <a:rPr lang="en-US" dirty="0"/>
+              <a:t>Modules should typically encompass much of the logic for interacting with a resource. A lightweight wrapper around an API that does not contain much logic would likely cause users to offload too much logic into a playbook, and for this reason the module would be rejected. Instead try creating multiple modules for interacting with smaller individual pieces of the API.</a:t>
+            </a:r>
+          </a:p>
+          <a:p>
             <a:endParaRPr lang="nl-NL" dirty="0"/>
           </a:p>
         </p:txBody>
@@ -2359,7 +2885,7 @@
           <a:p>
             <a:fld id="{3EB4E6AA-C5E5-4A3E-8460-79F2BE99BEBD}" type="slidenum">
               <a:rPr lang="nl-NL" smtClean="0"/>
-              <a:t>10</a:t>
+              <a:t>9</a:t>
             </a:fld>
             <a:endParaRPr lang="nl-NL"/>
           </a:p>
@@ -2368,7 +2894,7 @@
     </p:spTree>
     <p:extLst>
       <p:ext uri="{BB962C8B-B14F-4D97-AF65-F5344CB8AC3E}">
-        <p14:creationId xmlns:p14="http://schemas.microsoft.com/office/powerpoint/2010/main" val="2523418071"/>
+        <p14:creationId xmlns:p14="http://schemas.microsoft.com/office/powerpoint/2010/main" val="1106218187"/>
       </p:ext>
     </p:extLst>
   </p:cSld>
@@ -2424,321 +2950,36 @@
           <a:p>
             <a:r>
               <a:rPr lang="en-US" dirty="0"/>
-              <a:t>Action Plugins look like modules to end users who are writing </a:t>
-            </a:r>
-            <a:r>
-              <a:rPr lang="en-US" dirty="0">
-                <a:hlinkClick r:id="rId3"/>
-              </a:rPr>
-              <a:t>playbooks</a:t>
-            </a:r>
+              <a:t>Basically, follow the UNIX philosophy of doing one thing well.</a:t>
+            </a:r>
+            <a:r>
+              <a:rPr lang="nl-NL" dirty="0"/>
+              <a:t> </a:t>
+            </a:r>
+          </a:p>
+          <a:p>
+            <a:endParaRPr lang="en-US" dirty="0"/>
+          </a:p>
+          <a:p>
             <a:r>
               <a:rPr lang="en-US" dirty="0"/>
-              <a:t> but they’re distinct entities for the purposes of this document. Action Plugins always execute on the controller and are sometimes able to do all work there (for instance, the debug Action Plugin which prints some text for the user to see or the assert Action Plugin which can test whether several values in a playbook satisfy certain criteria.)</a:t>
-            </a:r>
+              <a:t>For instance, if the legal values for a required module parameter cannot be documented, that’s a sign that the module would be rejected</a:t>
+            </a:r>
+          </a:p>
+          <a:p>
+            <a:endParaRPr lang="en-US" dirty="0"/>
           </a:p>
           <a:p>
             <a:r>
               <a:rPr lang="en-US" dirty="0"/>
-              <a:t>More often, Action Plugins set up some values on the controller, then invoke an actual module on the managed node that does something with these values. An easy to understand version of this is the </a:t>
-            </a:r>
-            <a:r>
-              <a:rPr lang="en-US" dirty="0">
-                <a:hlinkClick r:id="rId4"/>
-              </a:rPr>
-              <a:t>template Action Plugin</a:t>
-            </a:r>
+              <a:t>A lightweight wrapper around an API that does not contain much logic would likely cause users to offload too much logic into a playbook, and for this reason the module would be rejected. Instead try creating </a:t>
+            </a:r>
+          </a:p>
+          <a:p>
             <a:r>
               <a:rPr lang="en-US" dirty="0"/>
-              <a:t>. The </a:t>
-            </a:r>
-            <a:r>
-              <a:rPr lang="en-US" dirty="0">
-                <a:hlinkClick r:id="rId4"/>
-              </a:rPr>
-              <a:t>template Action Plugin</a:t>
-            </a:r>
-            <a:r>
-              <a:rPr lang="en-US" dirty="0"/>
-              <a:t> takes values from the user to construct a file in a temporary location on the controller using variables from the playbook environment. It then transfers the temporary file to a temporary file on the remote system. After that, it invokes the </a:t>
-            </a:r>
-            <a:r>
-              <a:rPr lang="en-US" dirty="0">
-                <a:hlinkClick r:id="rId5"/>
-              </a:rPr>
-              <a:t>copy module</a:t>
-            </a:r>
-            <a:r>
-              <a:rPr lang="en-US" dirty="0"/>
-              <a:t> which operates on the remote system to move the file into its final location, sets file permissions, and so on.</a:t>
-            </a:r>
-          </a:p>
-          <a:p>
-            <a:endParaRPr lang="nl-NL" dirty="0"/>
-          </a:p>
-          <a:p>
-            <a:r>
-              <a:rPr lang="nl-NL" dirty="0"/>
-              <a:t>Python modules </a:t>
-            </a:r>
-            <a:r>
-              <a:rPr lang="nl-NL" dirty="0" err="1"/>
-              <a:t>with</a:t>
-            </a:r>
-            <a:r>
-              <a:rPr lang="nl-NL" dirty="0"/>
-              <a:t> </a:t>
-            </a:r>
-            <a:r>
-              <a:rPr lang="nl-NL" dirty="0" err="1"/>
-              <a:t>the</a:t>
-            </a:r>
-            <a:r>
-              <a:rPr lang="nl-NL" dirty="0"/>
-              <a:t> </a:t>
-            </a:r>
-            <a:r>
-              <a:rPr lang="nl-NL" dirty="0" err="1"/>
-              <a:t>Ansiballz</a:t>
-            </a:r>
-            <a:r>
-              <a:rPr lang="nl-NL" dirty="0"/>
-              <a:t> Framework is wat we are </a:t>
-            </a:r>
-            <a:r>
-              <a:rPr lang="nl-NL" dirty="0" err="1"/>
-              <a:t>going</a:t>
-            </a:r>
-            <a:r>
-              <a:rPr lang="nl-NL" dirty="0"/>
-              <a:t> </a:t>
-            </a:r>
-            <a:r>
-              <a:rPr lang="nl-NL" dirty="0" err="1"/>
-              <a:t>to</a:t>
-            </a:r>
-            <a:r>
-              <a:rPr lang="nl-NL" dirty="0"/>
-              <a:t> </a:t>
-            </a:r>
-            <a:r>
-              <a:rPr lang="nl-NL" dirty="0" err="1"/>
-              <a:t>work</a:t>
-            </a:r>
-            <a:r>
-              <a:rPr lang="nl-NL" dirty="0"/>
-              <a:t> on </a:t>
-            </a:r>
-            <a:r>
-              <a:rPr lang="nl-NL" dirty="0" err="1"/>
-              <a:t>today</a:t>
-            </a:r>
-            <a:endParaRPr lang="nl-NL" dirty="0"/>
-          </a:p>
-          <a:p>
-            <a:endParaRPr lang="nl-NL" dirty="0"/>
-          </a:p>
-          <a:p>
-            <a:r>
-              <a:rPr lang="nl-NL" dirty="0"/>
-              <a:t>Next </a:t>
-            </a:r>
-            <a:r>
-              <a:rPr lang="nl-NL" dirty="0" err="1"/>
-              <a:t>to</a:t>
-            </a:r>
-            <a:r>
-              <a:rPr lang="nl-NL" dirty="0"/>
-              <a:t> </a:t>
-            </a:r>
-            <a:r>
-              <a:rPr lang="nl-NL" dirty="0" err="1"/>
-              <a:t>this</a:t>
-            </a:r>
-            <a:r>
-              <a:rPr lang="nl-NL" dirty="0"/>
-              <a:t> </a:t>
-            </a:r>
-            <a:r>
-              <a:rPr lang="nl-NL" dirty="0" err="1"/>
-              <a:t>you</a:t>
-            </a:r>
-            <a:r>
-              <a:rPr lang="nl-NL" dirty="0"/>
-              <a:t> </a:t>
-            </a:r>
-            <a:r>
-              <a:rPr lang="nl-NL" dirty="0" err="1"/>
-              <a:t>can</a:t>
-            </a:r>
-            <a:r>
-              <a:rPr lang="nl-NL" dirty="0"/>
-              <a:t> have modules </a:t>
-            </a:r>
-            <a:r>
-              <a:rPr lang="nl-NL" dirty="0" err="1"/>
-              <a:t>written</a:t>
-            </a:r>
-            <a:r>
-              <a:rPr lang="nl-NL" dirty="0"/>
-              <a:t> in Powershell, </a:t>
-            </a:r>
-            <a:r>
-              <a:rPr lang="nl-NL" dirty="0" err="1"/>
-              <a:t>they</a:t>
-            </a:r>
-            <a:r>
-              <a:rPr lang="nl-NL" dirty="0"/>
-              <a:t> </a:t>
-            </a:r>
-            <a:r>
-              <a:rPr lang="nl-NL" dirty="0" err="1"/>
-              <a:t>use</a:t>
-            </a:r>
-            <a:r>
-              <a:rPr lang="nl-NL" dirty="0"/>
-              <a:t> </a:t>
-            </a:r>
-            <a:r>
-              <a:rPr lang="nl-NL" dirty="0" err="1"/>
-              <a:t>the</a:t>
-            </a:r>
-            <a:r>
-              <a:rPr lang="nl-NL" dirty="0"/>
-              <a:t> Module </a:t>
-            </a:r>
-            <a:r>
-              <a:rPr lang="nl-NL" dirty="0" err="1"/>
-              <a:t>Replacer</a:t>
-            </a:r>
-            <a:r>
-              <a:rPr lang="nl-NL" dirty="0"/>
-              <a:t> </a:t>
-            </a:r>
-            <a:r>
-              <a:rPr lang="nl-NL" dirty="0" err="1"/>
-              <a:t>framework</a:t>
-            </a:r>
-            <a:r>
-              <a:rPr lang="nl-NL" dirty="0"/>
-              <a:t> </a:t>
-            </a:r>
-          </a:p>
-          <a:p>
-            <a:endParaRPr lang="nl-NL" dirty="0"/>
-          </a:p>
-          <a:p>
-            <a:r>
-              <a:rPr lang="nl-NL" dirty="0"/>
-              <a:t>None-native WANT_JSON Modules: </a:t>
-            </a:r>
-            <a:r>
-              <a:rPr lang="nl-NL" dirty="0" err="1"/>
-              <a:t>Contain</a:t>
-            </a:r>
-            <a:r>
-              <a:rPr lang="nl-NL" dirty="0"/>
-              <a:t> </a:t>
-            </a:r>
-            <a:r>
-              <a:rPr lang="nl-NL" dirty="0" err="1"/>
-              <a:t>the</a:t>
-            </a:r>
-            <a:r>
-              <a:rPr lang="nl-NL" dirty="0"/>
-              <a:t> WANT_JSON string. </a:t>
-            </a:r>
-            <a:r>
-              <a:rPr lang="nl-NL" dirty="0" err="1"/>
-              <a:t>They</a:t>
-            </a:r>
-            <a:r>
-              <a:rPr lang="nl-NL" dirty="0"/>
-              <a:t> </a:t>
-            </a:r>
-            <a:r>
-              <a:rPr lang="nl-NL" dirty="0" err="1"/>
-              <a:t>can</a:t>
-            </a:r>
-            <a:r>
-              <a:rPr lang="nl-NL" dirty="0"/>
-              <a:t> </a:t>
-            </a:r>
-            <a:r>
-              <a:rPr lang="nl-NL" dirty="0" err="1"/>
-              <a:t>only</a:t>
-            </a:r>
-            <a:r>
-              <a:rPr lang="nl-NL" dirty="0"/>
-              <a:t> accept 1 parameter: </a:t>
-            </a:r>
-            <a:r>
-              <a:rPr lang="nl-NL" dirty="0" err="1"/>
-              <a:t>filename</a:t>
-            </a:r>
-            <a:r>
-              <a:rPr lang="nl-NL" dirty="0"/>
-              <a:t> </a:t>
-            </a:r>
-            <a:r>
-              <a:rPr lang="nl-NL" dirty="0" err="1"/>
-              <a:t>wich</a:t>
-            </a:r>
-            <a:r>
-              <a:rPr lang="nl-NL" dirty="0"/>
-              <a:t> </a:t>
-            </a:r>
-            <a:r>
-              <a:rPr lang="nl-NL" dirty="0" err="1"/>
-              <a:t>contains</a:t>
-            </a:r>
-            <a:r>
-              <a:rPr lang="nl-NL" dirty="0"/>
-              <a:t> </a:t>
-            </a:r>
-            <a:r>
-              <a:rPr lang="nl-NL" dirty="0" err="1"/>
-              <a:t>the</a:t>
-            </a:r>
-            <a:r>
-              <a:rPr lang="nl-NL" dirty="0"/>
-              <a:t> JSON parameters </a:t>
-            </a:r>
-          </a:p>
-          <a:p>
-            <a:endParaRPr lang="nl-NL" dirty="0"/>
-          </a:p>
-          <a:p>
-            <a:r>
-              <a:rPr lang="nl-NL" dirty="0" err="1"/>
-              <a:t>Binary</a:t>
-            </a:r>
-            <a:r>
-              <a:rPr lang="nl-NL" dirty="0"/>
-              <a:t> Modules: </a:t>
-            </a:r>
-            <a:r>
-              <a:rPr lang="en-US" dirty="0"/>
-              <a:t>Ansible doesn’t perform any magic to make these portable to different systems so they may be specific to the system on which they were compiled or require other binary runtime dependencies. Despite these drawbacks, a site may sometimes have no choice but to compile a custom module against a specific binary library if that’s the only way they have to get access to certain resources.</a:t>
-            </a:r>
-          </a:p>
-          <a:p>
-            <a:r>
-              <a:rPr lang="en-US" dirty="0"/>
-              <a:t>Binary modules take their arguments and will return data to Ansible in the same way as </a:t>
-            </a:r>
-            <a:r>
-              <a:rPr lang="en-US" dirty="0">
-                <a:hlinkClick r:id="rId6"/>
-              </a:rPr>
-              <a:t>want JSON modules</a:t>
-            </a:r>
-            <a:r>
-              <a:rPr lang="en-US" dirty="0"/>
-              <a:t>.</a:t>
-            </a:r>
-          </a:p>
-          <a:p>
+              <a:t>multiple modules for interacting with smaller individual pieces of the API</a:t>
+            </a:r>
             <a:endParaRPr lang="nl-NL" dirty="0"/>
           </a:p>
         </p:txBody>
@@ -2760,7 +3001,7 @@
           <a:p>
             <a:fld id="{3EB4E6AA-C5E5-4A3E-8460-79F2BE99BEBD}" type="slidenum">
               <a:rPr lang="nl-NL" smtClean="0"/>
-              <a:t>11</a:t>
+              <a:t>10</a:t>
             </a:fld>
             <a:endParaRPr lang="nl-NL"/>
           </a:p>
@@ -2769,7 +3010,7 @@
     </p:spTree>
     <p:extLst>
       <p:ext uri="{BB962C8B-B14F-4D97-AF65-F5344CB8AC3E}">
-        <p14:creationId xmlns:p14="http://schemas.microsoft.com/office/powerpoint/2010/main" val="3687391455"/>
+        <p14:creationId xmlns:p14="http://schemas.microsoft.com/office/powerpoint/2010/main" val="2523418071"/>
       </p:ext>
     </p:extLst>
   </p:cSld>
@@ -3278,14 +3519,14 @@
           <a:effectLst/>
           <a:extLst>
             <a:ext uri="{909E8E84-426E-40dd-AFC4-6F175D3DCCD1}">
-              <a14:hiddenFill xmlns="" xmlns:a14="http://schemas.microsoft.com/office/drawing/2010/main">
+              <a14:hiddenFill xmlns:a14="http://schemas.microsoft.com/office/drawing/2010/main" xmlns="">
                 <a:solidFill>
                   <a:srgbClr val="FFFFFF"/>
                 </a:solidFill>
               </a14:hiddenFill>
             </a:ext>
             <a:ext uri="{91240B29-F687-4f45-9708-019B960494DF}">
-              <a14:hiddenLine xmlns="" xmlns:a14="http://schemas.microsoft.com/office/drawing/2010/main" w="12700" cap="flat" cmpd="sng">
+              <a14:hiddenLine xmlns:a14="http://schemas.microsoft.com/office/drawing/2010/main" xmlns="" w="12700" cap="flat" cmpd="sng">
                 <a:solidFill>
                   <a:srgbClr val="000000"/>
                 </a:solidFill>
@@ -3296,7 +3537,7 @@
               </a14:hiddenLine>
             </a:ext>
             <a:ext uri="{AF507438-7753-43e0-B8FC-AC1667EBCBE1}">
-              <a14:hiddenEffects xmlns="" xmlns:a14="http://schemas.microsoft.com/office/drawing/2010/main">
+              <a14:hiddenEffects xmlns:a14="http://schemas.microsoft.com/office/drawing/2010/main" xmlns="">
                 <a:effectLst>
                   <a:outerShdw blurRad="63500" dist="38099" dir="2700000" algn="ctr" rotWithShape="0">
                     <a:srgbClr val="000000">
@@ -3715,14 +3956,14 @@
           <a:effectLst/>
           <a:extLst>
             <a:ext uri="{909E8E84-426E-40dd-AFC4-6F175D3DCCD1}">
-              <a14:hiddenFill xmlns="" xmlns:a14="http://schemas.microsoft.com/office/drawing/2010/main">
+              <a14:hiddenFill xmlns:a14="http://schemas.microsoft.com/office/drawing/2010/main" xmlns="">
                 <a:solidFill>
                   <a:srgbClr val="FFFFFF"/>
                 </a:solidFill>
               </a14:hiddenFill>
             </a:ext>
             <a:ext uri="{91240B29-F687-4f45-9708-019B960494DF}">
-              <a14:hiddenLine xmlns="" xmlns:a14="http://schemas.microsoft.com/office/drawing/2010/main" w="12700" cap="flat" cmpd="sng">
+              <a14:hiddenLine xmlns:a14="http://schemas.microsoft.com/office/drawing/2010/main" xmlns="" w="12700" cap="flat" cmpd="sng">
                 <a:solidFill>
                   <a:srgbClr val="000000"/>
                 </a:solidFill>
@@ -3733,7 +3974,7 @@
               </a14:hiddenLine>
             </a:ext>
             <a:ext uri="{AF507438-7753-43e0-B8FC-AC1667EBCBE1}">
-              <a14:hiddenEffects xmlns="" xmlns:a14="http://schemas.microsoft.com/office/drawing/2010/main">
+              <a14:hiddenEffects xmlns:a14="http://schemas.microsoft.com/office/drawing/2010/main" xmlns="">
                 <a:effectLst>
                   <a:outerShdw blurRad="63500" dist="38099" dir="2700000" algn="ctr" rotWithShape="0">
                     <a:srgbClr val="000000">
@@ -4471,14 +4712,14 @@
           <a:effectLst/>
           <a:extLst>
             <a:ext uri="{909E8E84-426E-40dd-AFC4-6F175D3DCCD1}">
-              <a14:hiddenFill xmlns="" xmlns:a14="http://schemas.microsoft.com/office/drawing/2010/main">
+              <a14:hiddenFill xmlns:a14="http://schemas.microsoft.com/office/drawing/2010/main" xmlns="">
                 <a:solidFill>
                   <a:srgbClr val="FFFFFF"/>
                 </a:solidFill>
               </a14:hiddenFill>
             </a:ext>
             <a:ext uri="{91240B29-F687-4f45-9708-019B960494DF}">
-              <a14:hiddenLine xmlns="" xmlns:a14="http://schemas.microsoft.com/office/drawing/2010/main" w="12700" cap="flat" cmpd="sng">
+              <a14:hiddenLine xmlns:a14="http://schemas.microsoft.com/office/drawing/2010/main" xmlns="" w="12700" cap="flat" cmpd="sng">
                 <a:solidFill>
                   <a:srgbClr val="000000"/>
                 </a:solidFill>
@@ -4489,7 +4730,7 @@
               </a14:hiddenLine>
             </a:ext>
             <a:ext uri="{AF507438-7753-43e0-B8FC-AC1667EBCBE1}">
-              <a14:hiddenEffects xmlns="" xmlns:a14="http://schemas.microsoft.com/office/drawing/2010/main">
+              <a14:hiddenEffects xmlns:a14="http://schemas.microsoft.com/office/drawing/2010/main" xmlns="">
                 <a:effectLst>
                   <a:outerShdw blurRad="63500" dist="38099" dir="2700000" algn="ctr" rotWithShape="0">
                     <a:srgbClr val="000000">
@@ -4933,14 +5174,14 @@
           <a:effectLst/>
           <a:extLst>
             <a:ext uri="{909E8E84-426E-40dd-AFC4-6F175D3DCCD1}">
-              <a14:hiddenFill xmlns="" xmlns:a14="http://schemas.microsoft.com/office/drawing/2010/main">
+              <a14:hiddenFill xmlns:a14="http://schemas.microsoft.com/office/drawing/2010/main" xmlns="">
                 <a:solidFill>
                   <a:srgbClr val="FFFFFF"/>
                 </a:solidFill>
               </a14:hiddenFill>
             </a:ext>
             <a:ext uri="{91240B29-F687-4f45-9708-019B960494DF}">
-              <a14:hiddenLine xmlns="" xmlns:a14="http://schemas.microsoft.com/office/drawing/2010/main" w="12700" cap="flat" cmpd="sng">
+              <a14:hiddenLine xmlns:a14="http://schemas.microsoft.com/office/drawing/2010/main" xmlns="" w="12700" cap="flat" cmpd="sng">
                 <a:solidFill>
                   <a:srgbClr val="000000"/>
                 </a:solidFill>
@@ -4951,7 +5192,7 @@
               </a14:hiddenLine>
             </a:ext>
             <a:ext uri="{AF507438-7753-43e0-B8FC-AC1667EBCBE1}">
-              <a14:hiddenEffects xmlns="" xmlns:a14="http://schemas.microsoft.com/office/drawing/2010/main">
+              <a14:hiddenEffects xmlns:a14="http://schemas.microsoft.com/office/drawing/2010/main" xmlns="">
                 <a:effectLst>
                   <a:outerShdw blurRad="63500" dist="38099" dir="2700000" algn="ctr" rotWithShape="0">
                     <a:srgbClr val="000000">
@@ -5230,14 +5471,14 @@
           <a:effectLst/>
           <a:extLst>
             <a:ext uri="{909E8E84-426E-40dd-AFC4-6F175D3DCCD1}">
-              <a14:hiddenFill xmlns="" xmlns:a14="http://schemas.microsoft.com/office/drawing/2010/main">
+              <a14:hiddenFill xmlns:a14="http://schemas.microsoft.com/office/drawing/2010/main" xmlns="">
                 <a:solidFill>
                   <a:srgbClr val="FFFFFF"/>
                 </a:solidFill>
               </a14:hiddenFill>
             </a:ext>
             <a:ext uri="{91240B29-F687-4f45-9708-019B960494DF}">
-              <a14:hiddenLine xmlns="" xmlns:a14="http://schemas.microsoft.com/office/drawing/2010/main" w="12700" cap="flat" cmpd="sng">
+              <a14:hiddenLine xmlns:a14="http://schemas.microsoft.com/office/drawing/2010/main" xmlns="" w="12700" cap="flat" cmpd="sng">
                 <a:solidFill>
                   <a:srgbClr val="000000"/>
                 </a:solidFill>
@@ -5248,7 +5489,7 @@
               </a14:hiddenLine>
             </a:ext>
             <a:ext uri="{AF507438-7753-43e0-B8FC-AC1667EBCBE1}">
-              <a14:hiddenEffects xmlns="" xmlns:a14="http://schemas.microsoft.com/office/drawing/2010/main">
+              <a14:hiddenEffects xmlns:a14="http://schemas.microsoft.com/office/drawing/2010/main" xmlns="">
                 <a:effectLst>
                   <a:outerShdw blurRad="63500" dist="38099" dir="2700000" algn="ctr" rotWithShape="0">
                     <a:srgbClr val="000000">
@@ -6284,14 +6525,14 @@
           <a:effectLst/>
           <a:extLst>
             <a:ext uri="{909E8E84-426E-40dd-AFC4-6F175D3DCCD1}">
-              <a14:hiddenFill xmlns="" xmlns:a14="http://schemas.microsoft.com/office/drawing/2010/main">
+              <a14:hiddenFill xmlns:a14="http://schemas.microsoft.com/office/drawing/2010/main" xmlns="">
                 <a:solidFill>
                   <a:srgbClr val="FFFFFF"/>
                 </a:solidFill>
               </a14:hiddenFill>
             </a:ext>
             <a:ext uri="{91240B29-F687-4f45-9708-019B960494DF}">
-              <a14:hiddenLine xmlns="" xmlns:a14="http://schemas.microsoft.com/office/drawing/2010/main" w="12700" cap="flat" cmpd="sng">
+              <a14:hiddenLine xmlns:a14="http://schemas.microsoft.com/office/drawing/2010/main" xmlns="" w="12700" cap="flat" cmpd="sng">
                 <a:solidFill>
                   <a:srgbClr val="000000"/>
                 </a:solidFill>
@@ -6302,7 +6543,7 @@
               </a14:hiddenLine>
             </a:ext>
             <a:ext uri="{AF507438-7753-43e0-B8FC-AC1667EBCBE1}">
-              <a14:hiddenEffects xmlns="" xmlns:a14="http://schemas.microsoft.com/office/drawing/2010/main">
+              <a14:hiddenEffects xmlns:a14="http://schemas.microsoft.com/office/drawing/2010/main" xmlns="">
                 <a:effectLst>
                   <a:outerShdw blurRad="63500" dist="38099" dir="2700000" algn="ctr" rotWithShape="0">
                     <a:srgbClr val="000000">
@@ -6650,14 +6891,14 @@
           <a:effectLst/>
           <a:extLst>
             <a:ext uri="{909E8E84-426E-40dd-AFC4-6F175D3DCCD1}">
-              <a14:hiddenFill xmlns:a14="http://schemas.microsoft.com/office/drawing/2010/main" xmlns="">
+              <a14:hiddenFill xmlns="" xmlns:a14="http://schemas.microsoft.com/office/drawing/2010/main">
                 <a:solidFill>
                   <a:srgbClr val="FFFFFF"/>
                 </a:solidFill>
               </a14:hiddenFill>
             </a:ext>
             <a:ext uri="{91240B29-F687-4f45-9708-019B960494DF}">
-              <a14:hiddenLine xmlns:a14="http://schemas.microsoft.com/office/drawing/2010/main" xmlns="" w="12700" cap="flat" cmpd="sng">
+              <a14:hiddenLine xmlns="" xmlns:a14="http://schemas.microsoft.com/office/drawing/2010/main" w="12700" cap="flat" cmpd="sng">
                 <a:solidFill>
                   <a:srgbClr val="000000"/>
                 </a:solidFill>
@@ -6668,7 +6909,7 @@
               </a14:hiddenLine>
             </a:ext>
             <a:ext uri="{AF507438-7753-43e0-B8FC-AC1667EBCBE1}">
-              <a14:hiddenEffects xmlns:a14="http://schemas.microsoft.com/office/drawing/2010/main" xmlns="">
+              <a14:hiddenEffects xmlns="" xmlns:a14="http://schemas.microsoft.com/office/drawing/2010/main">
                 <a:effectLst>
                   <a:outerShdw blurRad="63500" dist="38099" dir="2700000" algn="ctr" rotWithShape="0">
                     <a:srgbClr val="000000">
@@ -7477,6 +7718,20 @@
             </a:r>
           </a:p>
           <a:p>
+            <a:r>
+              <a:rPr lang="nl-NL" dirty="0"/>
+              <a:t>Make </a:t>
+            </a:r>
+            <a:r>
+              <a:rPr lang="nl-NL" dirty="0" err="1"/>
+              <a:t>it</a:t>
+            </a:r>
+            <a:r>
+              <a:rPr lang="nl-NL" dirty="0"/>
+              <a:t> abstract</a:t>
+            </a:r>
+          </a:p>
+          <a:p>
             <a:endParaRPr lang="nl-NL" dirty="0"/>
           </a:p>
           <a:p>
@@ -7514,9 +7769,6 @@
               <a:rPr lang="nl-NL" dirty="0"/>
               <a:t> a file</a:t>
             </a:r>
-          </a:p>
-          <a:p>
-            <a:endParaRPr lang="nl-NL" dirty="0"/>
           </a:p>
           <a:p>
             <a:r>
@@ -8367,21 +8619,21 @@
               <a:buNone/>
             </a:pPr>
             <a:r>
-              <a:rPr lang="en-US" sz="1400" dirty="0">
+              <a:rPr lang="en-US" sz="2000" dirty="0">
                 <a:latin typeface="Courier New" panose="02070309020205020404" pitchFamily="49" charset="0"/>
                 <a:cs typeface="Courier New" panose="02070309020205020404" pitchFamily="49" charset="0"/>
               </a:rPr>
               <a:t>module = </a:t>
             </a:r>
             <a:r>
-              <a:rPr lang="en-US" sz="1400" dirty="0" err="1">
+              <a:rPr lang="en-US" sz="2000" dirty="0" err="1">
                 <a:latin typeface="Courier New" panose="02070309020205020404" pitchFamily="49" charset="0"/>
                 <a:cs typeface="Courier New" panose="02070309020205020404" pitchFamily="49" charset="0"/>
               </a:rPr>
               <a:t>AnsibleModule</a:t>
             </a:r>
             <a:r>
-              <a:rPr lang="en-US" sz="1400" dirty="0">
+              <a:rPr lang="en-US" sz="2000" dirty="0">
                 <a:latin typeface="Courier New" panose="02070309020205020404" pitchFamily="49" charset="0"/>
                 <a:cs typeface="Courier New" panose="02070309020205020404" pitchFamily="49" charset="0"/>
               </a:rPr>
@@ -8399,35 +8651,35 @@
               <a:buNone/>
             </a:pPr>
             <a:r>
-              <a:rPr lang="en-US" sz="1400" dirty="0">
+              <a:rPr lang="en-US" sz="2000" dirty="0">
                 <a:latin typeface="Courier New" panose="02070309020205020404" pitchFamily="49" charset="0"/>
                 <a:cs typeface="Courier New" panose="02070309020205020404" pitchFamily="49" charset="0"/>
               </a:rPr>
               <a:t>    </a:t>
             </a:r>
             <a:r>
-              <a:rPr lang="en-US" sz="1400" dirty="0" err="1">
+              <a:rPr lang="en-US" sz="2000" dirty="0" err="1">
                 <a:latin typeface="Courier New" panose="02070309020205020404" pitchFamily="49" charset="0"/>
                 <a:cs typeface="Courier New" panose="02070309020205020404" pitchFamily="49" charset="0"/>
               </a:rPr>
               <a:t>argument_spec</a:t>
             </a:r>
             <a:r>
-              <a:rPr lang="en-US" sz="1400" dirty="0">
+              <a:rPr lang="en-US" sz="2000" dirty="0">
                 <a:latin typeface="Courier New" panose="02070309020205020404" pitchFamily="49" charset="0"/>
                 <a:cs typeface="Courier New" panose="02070309020205020404" pitchFamily="49" charset="0"/>
               </a:rPr>
               <a:t>=</a:t>
             </a:r>
             <a:r>
-              <a:rPr lang="en-US" sz="1400" dirty="0" err="1">
+              <a:rPr lang="en-US" sz="2000" dirty="0" err="1">
                 <a:latin typeface="Courier New" panose="02070309020205020404" pitchFamily="49" charset="0"/>
                 <a:cs typeface="Courier New" panose="02070309020205020404" pitchFamily="49" charset="0"/>
               </a:rPr>
               <a:t>dict</a:t>
             </a:r>
             <a:r>
-              <a:rPr lang="en-US" sz="1400" dirty="0">
+              <a:rPr lang="en-US" sz="2000" dirty="0">
                 <a:latin typeface="Courier New" panose="02070309020205020404" pitchFamily="49" charset="0"/>
                 <a:cs typeface="Courier New" panose="02070309020205020404" pitchFamily="49" charset="0"/>
               </a:rPr>
@@ -8445,25 +8697,25 @@
               <a:buNone/>
             </a:pPr>
             <a:r>
-              <a:rPr lang="en-US" sz="1400" dirty="0">
+              <a:rPr lang="en-US" sz="2000" dirty="0">
                 <a:latin typeface="Courier New" panose="02070309020205020404" pitchFamily="49" charset="0"/>
                 <a:cs typeface="Courier New" panose="02070309020205020404" pitchFamily="49" charset="0"/>
               </a:rPr>
               <a:t>        argument1=</a:t>
             </a:r>
             <a:r>
-              <a:rPr lang="en-US" sz="1400" dirty="0" err="1">
+              <a:rPr lang="en-US" sz="2000" dirty="0" err="1">
                 <a:latin typeface="Courier New" panose="02070309020205020404" pitchFamily="49" charset="0"/>
                 <a:cs typeface="Courier New" panose="02070309020205020404" pitchFamily="49" charset="0"/>
               </a:rPr>
               <a:t>dict</a:t>
             </a:r>
             <a:r>
-              <a:rPr lang="en-US" sz="1400" dirty="0">
+              <a:rPr lang="en-US" sz="2000" dirty="0">
                 <a:latin typeface="Courier New" panose="02070309020205020404" pitchFamily="49" charset="0"/>
                 <a:cs typeface="Courier New" panose="02070309020205020404" pitchFamily="49" charset="0"/>
               </a:rPr>
-              <a:t>(type='str', default='default', required=True)</a:t>
+              <a:t>(type='str', </a:t>
             </a:r>
           </a:p>
           <a:p>
@@ -8477,25 +8729,11 @@
               <a:buNone/>
             </a:pPr>
             <a:r>
-              <a:rPr lang="en-US" sz="1400" dirty="0">
+              <a:rPr lang="en-US" sz="2000" dirty="0">
                 <a:latin typeface="Courier New" panose="02070309020205020404" pitchFamily="49" charset="0"/>
                 <a:cs typeface="Courier New" panose="02070309020205020404" pitchFamily="49" charset="0"/>
               </a:rPr>
-              <a:t>        argument2=</a:t>
-            </a:r>
-            <a:r>
-              <a:rPr lang="en-US" sz="1400" dirty="0" err="1">
-                <a:latin typeface="Courier New" panose="02070309020205020404" pitchFamily="49" charset="0"/>
-                <a:cs typeface="Courier New" panose="02070309020205020404" pitchFamily="49" charset="0"/>
-              </a:rPr>
-              <a:t>dict</a:t>
-            </a:r>
-            <a:r>
-              <a:rPr lang="en-US" sz="1400" dirty="0">
-                <a:latin typeface="Courier New" panose="02070309020205020404" pitchFamily="49" charset="0"/>
-                <a:cs typeface="Courier New" panose="02070309020205020404" pitchFamily="49" charset="0"/>
-              </a:rPr>
-              <a:t>(type=string, choices=['absent', 'present'], default='present')</a:t>
+              <a:t>                       default='default', required=True)</a:t>
             </a:r>
           </a:p>
           <a:p>
@@ -8509,11 +8747,25 @@
               <a:buNone/>
             </a:pPr>
             <a:r>
-              <a:rPr lang="en-US" sz="1400" dirty="0">
+              <a:rPr lang="en-US" sz="2000" dirty="0">
                 <a:latin typeface="Courier New" panose="02070309020205020404" pitchFamily="49" charset="0"/>
                 <a:cs typeface="Courier New" panose="02070309020205020404" pitchFamily="49" charset="0"/>
               </a:rPr>
-              <a:t>        )</a:t>
+              <a:t>        argument2=</a:t>
+            </a:r>
+            <a:r>
+              <a:rPr lang="en-US" sz="2000" dirty="0" err="1">
+                <a:latin typeface="Courier New" panose="02070309020205020404" pitchFamily="49" charset="0"/>
+                <a:cs typeface="Courier New" panose="02070309020205020404" pitchFamily="49" charset="0"/>
+              </a:rPr>
+              <a:t>dict</a:t>
+            </a:r>
+            <a:r>
+              <a:rPr lang="en-US" sz="2000" dirty="0">
+                <a:latin typeface="Courier New" panose="02070309020205020404" pitchFamily="49" charset="0"/>
+                <a:cs typeface="Courier New" panose="02070309020205020404" pitchFamily="49" charset="0"/>
+              </a:rPr>
+              <a:t>(type=string, </a:t>
             </a:r>
           </a:p>
           <a:p>
@@ -8527,11 +8779,11 @@
               <a:buNone/>
             </a:pPr>
             <a:r>
-              <a:rPr lang="en-US" sz="1400" dirty="0">
+              <a:rPr lang="en-US" sz="2000" dirty="0">
                 <a:latin typeface="Courier New" panose="02070309020205020404" pitchFamily="49" charset="0"/>
                 <a:cs typeface="Courier New" panose="02070309020205020404" pitchFamily="49" charset="0"/>
               </a:rPr>
-              <a:t>    )</a:t>
+              <a:t>                       choices=['absent', 'present'],</a:t>
             </a:r>
           </a:p>
           <a:p>
@@ -8544,10 +8796,13 @@
               </a:spcBef>
               <a:buNone/>
             </a:pPr>
-            <a:endParaRPr lang="en-US" sz="1400" dirty="0">
-              <a:latin typeface="Courier New" panose="02070309020205020404" pitchFamily="49" charset="0"/>
-              <a:cs typeface="Courier New" panose="02070309020205020404" pitchFamily="49" charset="0"/>
-            </a:endParaRPr>
+            <a:r>
+              <a:rPr lang="en-US" sz="2000" dirty="0">
+                <a:latin typeface="Courier New" panose="02070309020205020404" pitchFamily="49" charset="0"/>
+                <a:cs typeface="Courier New" panose="02070309020205020404" pitchFamily="49" charset="0"/>
+              </a:rPr>
+              <a:t>                       default='present')</a:t>
+            </a:r>
           </a:p>
           <a:p>
             <a:pPr marL="0" indent="0">
@@ -8560,21 +8815,72 @@
               <a:buNone/>
             </a:pPr>
             <a:r>
-              <a:rPr lang="en-US" sz="1400" dirty="0">
+              <a:rPr lang="en-US" sz="2000" dirty="0">
+                <a:latin typeface="Courier New" panose="02070309020205020404" pitchFamily="49" charset="0"/>
+                <a:cs typeface="Courier New" panose="02070309020205020404" pitchFamily="49" charset="0"/>
+              </a:rPr>
+              <a:t>        )</a:t>
+            </a:r>
+          </a:p>
+          <a:p>
+            <a:pPr marL="0" indent="0">
+              <a:lnSpc>
+                <a:spcPct val="100000"/>
+              </a:lnSpc>
+              <a:spcBef>
+                <a:spcPts val="0"/>
+              </a:spcBef>
+              <a:buNone/>
+            </a:pPr>
+            <a:r>
+              <a:rPr lang="en-US" sz="2000" dirty="0">
+                <a:latin typeface="Courier New" panose="02070309020205020404" pitchFamily="49" charset="0"/>
+                <a:cs typeface="Courier New" panose="02070309020205020404" pitchFamily="49" charset="0"/>
+              </a:rPr>
+              <a:t>    )</a:t>
+            </a:r>
+          </a:p>
+          <a:p>
+            <a:pPr marL="0" indent="0">
+              <a:lnSpc>
+                <a:spcPct val="100000"/>
+              </a:lnSpc>
+              <a:spcBef>
+                <a:spcPts val="0"/>
+              </a:spcBef>
+              <a:buNone/>
+            </a:pPr>
+            <a:endParaRPr lang="en-US" sz="2000" dirty="0">
+              <a:latin typeface="Courier New" panose="02070309020205020404" pitchFamily="49" charset="0"/>
+              <a:cs typeface="Courier New" panose="02070309020205020404" pitchFamily="49" charset="0"/>
+            </a:endParaRPr>
+          </a:p>
+          <a:p>
+            <a:pPr marL="0" indent="0">
+              <a:lnSpc>
+                <a:spcPct val="100000"/>
+              </a:lnSpc>
+              <a:spcBef>
+                <a:spcPts val="0"/>
+              </a:spcBef>
+              <a:buNone/>
+            </a:pPr>
+            <a:r>
+              <a:rPr lang="en-US" sz="2000" dirty="0">
                 <a:latin typeface="Courier New" panose="02070309020205020404" pitchFamily="49" charset="0"/>
                 <a:cs typeface="Courier New" panose="02070309020205020404" pitchFamily="49" charset="0"/>
               </a:rPr>
               <a:t>argument1 = </a:t>
             </a:r>
             <a:r>
-              <a:rPr lang="en-US" sz="1400" dirty="0" err="1">
+              <a:rPr lang="en-US" sz="2000" dirty="0" err="1">
                 <a:latin typeface="Courier New" panose="02070309020205020404" pitchFamily="49" charset="0"/>
                 <a:cs typeface="Courier New" panose="02070309020205020404" pitchFamily="49" charset="0"/>
               </a:rPr>
               <a:t>AnsibleModule.params</a:t>
             </a:r>
             <a:r>
-              <a:rPr lang="en-US" sz="1400" dirty="0">
+              <a:rPr lang="en-US" sz="2000" dirty="0">
                 <a:latin typeface="Courier New" panose="02070309020205020404" pitchFamily="49" charset="0"/>
                 <a:cs typeface="Courier New" panose="02070309020205020404" pitchFamily="49" charset="0"/>
               </a:rPr>
@@ -8744,196 +9050,6 @@
           <a:bodyPr/>
           <a:lstStyle/>
           <a:p>
-            <a:r>
-              <a:rPr lang="nl-NL" dirty="0"/>
-              <a:t>Delivers a </a:t>
-            </a:r>
-            <a:r>
-              <a:rPr lang="nl-NL" dirty="0" err="1"/>
-              <a:t>json</a:t>
-            </a:r>
-            <a:r>
-              <a:rPr lang="nl-NL" dirty="0"/>
-              <a:t> string </a:t>
-            </a:r>
-            <a:r>
-              <a:rPr lang="nl-NL" dirty="0" err="1"/>
-              <a:t>to</a:t>
-            </a:r>
-            <a:r>
-              <a:rPr lang="nl-NL" dirty="0"/>
-              <a:t> </a:t>
-            </a:r>
-            <a:r>
-              <a:rPr lang="nl-NL" dirty="0" err="1"/>
-              <a:t>ansible</a:t>
-            </a:r>
-            <a:endParaRPr lang="nl-NL" dirty="0"/>
-          </a:p>
-          <a:p>
-            <a:r>
-              <a:rPr lang="en-US" dirty="0" err="1">
-                <a:latin typeface="Courier New" panose="02070309020205020404" pitchFamily="49" charset="0"/>
-                <a:cs typeface="Courier New" panose="02070309020205020404" pitchFamily="49" charset="0"/>
-              </a:rPr>
-              <a:t>AnsibleModule.fail_json</a:t>
-            </a:r>
-            <a:r>
-              <a:rPr lang="en-US" dirty="0">
-                <a:latin typeface="Courier New" panose="02070309020205020404" pitchFamily="49" charset="0"/>
-                <a:cs typeface="Courier New" panose="02070309020205020404" pitchFamily="49" charset="0"/>
-              </a:rPr>
-              <a:t>(msg="message", </a:t>
-            </a:r>
-            <a:r>
-              <a:rPr lang="en-US" dirty="0" err="1">
-                <a:latin typeface="Courier New" panose="02070309020205020404" pitchFamily="49" charset="0"/>
-                <a:cs typeface="Courier New" panose="02070309020205020404" pitchFamily="49" charset="0"/>
-              </a:rPr>
-              <a:t>rc</a:t>
-            </a:r>
-            <a:r>
-              <a:rPr lang="en-US" dirty="0">
-                <a:latin typeface="Courier New" panose="02070309020205020404" pitchFamily="49" charset="0"/>
-                <a:cs typeface="Courier New" panose="02070309020205020404" pitchFamily="49" charset="0"/>
-              </a:rPr>
-              <a:t>=</a:t>
-            </a:r>
-            <a:r>
-              <a:rPr lang="en-US" dirty="0" err="1">
-                <a:latin typeface="Courier New" panose="02070309020205020404" pitchFamily="49" charset="0"/>
-                <a:cs typeface="Courier New" panose="02070309020205020404" pitchFamily="49" charset="0"/>
-              </a:rPr>
-              <a:t>rc</a:t>
-            </a:r>
-            <a:r>
-              <a:rPr lang="en-US" dirty="0">
-                <a:latin typeface="Courier New" panose="02070309020205020404" pitchFamily="49" charset="0"/>
-                <a:cs typeface="Courier New" panose="02070309020205020404" pitchFamily="49" charset="0"/>
-              </a:rPr>
-              <a:t>, err=err)</a:t>
-            </a:r>
-          </a:p>
-          <a:p>
-            <a:endParaRPr lang="en-US" dirty="0">
-              <a:latin typeface="Courier New" panose="02070309020205020404" pitchFamily="49" charset="0"/>
-              <a:cs typeface="Courier New" panose="02070309020205020404" pitchFamily="49" charset="0"/>
-            </a:endParaRPr>
-          </a:p>
-          <a:p>
-            <a:pPr>
-              <a:lnSpc>
-                <a:spcPct val="100000"/>
-              </a:lnSpc>
-              <a:spcBef>
-                <a:spcPts val="0"/>
-              </a:spcBef>
-            </a:pPr>
-            <a:r>
-              <a:rPr lang="nl-NL" dirty="0" err="1">
-                <a:latin typeface="Courier New" panose="02070309020205020404" pitchFamily="49" charset="0"/>
-                <a:cs typeface="Courier New" panose="02070309020205020404" pitchFamily="49" charset="0"/>
-              </a:rPr>
-              <a:t>result</a:t>
-            </a:r>
-            <a:r>
-              <a:rPr lang="nl-NL" dirty="0">
-                <a:latin typeface="Courier New" panose="02070309020205020404" pitchFamily="49" charset="0"/>
-                <a:cs typeface="Courier New" panose="02070309020205020404" pitchFamily="49" charset="0"/>
-              </a:rPr>
-              <a:t> = { </a:t>
-            </a:r>
-            <a:r>
-              <a:rPr lang="nl-NL" dirty="0" err="1">
-                <a:latin typeface="Courier New" panose="02070309020205020404" pitchFamily="49" charset="0"/>
-                <a:cs typeface="Courier New" panose="02070309020205020404" pitchFamily="49" charset="0"/>
-              </a:rPr>
-              <a:t>msg</a:t>
-            </a:r>
-            <a:r>
-              <a:rPr lang="nl-NL" dirty="0">
-                <a:latin typeface="Courier New" panose="02070309020205020404" pitchFamily="49" charset="0"/>
-                <a:cs typeface="Courier New" panose="02070309020205020404" pitchFamily="49" charset="0"/>
-              </a:rPr>
-              <a:t>: "</a:t>
-            </a:r>
-            <a:r>
-              <a:rPr lang="nl-NL" dirty="0" err="1">
-                <a:latin typeface="Courier New" panose="02070309020205020404" pitchFamily="49" charset="0"/>
-                <a:cs typeface="Courier New" panose="02070309020205020404" pitchFamily="49" charset="0"/>
-              </a:rPr>
-              <a:t>message</a:t>
-            </a:r>
-            <a:r>
-              <a:rPr lang="nl-NL" dirty="0">
-                <a:latin typeface="Courier New" panose="02070309020205020404" pitchFamily="49" charset="0"/>
-                <a:cs typeface="Courier New" panose="02070309020205020404" pitchFamily="49" charset="0"/>
-              </a:rPr>
-              <a:t>",</a:t>
-            </a:r>
-          </a:p>
-          <a:p>
-            <a:pPr marL="0" indent="0">
-              <a:lnSpc>
-                <a:spcPct val="100000"/>
-              </a:lnSpc>
-              <a:spcBef>
-                <a:spcPts val="0"/>
-              </a:spcBef>
-              <a:buNone/>
-            </a:pPr>
-            <a:r>
-              <a:rPr lang="nl-NL" dirty="0">
-                <a:latin typeface="Courier New" panose="02070309020205020404" pitchFamily="49" charset="0"/>
-                <a:cs typeface="Courier New" panose="02070309020205020404" pitchFamily="49" charset="0"/>
-              </a:rPr>
-              <a:t>                   </a:t>
-            </a:r>
-            <a:r>
-              <a:rPr lang="nl-NL" dirty="0" err="1">
-                <a:latin typeface="Courier New" panose="02070309020205020404" pitchFamily="49" charset="0"/>
-                <a:cs typeface="Courier New" panose="02070309020205020404" pitchFamily="49" charset="0"/>
-              </a:rPr>
-              <a:t>changed</a:t>
-            </a:r>
-            <a:r>
-              <a:rPr lang="nl-NL" dirty="0">
-                <a:latin typeface="Courier New" panose="02070309020205020404" pitchFamily="49" charset="0"/>
-                <a:cs typeface="Courier New" panose="02070309020205020404" pitchFamily="49" charset="0"/>
-              </a:rPr>
-              <a:t>: </a:t>
-            </a:r>
-            <a:r>
-              <a:rPr lang="nl-NL" dirty="0" err="1">
-                <a:latin typeface="Courier New" panose="02070309020205020404" pitchFamily="49" charset="0"/>
-                <a:cs typeface="Courier New" panose="02070309020205020404" pitchFamily="49" charset="0"/>
-              </a:rPr>
-              <a:t>False</a:t>
-            </a:r>
-            <a:endParaRPr lang="nl-NL" dirty="0">
-              <a:latin typeface="Courier New" panose="02070309020205020404" pitchFamily="49" charset="0"/>
-              <a:cs typeface="Courier New" panose="02070309020205020404" pitchFamily="49" charset="0"/>
-            </a:endParaRPr>
-          </a:p>
-          <a:p>
-            <a:pPr marL="0" indent="0">
-              <a:lnSpc>
-                <a:spcPct val="100000"/>
-              </a:lnSpc>
-              <a:spcBef>
-                <a:spcPts val="0"/>
-              </a:spcBef>
-              <a:buNone/>
-            </a:pPr>
-            <a:r>
-              <a:rPr lang="nl-NL" dirty="0">
-                <a:latin typeface="Courier New" panose="02070309020205020404" pitchFamily="49" charset="0"/>
-                <a:cs typeface="Courier New" panose="02070309020205020404" pitchFamily="49" charset="0"/>
-              </a:rPr>
-              <a:t>                  }</a:t>
-            </a:r>
-          </a:p>
-          <a:p>
             <a:pPr marL="0" indent="0">
               <a:lnSpc>
                 <a:spcPct val="100000"/>
@@ -8950,6 +9066,135 @@
           </a:p>
           <a:p>
             <a:pPr marL="0" indent="0">
+              <a:lnSpc>
+                <a:spcPct val="100000"/>
+              </a:lnSpc>
+              <a:spcBef>
+                <a:spcPts val="0"/>
+              </a:spcBef>
+              <a:buNone/>
+            </a:pPr>
+            <a:r>
+              <a:rPr lang="nl-NL" dirty="0" err="1">
+                <a:latin typeface="Courier New" panose="02070309020205020404" pitchFamily="49" charset="0"/>
+                <a:cs typeface="Courier New" panose="02070309020205020404" pitchFamily="49" charset="0"/>
+              </a:rPr>
+              <a:t>result</a:t>
+            </a:r>
+            <a:r>
+              <a:rPr lang="nl-NL" dirty="0">
+                <a:latin typeface="Courier New" panose="02070309020205020404" pitchFamily="49" charset="0"/>
+                <a:cs typeface="Courier New" panose="02070309020205020404" pitchFamily="49" charset="0"/>
+              </a:rPr>
+              <a:t> = { </a:t>
+            </a:r>
+            <a:r>
+              <a:rPr lang="nl-NL" dirty="0" err="1">
+                <a:latin typeface="Courier New" panose="02070309020205020404" pitchFamily="49" charset="0"/>
+                <a:cs typeface="Courier New" panose="02070309020205020404" pitchFamily="49" charset="0"/>
+              </a:rPr>
+              <a:t>msg</a:t>
+            </a:r>
+            <a:r>
+              <a:rPr lang="nl-NL" dirty="0">
+                <a:latin typeface="Courier New" panose="02070309020205020404" pitchFamily="49" charset="0"/>
+                <a:cs typeface="Courier New" panose="02070309020205020404" pitchFamily="49" charset="0"/>
+              </a:rPr>
+              <a:t>: "</a:t>
+            </a:r>
+            <a:r>
+              <a:rPr lang="nl-NL" dirty="0" err="1">
+                <a:latin typeface="Courier New" panose="02070309020205020404" pitchFamily="49" charset="0"/>
+                <a:cs typeface="Courier New" panose="02070309020205020404" pitchFamily="49" charset="0"/>
+              </a:rPr>
+              <a:t>message</a:t>
+            </a:r>
+            <a:r>
+              <a:rPr lang="nl-NL" dirty="0">
+                <a:latin typeface="Courier New" panose="02070309020205020404" pitchFamily="49" charset="0"/>
+                <a:cs typeface="Courier New" panose="02070309020205020404" pitchFamily="49" charset="0"/>
+              </a:rPr>
+              <a:t>",</a:t>
+            </a:r>
+          </a:p>
+          <a:p>
+            <a:pPr marL="0" indent="0">
+              <a:lnSpc>
+                <a:spcPct val="100000"/>
+              </a:lnSpc>
+              <a:spcBef>
+                <a:spcPts val="0"/>
+              </a:spcBef>
+              <a:buNone/>
+            </a:pPr>
+            <a:r>
+              <a:rPr lang="nl-NL" dirty="0">
+                <a:latin typeface="Courier New" panose="02070309020205020404" pitchFamily="49" charset="0"/>
+                <a:cs typeface="Courier New" panose="02070309020205020404" pitchFamily="49" charset="0"/>
+              </a:rPr>
+              <a:t>                   </a:t>
+            </a:r>
+            <a:r>
+              <a:rPr lang="nl-NL" dirty="0" err="1">
+                <a:latin typeface="Courier New" panose="02070309020205020404" pitchFamily="49" charset="0"/>
+                <a:cs typeface="Courier New" panose="02070309020205020404" pitchFamily="49" charset="0"/>
+              </a:rPr>
+              <a:t>changed</a:t>
+            </a:r>
+            <a:r>
+              <a:rPr lang="nl-NL" dirty="0">
+                <a:latin typeface="Courier New" panose="02070309020205020404" pitchFamily="49" charset="0"/>
+                <a:cs typeface="Courier New" panose="02070309020205020404" pitchFamily="49" charset="0"/>
+              </a:rPr>
+              <a:t>: </a:t>
+            </a:r>
+            <a:r>
+              <a:rPr lang="nl-NL" dirty="0" err="1">
+                <a:latin typeface="Courier New" panose="02070309020205020404" pitchFamily="49" charset="0"/>
+                <a:cs typeface="Courier New" panose="02070309020205020404" pitchFamily="49" charset="0"/>
+              </a:rPr>
+              <a:t>False</a:t>
+            </a:r>
+            <a:endParaRPr lang="nl-NL" dirty="0">
+              <a:latin typeface="Courier New" panose="02070309020205020404" pitchFamily="49" charset="0"/>
+              <a:cs typeface="Courier New" panose="02070309020205020404" pitchFamily="49" charset="0"/>
+            </a:endParaRPr>
+          </a:p>
+          <a:p>
+            <a:pPr marL="0" indent="0">
+              <a:lnSpc>
+                <a:spcPct val="100000"/>
+              </a:lnSpc>
+              <a:spcBef>
+                <a:spcPts val="0"/>
+              </a:spcBef>
+              <a:buNone/>
+            </a:pPr>
+            <a:r>
+              <a:rPr lang="nl-NL" dirty="0">
+                <a:latin typeface="Courier New" panose="02070309020205020404" pitchFamily="49" charset="0"/>
+                <a:cs typeface="Courier New" panose="02070309020205020404" pitchFamily="49" charset="0"/>
+              </a:rPr>
+              <a:t>                  }</a:t>
+            </a:r>
+          </a:p>
+          <a:p>
+            <a:pPr marL="0" indent="0">
+              <a:lnSpc>
+                <a:spcPct val="100000"/>
+              </a:lnSpc>
+              <a:spcBef>
+                <a:spcPts val="0"/>
+              </a:spcBef>
+              <a:buNone/>
+            </a:pPr>
+            <a:endParaRPr lang="nl-NL" dirty="0">
+              <a:latin typeface="Courier New" panose="02070309020205020404" pitchFamily="49" charset="0"/>
+              <a:cs typeface="Courier New" panose="02070309020205020404" pitchFamily="49" charset="0"/>
+            </a:endParaRPr>
+          </a:p>
+          <a:p>
+            <a:pPr marL="0" indent="0">
               <a:buNone/>
             </a:pPr>
             <a:r>
@@ -8979,6 +9224,65 @@
                 <a:cs typeface="Courier New" panose="02070309020205020404" pitchFamily="49" charset="0"/>
               </a:rPr>
               <a:t>)</a:t>
+            </a:r>
+          </a:p>
+          <a:p>
+            <a:pPr marL="0" indent="0">
+              <a:buNone/>
+            </a:pPr>
+            <a:endParaRPr lang="nl-NL" dirty="0"/>
+          </a:p>
+          <a:p>
+            <a:pPr marL="0" indent="0">
+              <a:buNone/>
+            </a:pPr>
+            <a:endParaRPr lang="nl-NL" dirty="0"/>
+          </a:p>
+          <a:p>
+            <a:pPr marL="0" indent="0">
+              <a:buNone/>
+            </a:pPr>
+            <a:r>
+              <a:rPr lang="en-US" dirty="0" err="1">
+                <a:latin typeface="Courier New" panose="02070309020205020404" pitchFamily="49" charset="0"/>
+                <a:cs typeface="Courier New" panose="02070309020205020404" pitchFamily="49" charset="0"/>
+              </a:rPr>
+              <a:t>AnsibleModule.fail_json</a:t>
+            </a:r>
+            <a:r>
+              <a:rPr lang="en-US" dirty="0">
+                <a:latin typeface="Courier New" panose="02070309020205020404" pitchFamily="49" charset="0"/>
+                <a:cs typeface="Courier New" panose="02070309020205020404" pitchFamily="49" charset="0"/>
+              </a:rPr>
+              <a:t>(msg="message", </a:t>
+            </a:r>
+            <a:r>
+              <a:rPr lang="en-US" dirty="0" err="1">
+                <a:latin typeface="Courier New" panose="02070309020205020404" pitchFamily="49" charset="0"/>
+                <a:cs typeface="Courier New" panose="02070309020205020404" pitchFamily="49" charset="0"/>
+              </a:rPr>
+              <a:t>rc</a:t>
+            </a:r>
+            <a:r>
+              <a:rPr lang="en-US" dirty="0">
+                <a:latin typeface="Courier New" panose="02070309020205020404" pitchFamily="49" charset="0"/>
+                <a:cs typeface="Courier New" panose="02070309020205020404" pitchFamily="49" charset="0"/>
+              </a:rPr>
+              <a:t>=</a:t>
+            </a:r>
+            <a:r>
+              <a:rPr lang="en-US" dirty="0" err="1">
+                <a:latin typeface="Courier New" panose="02070309020205020404" pitchFamily="49" charset="0"/>
+                <a:cs typeface="Courier New" panose="02070309020205020404" pitchFamily="49" charset="0"/>
+              </a:rPr>
+              <a:t>rc</a:t>
+            </a:r>
+            <a:r>
+              <a:rPr lang="en-US" dirty="0">
+                <a:latin typeface="Courier New" panose="02070309020205020404" pitchFamily="49" charset="0"/>
+                <a:cs typeface="Courier New" panose="02070309020205020404" pitchFamily="49" charset="0"/>
+              </a:rPr>
+              <a:t>, err=err)</a:t>
             </a:r>
           </a:p>
           <a:p>
@@ -9111,7 +9415,9 @@
         </p:nvSpPr>
         <p:spPr/>
         <p:txBody>
-          <a:bodyPr/>
+          <a:bodyPr>
+            <a:normAutofit/>
+          </a:bodyPr>
           <a:lstStyle/>
           <a:p>
             <a:r>
@@ -9257,64 +9563,64 @@
           <a:p>
             <a:pPr lvl="1"/>
             <a:r>
-              <a:rPr lang="nl-NL" dirty="0" err="1"/>
+              <a:rPr lang="nl-NL" sz="1800" dirty="0" err="1"/>
               <a:t>This</a:t>
             </a:r>
             <a:r>
-              <a:rPr lang="nl-NL" dirty="0"/>
-              <a:t> </a:t>
-            </a:r>
-            <a:r>
-              <a:rPr lang="nl-NL" dirty="0" err="1"/>
+              <a:rPr lang="nl-NL" sz="1800" dirty="0"/>
+              <a:t> </a:t>
+            </a:r>
+            <a:r>
+              <a:rPr lang="nl-NL" sz="1800" dirty="0" err="1"/>
               <a:t>executes</a:t>
             </a:r>
             <a:r>
-              <a:rPr lang="nl-NL" dirty="0"/>
+              <a:rPr lang="nl-NL" sz="1800" dirty="0"/>
               <a:t> a </a:t>
             </a:r>
             <a:r>
-              <a:rPr lang="nl-NL" dirty="0" err="1"/>
+              <a:rPr lang="nl-NL" sz="1800" dirty="0" err="1"/>
               <a:t>command</a:t>
             </a:r>
-            <a:endParaRPr lang="nl-NL" dirty="0"/>
+            <a:endParaRPr lang="nl-NL" sz="1800" dirty="0"/>
           </a:p>
           <a:p>
             <a:pPr lvl="1"/>
             <a:r>
-              <a:rPr lang="nl-NL" dirty="0" err="1">
+              <a:rPr lang="nl-NL" sz="1800" dirty="0" err="1">
                 <a:latin typeface="Courier New" panose="02070309020205020404" pitchFamily="49" charset="0"/>
                 <a:cs typeface="Courier New" panose="02070309020205020404" pitchFamily="49" charset="0"/>
               </a:rPr>
               <a:t>args</a:t>
             </a:r>
             <a:r>
-              <a:rPr lang="nl-NL" dirty="0"/>
+              <a:rPr lang="nl-NL" sz="1800" dirty="0"/>
               <a:t> is a string or a list</a:t>
             </a:r>
           </a:p>
           <a:p>
             <a:pPr lvl="1"/>
             <a:r>
-              <a:rPr lang="nl-NL" dirty="0"/>
+              <a:rPr lang="nl-NL" sz="1800" dirty="0"/>
               <a:t>Returns: rc, </a:t>
             </a:r>
             <a:r>
-              <a:rPr lang="nl-NL" dirty="0" err="1"/>
+              <a:rPr lang="nl-NL" sz="1800" dirty="0" err="1"/>
               <a:t>stdout</a:t>
             </a:r>
             <a:r>
-              <a:rPr lang="nl-NL" dirty="0"/>
+              <a:rPr lang="nl-NL" sz="1800" dirty="0"/>
               <a:t>, </a:t>
             </a:r>
             <a:r>
-              <a:rPr lang="nl-NL" dirty="0" err="1"/>
+              <a:rPr lang="nl-NL" sz="1800" dirty="0" err="1"/>
               <a:t>stderr</a:t>
             </a:r>
-            <a:endParaRPr lang="nl-NL" dirty="0"/>
+            <a:endParaRPr lang="nl-NL" sz="1800" dirty="0"/>
           </a:p>
           <a:p>
             <a:pPr lvl="1"/>
-            <a:endParaRPr lang="nl-NL" dirty="0"/>
+            <a:endParaRPr lang="nl-NL" sz="1800" dirty="0"/>
           </a:p>
           <a:p>
             <a:r>
@@ -9343,7 +9649,7 @@
                 <a:latin typeface="Courier New" panose="02070309020205020404" pitchFamily="49" charset="0"/>
                 <a:cs typeface="Courier New" panose="02070309020205020404" pitchFamily="49" charset="0"/>
               </a:rPr>
-              <a:t>AnsibleModule</a:t>
+              <a:t>AnsibleModule.run_command</a:t>
             </a:r>
             <a:r>
               <a:rPr lang="nl-NL" dirty="0">
@@ -9504,73 +9810,230 @@
         <p:spPr/>
         <p:txBody>
           <a:bodyPr>
-            <a:normAutofit lnSpcReduction="10000"/>
+            <a:normAutofit/>
           </a:bodyPr>
           <a:lstStyle/>
           <a:p>
             <a:pPr marL="0" indent="0">
               <a:buNone/>
             </a:pPr>
-            <a:r>
-              <a:rPr lang="nl-NL" dirty="0"/>
-              <a:t>/</a:t>
-            </a:r>
-            <a:r>
-              <a:rPr lang="nl-NL" dirty="0" err="1"/>
-              <a:t>etc</a:t>
-            </a:r>
-            <a:r>
-              <a:rPr lang="nl-NL" dirty="0"/>
-              <a:t>/</a:t>
-            </a:r>
-            <a:r>
-              <a:rPr lang="nl-NL" dirty="0" err="1"/>
-              <a:t>ansible</a:t>
-            </a:r>
-            <a:r>
-              <a:rPr lang="nl-NL" dirty="0"/>
-              <a:t>/</a:t>
-            </a:r>
-            <a:r>
-              <a:rPr lang="nl-NL" dirty="0" err="1"/>
-              <a:t>ansible.cfg</a:t>
-            </a:r>
             <a:endParaRPr lang="nl-NL" dirty="0"/>
           </a:p>
           <a:p>
-            <a:pPr marL="0" indent="0">
+            <a:r>
+              <a:rPr lang="nl-NL" dirty="0" err="1"/>
+              <a:t>When</a:t>
+            </a:r>
+            <a:r>
+              <a:rPr lang="nl-NL" dirty="0"/>
+              <a:t> </a:t>
+            </a:r>
+            <a:r>
+              <a:rPr lang="nl-NL" dirty="0" err="1"/>
+              <a:t>installed</a:t>
+            </a:r>
+            <a:r>
+              <a:rPr lang="nl-NL" dirty="0"/>
+              <a:t> as a package</a:t>
+            </a:r>
+          </a:p>
+          <a:p>
+            <a:pPr marL="457200" lvl="1" indent="0">
               <a:buNone/>
             </a:pPr>
             <a:r>
-              <a:rPr lang="en-US" dirty="0">
+              <a:rPr lang="nl-NL" sz="1800" dirty="0">
                 <a:latin typeface="Courier New" panose="02070309020205020404" pitchFamily="49" charset="0"/>
                 <a:cs typeface="Courier New" panose="02070309020205020404" pitchFamily="49" charset="0"/>
               </a:rPr>
-              <a:t>library        = /</a:t>
-            </a:r>
-            <a:r>
-              <a:rPr lang="en-US" dirty="0" err="1">
+              <a:t>/</a:t>
+            </a:r>
+            <a:r>
+              <a:rPr lang="nl-NL" sz="1800" dirty="0" err="1">
                 <a:latin typeface="Courier New" panose="02070309020205020404" pitchFamily="49" charset="0"/>
                 <a:cs typeface="Courier New" panose="02070309020205020404" pitchFamily="49" charset="0"/>
               </a:rPr>
               <a:t>usr</a:t>
             </a:r>
             <a:r>
-              <a:rPr lang="en-US" dirty="0">
+              <a:rPr lang="nl-NL" sz="1800" dirty="0">
+                <a:latin typeface="Courier New" panose="02070309020205020404" pitchFamily="49" charset="0"/>
+                <a:cs typeface="Courier New" panose="02070309020205020404" pitchFamily="49" charset="0"/>
+              </a:rPr>
+              <a:t>/</a:t>
+            </a:r>
+            <a:r>
+              <a:rPr lang="nl-NL" sz="1800" dirty="0" err="1">
+                <a:latin typeface="Courier New" panose="02070309020205020404" pitchFamily="49" charset="0"/>
+                <a:cs typeface="Courier New" panose="02070309020205020404" pitchFamily="49" charset="0"/>
+              </a:rPr>
+              <a:t>lib</a:t>
+            </a:r>
+            <a:r>
+              <a:rPr lang="nl-NL" sz="1800" dirty="0">
+                <a:latin typeface="Courier New" panose="02070309020205020404" pitchFamily="49" charset="0"/>
+                <a:cs typeface="Courier New" panose="02070309020205020404" pitchFamily="49" charset="0"/>
+              </a:rPr>
+              <a:t>/python2.7/site-packages/</a:t>
+            </a:r>
+            <a:r>
+              <a:rPr lang="nl-NL" sz="1800" dirty="0" err="1">
+                <a:latin typeface="Courier New" panose="02070309020205020404" pitchFamily="49" charset="0"/>
+                <a:cs typeface="Courier New" panose="02070309020205020404" pitchFamily="49" charset="0"/>
+              </a:rPr>
+              <a:t>ansible</a:t>
+            </a:r>
+            <a:r>
+              <a:rPr lang="nl-NL" sz="1800" dirty="0">
+                <a:latin typeface="Courier New" panose="02070309020205020404" pitchFamily="49" charset="0"/>
+                <a:cs typeface="Courier New" panose="02070309020205020404" pitchFamily="49" charset="0"/>
+              </a:rPr>
+              <a:t>/modules/</a:t>
+            </a:r>
+          </a:p>
+          <a:p>
+            <a:pPr marL="0" indent="0">
+              <a:buNone/>
+            </a:pPr>
+            <a:endParaRPr lang="nl-NL" dirty="0"/>
+          </a:p>
+          <a:p>
+            <a:r>
+              <a:rPr lang="nl-NL" dirty="0" err="1"/>
+              <a:t>Cloned</a:t>
+            </a:r>
+            <a:r>
+              <a:rPr lang="nl-NL" dirty="0"/>
+              <a:t> </a:t>
+            </a:r>
+            <a:r>
+              <a:rPr lang="nl-NL" dirty="0" err="1"/>
+              <a:t>from</a:t>
+            </a:r>
+            <a:r>
+              <a:rPr lang="nl-NL" dirty="0"/>
+              <a:t> </a:t>
+            </a:r>
+            <a:r>
+              <a:rPr lang="nl-NL" dirty="0" err="1"/>
+              <a:t>github</a:t>
+            </a:r>
+            <a:endParaRPr lang="nl-NL" dirty="0"/>
+          </a:p>
+          <a:p>
+            <a:pPr marL="457200" lvl="1" indent="0">
+              <a:buNone/>
+            </a:pPr>
+            <a:r>
+              <a:rPr lang="nl-NL" sz="1800" dirty="0" err="1">
+                <a:latin typeface="Courier New" panose="02070309020205020404" pitchFamily="49" charset="0"/>
+                <a:cs typeface="Courier New" panose="02070309020205020404" pitchFamily="49" charset="0"/>
+              </a:rPr>
+              <a:t>ansible</a:t>
+            </a:r>
+            <a:r>
+              <a:rPr lang="nl-NL" sz="1800" dirty="0">
+                <a:latin typeface="Courier New" panose="02070309020205020404" pitchFamily="49" charset="0"/>
+                <a:cs typeface="Courier New" panose="02070309020205020404" pitchFamily="49" charset="0"/>
+              </a:rPr>
+              <a:t>/</a:t>
+            </a:r>
+            <a:r>
+              <a:rPr lang="nl-NL" sz="1800" dirty="0" err="1">
+                <a:latin typeface="Courier New" panose="02070309020205020404" pitchFamily="49" charset="0"/>
+                <a:cs typeface="Courier New" panose="02070309020205020404" pitchFamily="49" charset="0"/>
+              </a:rPr>
+              <a:t>lib</a:t>
+            </a:r>
+            <a:r>
+              <a:rPr lang="nl-NL" sz="1800" dirty="0">
+                <a:latin typeface="Courier New" panose="02070309020205020404" pitchFamily="49" charset="0"/>
+                <a:cs typeface="Courier New" panose="02070309020205020404" pitchFamily="49" charset="0"/>
+              </a:rPr>
+              <a:t>/</a:t>
+            </a:r>
+            <a:r>
+              <a:rPr lang="nl-NL" sz="1800" dirty="0" err="1">
+                <a:latin typeface="Courier New" panose="02070309020205020404" pitchFamily="49" charset="0"/>
+                <a:cs typeface="Courier New" panose="02070309020205020404" pitchFamily="49" charset="0"/>
+              </a:rPr>
+              <a:t>ansible</a:t>
+            </a:r>
+            <a:r>
+              <a:rPr lang="nl-NL" sz="1800" dirty="0">
+                <a:latin typeface="Courier New" panose="02070309020205020404" pitchFamily="49" charset="0"/>
+                <a:cs typeface="Courier New" panose="02070309020205020404" pitchFamily="49" charset="0"/>
+              </a:rPr>
+              <a:t>/modules</a:t>
+            </a:r>
+          </a:p>
+          <a:p>
+            <a:pPr marL="0" indent="0">
+              <a:buNone/>
+            </a:pPr>
+            <a:endParaRPr lang="nl-NL" dirty="0"/>
+          </a:p>
+          <a:p>
+            <a:r>
+              <a:rPr lang="nl-NL" dirty="0"/>
+              <a:t>/</a:t>
+            </a:r>
+            <a:r>
+              <a:rPr lang="nl-NL" dirty="0" err="1"/>
+              <a:t>etc</a:t>
+            </a:r>
+            <a:r>
+              <a:rPr lang="nl-NL" dirty="0"/>
+              <a:t>/</a:t>
+            </a:r>
+            <a:r>
+              <a:rPr lang="nl-NL" dirty="0" err="1"/>
+              <a:t>ansible</a:t>
+            </a:r>
+            <a:r>
+              <a:rPr lang="nl-NL" dirty="0"/>
+              <a:t>/</a:t>
+            </a:r>
+            <a:r>
+              <a:rPr lang="nl-NL" dirty="0" err="1"/>
+              <a:t>ansible.cfg</a:t>
+            </a:r>
+            <a:endParaRPr lang="nl-NL" dirty="0"/>
+          </a:p>
+          <a:p>
+            <a:pPr marL="457200" lvl="1" indent="0">
+              <a:buNone/>
+            </a:pPr>
+            <a:r>
+              <a:rPr lang="en-US" sz="1800" dirty="0">
+                <a:latin typeface="Courier New" panose="02070309020205020404" pitchFamily="49" charset="0"/>
+                <a:cs typeface="Courier New" panose="02070309020205020404" pitchFamily="49" charset="0"/>
+              </a:rPr>
+              <a:t>#library        = /</a:t>
+            </a:r>
+            <a:r>
+              <a:rPr lang="en-US" sz="1800" dirty="0" err="1">
+                <a:latin typeface="Courier New" panose="02070309020205020404" pitchFamily="49" charset="0"/>
+                <a:cs typeface="Courier New" panose="02070309020205020404" pitchFamily="49" charset="0"/>
+              </a:rPr>
+              <a:t>usr</a:t>
+            </a:r>
+            <a:r>
+              <a:rPr lang="en-US" sz="1800" dirty="0">
                 <a:latin typeface="Courier New" panose="02070309020205020404" pitchFamily="49" charset="0"/>
                 <a:cs typeface="Courier New" panose="02070309020205020404" pitchFamily="49" charset="0"/>
               </a:rPr>
               <a:t>/share/</a:t>
             </a:r>
             <a:r>
-              <a:rPr lang="en-US" dirty="0" err="1">
+              <a:rPr lang="en-US" sz="1800" dirty="0" err="1">
                 <a:latin typeface="Courier New" panose="02070309020205020404" pitchFamily="49" charset="0"/>
                 <a:cs typeface="Courier New" panose="02070309020205020404" pitchFamily="49" charset="0"/>
               </a:rPr>
               <a:t>my_modules</a:t>
             </a:r>
             <a:r>
-              <a:rPr lang="en-US" dirty="0">
+              <a:rPr lang="en-US" sz="1800" dirty="0">
                 <a:latin typeface="Courier New" panose="02070309020205020404" pitchFamily="49" charset="0"/>
                 <a:cs typeface="Courier New" panose="02070309020205020404" pitchFamily="49" charset="0"/>
               </a:rPr>
@@ -9582,340 +10045,6 @@
               <a:buNone/>
             </a:pPr>
             <a:endParaRPr lang="nl-NL" dirty="0"/>
-          </a:p>
-          <a:p>
-            <a:pPr marL="0" indent="0">
-              <a:buNone/>
-            </a:pPr>
-            <a:r>
-              <a:rPr lang="nl-NL" dirty="0" err="1"/>
-              <a:t>Add</a:t>
-            </a:r>
-            <a:r>
-              <a:rPr lang="nl-NL" dirty="0"/>
-              <a:t> </a:t>
-            </a:r>
-            <a:r>
-              <a:rPr lang="nl-NL" dirty="0" err="1"/>
-              <a:t>the</a:t>
-            </a:r>
-            <a:r>
-              <a:rPr lang="nl-NL" dirty="0"/>
-              <a:t> module </a:t>
-            </a:r>
-            <a:r>
-              <a:rPr lang="nl-NL" dirty="0" err="1"/>
-              <a:t>to</a:t>
-            </a:r>
-            <a:r>
-              <a:rPr lang="nl-NL" dirty="0"/>
-              <a:t> </a:t>
-            </a:r>
-            <a:r>
-              <a:rPr lang="nl-NL" dirty="0" err="1"/>
-              <a:t>your</a:t>
-            </a:r>
-            <a:r>
-              <a:rPr lang="nl-NL" dirty="0"/>
-              <a:t> </a:t>
-            </a:r>
-            <a:r>
-              <a:rPr lang="nl-NL" dirty="0" err="1"/>
-              <a:t>playbook</a:t>
-            </a:r>
-            <a:r>
-              <a:rPr lang="nl-NL" dirty="0"/>
-              <a:t> directory</a:t>
-            </a:r>
-          </a:p>
-          <a:p>
-            <a:pPr marL="0" indent="0">
-              <a:lnSpc>
-                <a:spcPct val="120000"/>
-              </a:lnSpc>
-              <a:spcBef>
-                <a:spcPts val="0"/>
-              </a:spcBef>
-              <a:buNone/>
-            </a:pPr>
-            <a:r>
-              <a:rPr lang="nl-NL" dirty="0">
-                <a:latin typeface="Courier New" panose="02070309020205020404" pitchFamily="49" charset="0"/>
-                <a:cs typeface="Courier New" panose="02070309020205020404" pitchFamily="49" charset="0"/>
-              </a:rPr>
-              <a:t>.</a:t>
-            </a:r>
-          </a:p>
-          <a:p>
-            <a:pPr marL="0" indent="0">
-              <a:lnSpc>
-                <a:spcPct val="120000"/>
-              </a:lnSpc>
-              <a:spcBef>
-                <a:spcPts val="0"/>
-              </a:spcBef>
-              <a:buNone/>
-            </a:pPr>
-            <a:r>
-              <a:rPr lang="nl-NL" dirty="0">
-                <a:latin typeface="Courier New" panose="02070309020205020404" pitchFamily="49" charset="0"/>
-                <a:cs typeface="Courier New" panose="02070309020205020404" pitchFamily="49" charset="0"/>
-              </a:rPr>
-              <a:t>├── </a:t>
-            </a:r>
-            <a:r>
-              <a:rPr lang="nl-NL" dirty="0" err="1">
-                <a:latin typeface="Courier New" panose="02070309020205020404" pitchFamily="49" charset="0"/>
-                <a:cs typeface="Courier New" panose="02070309020205020404" pitchFamily="49" charset="0"/>
-              </a:rPr>
-              <a:t>library</a:t>
-            </a:r>
-            <a:endParaRPr lang="nl-NL" dirty="0">
-              <a:latin typeface="Courier New" panose="02070309020205020404" pitchFamily="49" charset="0"/>
-              <a:cs typeface="Courier New" panose="02070309020205020404" pitchFamily="49" charset="0"/>
-            </a:endParaRPr>
-          </a:p>
-          <a:p>
-            <a:pPr marL="0" indent="0">
-              <a:lnSpc>
-                <a:spcPct val="120000"/>
-              </a:lnSpc>
-              <a:spcBef>
-                <a:spcPts val="0"/>
-              </a:spcBef>
-              <a:buNone/>
-            </a:pPr>
-            <a:r>
-              <a:rPr lang="nl-NL" dirty="0">
-                <a:latin typeface="Courier New" panose="02070309020205020404" pitchFamily="49" charset="0"/>
-                <a:cs typeface="Courier New" panose="02070309020205020404" pitchFamily="49" charset="0"/>
-              </a:rPr>
-              <a:t>│   └── my_module.py</a:t>
-            </a:r>
-          </a:p>
-          <a:p>
-            <a:pPr marL="0" indent="0">
-              <a:lnSpc>
-                <a:spcPct val="120000"/>
-              </a:lnSpc>
-              <a:spcBef>
-                <a:spcPts val="0"/>
-              </a:spcBef>
-              <a:buNone/>
-            </a:pPr>
-            <a:r>
-              <a:rPr lang="nl-NL" dirty="0">
-                <a:latin typeface="Courier New" panose="02070309020205020404" pitchFamily="49" charset="0"/>
-                <a:cs typeface="Courier New" panose="02070309020205020404" pitchFamily="49" charset="0"/>
-              </a:rPr>
-              <a:t>└── </a:t>
-            </a:r>
-            <a:r>
-              <a:rPr lang="nl-NL" dirty="0" err="1">
-                <a:latin typeface="Courier New" panose="02070309020205020404" pitchFamily="49" charset="0"/>
-                <a:cs typeface="Courier New" panose="02070309020205020404" pitchFamily="49" charset="0"/>
-              </a:rPr>
-              <a:t>site.yml</a:t>
-            </a:r>
-            <a:endParaRPr lang="nl-NL" dirty="0">
-              <a:latin typeface="Courier New" panose="02070309020205020404" pitchFamily="49" charset="0"/>
-              <a:cs typeface="Courier New" panose="02070309020205020404" pitchFamily="49" charset="0"/>
-            </a:endParaRPr>
-          </a:p>
-          <a:p>
-            <a:pPr marL="0" indent="0">
-              <a:buNone/>
-            </a:pPr>
-            <a:endParaRPr lang="nl-NL" dirty="0"/>
-          </a:p>
-          <a:p>
-            <a:pPr marL="0" indent="0">
-              <a:buNone/>
-            </a:pPr>
-            <a:r>
-              <a:rPr lang="nl-NL" dirty="0" err="1"/>
-              <a:t>Create</a:t>
-            </a:r>
-            <a:r>
-              <a:rPr lang="nl-NL" dirty="0"/>
-              <a:t> a </a:t>
-            </a:r>
-            <a:r>
-              <a:rPr lang="nl-NL" dirty="0" err="1"/>
-              <a:t>role</a:t>
-            </a:r>
-            <a:r>
-              <a:rPr lang="nl-NL" dirty="0"/>
-              <a:t> </a:t>
-            </a:r>
-            <a:r>
-              <a:rPr lang="nl-NL" dirty="0" err="1"/>
-              <a:t>with</a:t>
-            </a:r>
-            <a:r>
-              <a:rPr lang="nl-NL" dirty="0"/>
-              <a:t> </a:t>
-            </a:r>
-            <a:r>
-              <a:rPr lang="nl-NL" dirty="0" err="1"/>
-              <a:t>your</a:t>
-            </a:r>
-            <a:r>
-              <a:rPr lang="nl-NL" dirty="0"/>
-              <a:t> module</a:t>
-            </a:r>
-          </a:p>
-          <a:p>
-            <a:pPr marL="0" indent="0">
-              <a:lnSpc>
-                <a:spcPct val="120000"/>
-              </a:lnSpc>
-              <a:spcBef>
-                <a:spcPts val="0"/>
-              </a:spcBef>
-              <a:buNone/>
-            </a:pPr>
-            <a:r>
-              <a:rPr lang="nl-NL" dirty="0">
-                <a:latin typeface="Courier New" panose="02070309020205020404" pitchFamily="49" charset="0"/>
-                <a:cs typeface="Courier New" panose="02070309020205020404" pitchFamily="49" charset="0"/>
-              </a:rPr>
-              <a:t>.</a:t>
-            </a:r>
-          </a:p>
-          <a:p>
-            <a:pPr marL="0" indent="0">
-              <a:lnSpc>
-                <a:spcPct val="120000"/>
-              </a:lnSpc>
-              <a:spcBef>
-                <a:spcPts val="0"/>
-              </a:spcBef>
-              <a:buNone/>
-            </a:pPr>
-            <a:r>
-              <a:rPr lang="nl-NL" dirty="0">
-                <a:latin typeface="Courier New" panose="02070309020205020404" pitchFamily="49" charset="0"/>
-                <a:cs typeface="Courier New" panose="02070309020205020404" pitchFamily="49" charset="0"/>
-              </a:rPr>
-              <a:t>├── </a:t>
-            </a:r>
-            <a:r>
-              <a:rPr lang="nl-NL" dirty="0" err="1">
-                <a:latin typeface="Courier New" panose="02070309020205020404" pitchFamily="49" charset="0"/>
-                <a:cs typeface="Courier New" panose="02070309020205020404" pitchFamily="49" charset="0"/>
-              </a:rPr>
-              <a:t>roles</a:t>
-            </a:r>
-            <a:endParaRPr lang="nl-NL" dirty="0">
-              <a:latin typeface="Courier New" panose="02070309020205020404" pitchFamily="49" charset="0"/>
-              <a:cs typeface="Courier New" panose="02070309020205020404" pitchFamily="49" charset="0"/>
-            </a:endParaRPr>
-          </a:p>
-          <a:p>
-            <a:pPr marL="0" indent="0">
-              <a:lnSpc>
-                <a:spcPct val="120000"/>
-              </a:lnSpc>
-              <a:spcBef>
-                <a:spcPts val="0"/>
-              </a:spcBef>
-              <a:buNone/>
-            </a:pPr>
-            <a:r>
-              <a:rPr lang="nl-NL" dirty="0">
-                <a:latin typeface="Courier New" panose="02070309020205020404" pitchFamily="49" charset="0"/>
-                <a:cs typeface="Courier New" panose="02070309020205020404" pitchFamily="49" charset="0"/>
-              </a:rPr>
-              <a:t>│   └── </a:t>
-            </a:r>
-            <a:r>
-              <a:rPr lang="nl-NL" dirty="0" err="1">
-                <a:latin typeface="Courier New" panose="02070309020205020404" pitchFamily="49" charset="0"/>
-                <a:cs typeface="Courier New" panose="02070309020205020404" pitchFamily="49" charset="0"/>
-              </a:rPr>
-              <a:t>modules_role</a:t>
-            </a:r>
-            <a:endParaRPr lang="nl-NL" dirty="0">
-              <a:latin typeface="Courier New" panose="02070309020205020404" pitchFamily="49" charset="0"/>
-              <a:cs typeface="Courier New" panose="02070309020205020404" pitchFamily="49" charset="0"/>
-            </a:endParaRPr>
-          </a:p>
-          <a:p>
-            <a:pPr marL="0" indent="0">
-              <a:lnSpc>
-                <a:spcPct val="120000"/>
-              </a:lnSpc>
-              <a:spcBef>
-                <a:spcPts val="0"/>
-              </a:spcBef>
-              <a:buNone/>
-            </a:pPr>
-            <a:r>
-              <a:rPr lang="nl-NL" dirty="0">
-                <a:latin typeface="Courier New" panose="02070309020205020404" pitchFamily="49" charset="0"/>
-                <a:cs typeface="Courier New" panose="02070309020205020404" pitchFamily="49" charset="0"/>
-              </a:rPr>
-              <a:t>│       └── </a:t>
-            </a:r>
-            <a:r>
-              <a:rPr lang="nl-NL" dirty="0" err="1">
-                <a:latin typeface="Courier New" panose="02070309020205020404" pitchFamily="49" charset="0"/>
-                <a:cs typeface="Courier New" panose="02070309020205020404" pitchFamily="49" charset="0"/>
-              </a:rPr>
-              <a:t>library</a:t>
-            </a:r>
-            <a:endParaRPr lang="nl-NL" dirty="0">
-              <a:latin typeface="Courier New" panose="02070309020205020404" pitchFamily="49" charset="0"/>
-              <a:cs typeface="Courier New" panose="02070309020205020404" pitchFamily="49" charset="0"/>
-            </a:endParaRPr>
-          </a:p>
-          <a:p>
-            <a:pPr marL="0" indent="0">
-              <a:lnSpc>
-                <a:spcPct val="120000"/>
-              </a:lnSpc>
-              <a:spcBef>
-                <a:spcPts val="0"/>
-              </a:spcBef>
-              <a:buNone/>
-            </a:pPr>
-            <a:r>
-              <a:rPr lang="nl-NL" dirty="0">
-                <a:latin typeface="Courier New" panose="02070309020205020404" pitchFamily="49" charset="0"/>
-                <a:cs typeface="Courier New" panose="02070309020205020404" pitchFamily="49" charset="0"/>
-              </a:rPr>
-              <a:t>│           └── my_module.py</a:t>
-            </a:r>
-          </a:p>
-          <a:p>
-            <a:pPr marL="0" indent="0">
-              <a:lnSpc>
-                <a:spcPct val="120000"/>
-              </a:lnSpc>
-              <a:spcBef>
-                <a:spcPts val="0"/>
-              </a:spcBef>
-              <a:buNone/>
-            </a:pPr>
-            <a:r>
-              <a:rPr lang="nl-NL" dirty="0">
-                <a:latin typeface="Courier New" panose="02070309020205020404" pitchFamily="49" charset="0"/>
-                <a:cs typeface="Courier New" panose="02070309020205020404" pitchFamily="49" charset="0"/>
-              </a:rPr>
-              <a:t>└── </a:t>
-            </a:r>
-            <a:r>
-              <a:rPr lang="nl-NL" dirty="0" err="1">
-                <a:latin typeface="Courier New" panose="02070309020205020404" pitchFamily="49" charset="0"/>
-                <a:cs typeface="Courier New" panose="02070309020205020404" pitchFamily="49" charset="0"/>
-              </a:rPr>
-              <a:t>site.yml</a:t>
-            </a:r>
-            <a:endParaRPr lang="nl-NL" dirty="0">
-              <a:latin typeface="Courier New" panose="02070309020205020404" pitchFamily="49" charset="0"/>
-              <a:cs typeface="Courier New" panose="02070309020205020404" pitchFamily="49" charset="0"/>
-            </a:endParaRPr>
           </a:p>
           <a:p>
             <a:pPr marL="0" indent="0">
@@ -9989,7 +10118,7 @@
           <p:cNvPr id="2" name="Title 1">
             <a:extLst>
               <a:ext uri="{FF2B5EF4-FFF2-40B4-BE49-F238E27FC236}">
-                <a16:creationId xmlns:a16="http://schemas.microsoft.com/office/drawing/2014/main" id="{1A2D4EFC-77B8-4537-8AAA-9BB915C4FA73}"/>
+                <a16:creationId xmlns:a16="http://schemas.microsoft.com/office/drawing/2014/main" id="{D962C000-A31F-49F6-ADDD-21CB1DD31726}"/>
               </a:ext>
             </a:extLst>
           </p:cNvPr>
@@ -10006,20 +10135,24 @@
           <a:lstStyle/>
           <a:p>
             <a:r>
-              <a:rPr lang="nl-NL" dirty="0"/>
-              <a:t>First </a:t>
-            </a:r>
-            <a:r>
-              <a:rPr lang="nl-NL" dirty="0" err="1"/>
-              <a:t>version</a:t>
-            </a:r>
-            <a:r>
-              <a:rPr lang="nl-NL" dirty="0"/>
-              <a:t> of </a:t>
-            </a:r>
-            <a:r>
-              <a:rPr lang="nl-NL" dirty="0" err="1"/>
-              <a:t>your</a:t>
+              <a:rPr lang="nl-NL" dirty="0" err="1"/>
+              <a:t>Where</a:t>
+            </a:r>
+            <a:r>
+              <a:rPr lang="nl-NL" dirty="0"/>
+              <a:t> </a:t>
+            </a:r>
+            <a:r>
+              <a:rPr lang="nl-NL" dirty="0" err="1"/>
+              <a:t>to</a:t>
+            </a:r>
+            <a:r>
+              <a:rPr lang="nl-NL" dirty="0"/>
+              <a:t> put </a:t>
+            </a:r>
+            <a:r>
+              <a:rPr lang="nl-NL" dirty="0" err="1"/>
+              <a:t>the</a:t>
             </a:r>
             <a:r>
               <a:rPr lang="nl-NL" dirty="0"/>
@@ -10033,7 +10166,7 @@
           <p:cNvPr id="3" name="Content Placeholder 2">
             <a:extLst>
               <a:ext uri="{FF2B5EF4-FFF2-40B4-BE49-F238E27FC236}">
-                <a16:creationId xmlns:a16="http://schemas.microsoft.com/office/drawing/2014/main" id="{5C548DED-DE02-4CC2-B84B-A093F3CDE18D}"/>
+                <a16:creationId xmlns:a16="http://schemas.microsoft.com/office/drawing/2014/main" id="{27EF0C6E-90EC-4A90-8158-4F4A32506B5A}"/>
               </a:ext>
             </a:extLst>
           </p:cNvPr>
@@ -10046,12 +10179,35 @@
         </p:nvSpPr>
         <p:spPr/>
         <p:txBody>
-          <a:bodyPr/>
+          <a:bodyPr>
+            <a:normAutofit/>
+          </a:bodyPr>
           <a:lstStyle/>
           <a:p>
-            <a:r>
-              <a:rPr lang="nl-NL" dirty="0"/>
-              <a:t>We start </a:t>
+            <a:pPr marL="0" indent="0">
+              <a:buNone/>
+            </a:pPr>
+            <a:endParaRPr lang="nl-NL" dirty="0"/>
+          </a:p>
+          <a:p>
+            <a:pPr marL="0" indent="0">
+              <a:buNone/>
+            </a:pPr>
+            <a:r>
+              <a:rPr lang="nl-NL" dirty="0" err="1"/>
+              <a:t>Add</a:t>
+            </a:r>
+            <a:r>
+              <a:rPr lang="nl-NL" dirty="0"/>
+              <a:t> </a:t>
+            </a:r>
+            <a:r>
+              <a:rPr lang="nl-NL" dirty="0" err="1"/>
+              <a:t>the</a:t>
+            </a:r>
+            <a:r>
+              <a:rPr lang="nl-NL" dirty="0"/>
+              <a:t> module </a:t>
             </a:r>
             <a:r>
               <a:rPr lang="nl-NL" dirty="0" err="1"/>
@@ -10059,41 +10215,15 @@
             </a:r>
             <a:r>
               <a:rPr lang="nl-NL" dirty="0"/>
-              <a:t> experiment </a:t>
-            </a:r>
-            <a:r>
-              <a:rPr lang="nl-NL" dirty="0" err="1"/>
-              <a:t>writing</a:t>
-            </a:r>
-            <a:r>
-              <a:rPr lang="nl-NL" dirty="0"/>
-              <a:t> </a:t>
-            </a:r>
-            <a:r>
-              <a:rPr lang="nl-NL" dirty="0" err="1"/>
-              <a:t>the</a:t>
-            </a:r>
-            <a:r>
-              <a:rPr lang="nl-NL" dirty="0"/>
-              <a:t> module</a:t>
-            </a:r>
-          </a:p>
-          <a:p>
-            <a:r>
-              <a:rPr lang="nl-NL" dirty="0" err="1"/>
-              <a:t>And</a:t>
-            </a:r>
-            <a:r>
-              <a:rPr lang="nl-NL" dirty="0"/>
-              <a:t> </a:t>
-            </a:r>
-            <a:r>
-              <a:rPr lang="nl-NL" dirty="0" err="1"/>
-              <a:t>writing</a:t>
-            </a:r>
-            <a:r>
-              <a:rPr lang="nl-NL" dirty="0"/>
-              <a:t> a </a:t>
+              <a:t> </a:t>
+            </a:r>
+            <a:r>
+              <a:rPr lang="nl-NL" dirty="0" err="1"/>
+              <a:t>your</a:t>
+            </a:r>
+            <a:r>
+              <a:rPr lang="nl-NL" dirty="0"/>
+              <a:t> </a:t>
             </a:r>
             <a:r>
               <a:rPr lang="nl-NL" dirty="0" err="1"/>
@@ -10101,182 +10231,113 @@
             </a:r>
             <a:r>
               <a:rPr lang="nl-NL" dirty="0"/>
-              <a:t> </a:t>
-            </a:r>
-            <a:r>
-              <a:rPr lang="nl-NL" dirty="0" err="1"/>
-              <a:t>to</a:t>
-            </a:r>
-            <a:r>
-              <a:rPr lang="nl-NL" dirty="0"/>
-              <a:t> </a:t>
-            </a:r>
-            <a:r>
-              <a:rPr lang="nl-NL" dirty="0" err="1"/>
-              <a:t>use</a:t>
-            </a:r>
-            <a:r>
-              <a:rPr lang="nl-NL" dirty="0"/>
-              <a:t> </a:t>
-            </a:r>
-            <a:r>
-              <a:rPr lang="nl-NL" dirty="0" err="1"/>
-              <a:t>the</a:t>
-            </a:r>
-            <a:r>
-              <a:rPr lang="nl-NL" dirty="0"/>
-              <a:t> module </a:t>
-            </a:r>
-            <a:r>
-              <a:rPr lang="nl-NL" dirty="0" err="1"/>
-              <a:t>for</a:t>
-            </a:r>
-            <a:r>
-              <a:rPr lang="nl-NL" dirty="0"/>
-              <a:t> </a:t>
-            </a:r>
-            <a:r>
-              <a:rPr lang="nl-NL" dirty="0" err="1"/>
-              <a:t>adding</a:t>
-            </a:r>
-            <a:r>
-              <a:rPr lang="nl-NL" dirty="0"/>
-              <a:t> </a:t>
-            </a:r>
-            <a:r>
-              <a:rPr lang="nl-NL" dirty="0" err="1"/>
-              <a:t>and</a:t>
-            </a:r>
-            <a:r>
-              <a:rPr lang="nl-NL" dirty="0"/>
-              <a:t> </a:t>
-            </a:r>
-            <a:r>
-              <a:rPr lang="nl-NL" dirty="0" err="1"/>
-              <a:t>removing</a:t>
-            </a:r>
-            <a:r>
-              <a:rPr lang="nl-NL" dirty="0"/>
-              <a:t> </a:t>
-            </a:r>
-            <a:r>
-              <a:rPr lang="nl-NL" dirty="0" err="1"/>
-              <a:t>the</a:t>
-            </a:r>
-            <a:r>
-              <a:rPr lang="nl-NL" dirty="0"/>
-              <a:t> file</a:t>
-            </a:r>
-          </a:p>
-          <a:p>
+              <a:t> directory</a:t>
+            </a:r>
+          </a:p>
+          <a:p>
+            <a:pPr marL="0" indent="0">
+              <a:lnSpc>
+                <a:spcPct val="120000"/>
+              </a:lnSpc>
+              <a:spcBef>
+                <a:spcPts val="0"/>
+              </a:spcBef>
+              <a:buNone/>
+            </a:pPr>
+            <a:r>
+              <a:rPr lang="nl-NL" dirty="0">
+                <a:latin typeface="Courier New" panose="02070309020205020404" pitchFamily="49" charset="0"/>
+                <a:cs typeface="Courier New" panose="02070309020205020404" pitchFamily="49" charset="0"/>
+              </a:rPr>
+              <a:t>.</a:t>
+            </a:r>
+          </a:p>
+          <a:p>
+            <a:pPr marL="0" indent="0">
+              <a:lnSpc>
+                <a:spcPct val="120000"/>
+              </a:lnSpc>
+              <a:spcBef>
+                <a:spcPts val="0"/>
+              </a:spcBef>
+              <a:buNone/>
+            </a:pPr>
+            <a:r>
+              <a:rPr lang="nl-NL" dirty="0">
+                <a:latin typeface="Courier New" panose="02070309020205020404" pitchFamily="49" charset="0"/>
+                <a:cs typeface="Courier New" panose="02070309020205020404" pitchFamily="49" charset="0"/>
+              </a:rPr>
+              <a:t>├── </a:t>
+            </a:r>
+            <a:r>
+              <a:rPr lang="nl-NL" dirty="0" err="1">
+                <a:latin typeface="Courier New" panose="02070309020205020404" pitchFamily="49" charset="0"/>
+                <a:cs typeface="Courier New" panose="02070309020205020404" pitchFamily="49" charset="0"/>
+              </a:rPr>
+              <a:t>library</a:t>
+            </a:r>
+            <a:endParaRPr lang="nl-NL" dirty="0">
+              <a:latin typeface="Courier New" panose="02070309020205020404" pitchFamily="49" charset="0"/>
+              <a:cs typeface="Courier New" panose="02070309020205020404" pitchFamily="49" charset="0"/>
+            </a:endParaRPr>
+          </a:p>
+          <a:p>
+            <a:pPr marL="0" indent="0">
+              <a:lnSpc>
+                <a:spcPct val="120000"/>
+              </a:lnSpc>
+              <a:spcBef>
+                <a:spcPts val="0"/>
+              </a:spcBef>
+              <a:buNone/>
+            </a:pPr>
+            <a:r>
+              <a:rPr lang="nl-NL" dirty="0">
+                <a:latin typeface="Courier New" panose="02070309020205020404" pitchFamily="49" charset="0"/>
+                <a:cs typeface="Courier New" panose="02070309020205020404" pitchFamily="49" charset="0"/>
+              </a:rPr>
+              <a:t>│   └── my_module.py</a:t>
+            </a:r>
+          </a:p>
+          <a:p>
+            <a:pPr marL="0" indent="0">
+              <a:lnSpc>
+                <a:spcPct val="120000"/>
+              </a:lnSpc>
+              <a:spcBef>
+                <a:spcPts val="0"/>
+              </a:spcBef>
+              <a:buNone/>
+            </a:pPr>
+            <a:r>
+              <a:rPr lang="nl-NL" dirty="0">
+                <a:latin typeface="Courier New" panose="02070309020205020404" pitchFamily="49" charset="0"/>
+                <a:cs typeface="Courier New" panose="02070309020205020404" pitchFamily="49" charset="0"/>
+              </a:rPr>
+              <a:t>└── </a:t>
+            </a:r>
+            <a:r>
+              <a:rPr lang="nl-NL" dirty="0" err="1">
+                <a:latin typeface="Courier New" panose="02070309020205020404" pitchFamily="49" charset="0"/>
+                <a:cs typeface="Courier New" panose="02070309020205020404" pitchFamily="49" charset="0"/>
+              </a:rPr>
+              <a:t>site.yml</a:t>
+            </a:r>
+            <a:endParaRPr lang="nl-NL" dirty="0">
+              <a:latin typeface="Courier New" panose="02070309020205020404" pitchFamily="49" charset="0"/>
+              <a:cs typeface="Courier New" panose="02070309020205020404" pitchFamily="49" charset="0"/>
+            </a:endParaRPr>
+          </a:p>
+          <a:p>
+            <a:pPr marL="0" indent="0">
+              <a:buNone/>
+            </a:pPr>
             <a:endParaRPr lang="nl-NL" dirty="0"/>
           </a:p>
           <a:p>
-            <a:r>
-              <a:rPr lang="nl-NL" dirty="0"/>
-              <a:t>Start </a:t>
-            </a:r>
-            <a:r>
-              <a:rPr lang="nl-NL" dirty="0" err="1"/>
-              <a:t>with</a:t>
-            </a:r>
-            <a:r>
-              <a:rPr lang="nl-NL" dirty="0"/>
-              <a:t> </a:t>
-            </a:r>
-            <a:r>
-              <a:rPr lang="nl-NL" dirty="0" err="1"/>
-              <a:t>the</a:t>
-            </a:r>
-            <a:r>
-              <a:rPr lang="nl-NL" dirty="0"/>
-              <a:t> </a:t>
-            </a:r>
-            <a:r>
-              <a:rPr lang="nl-NL" dirty="0" err="1"/>
-              <a:t>definition</a:t>
-            </a:r>
-            <a:r>
-              <a:rPr lang="nl-NL" dirty="0"/>
-              <a:t> of </a:t>
-            </a:r>
-            <a:r>
-              <a:rPr lang="nl-NL" dirty="0" err="1"/>
-              <a:t>the</a:t>
-            </a:r>
-            <a:r>
-              <a:rPr lang="nl-NL" dirty="0"/>
-              <a:t> </a:t>
-            </a:r>
-            <a:r>
-              <a:rPr lang="nl-NL" dirty="0" err="1"/>
-              <a:t>arguments</a:t>
-            </a:r>
-            <a:endParaRPr lang="nl-NL" dirty="0"/>
-          </a:p>
-          <a:p>
-            <a:r>
-              <a:rPr lang="nl-NL" dirty="0"/>
-              <a:t>Handle </a:t>
-            </a:r>
-            <a:r>
-              <a:rPr lang="nl-NL" dirty="0" err="1"/>
-              <a:t>the</a:t>
-            </a:r>
-            <a:r>
-              <a:rPr lang="nl-NL" dirty="0"/>
-              <a:t> </a:t>
-            </a:r>
-            <a:r>
-              <a:rPr lang="nl-NL" dirty="0" err="1"/>
-              <a:t>arguments</a:t>
-            </a:r>
-            <a:endParaRPr lang="nl-NL" dirty="0"/>
-          </a:p>
-          <a:p>
-            <a:r>
-              <a:rPr lang="nl-NL" dirty="0"/>
-              <a:t>Program </a:t>
-            </a:r>
-            <a:r>
-              <a:rPr lang="nl-NL" dirty="0" err="1"/>
-              <a:t>the</a:t>
-            </a:r>
-            <a:r>
-              <a:rPr lang="nl-NL" dirty="0"/>
-              <a:t> actions</a:t>
-            </a:r>
-          </a:p>
-          <a:p>
-            <a:r>
-              <a:rPr lang="nl-NL" dirty="0" err="1"/>
-              <a:t>Create</a:t>
-            </a:r>
-            <a:r>
-              <a:rPr lang="nl-NL" dirty="0"/>
-              <a:t> feedback </a:t>
-            </a:r>
-            <a:r>
-              <a:rPr lang="nl-NL" dirty="0" err="1"/>
-              <a:t>to</a:t>
-            </a:r>
-            <a:r>
-              <a:rPr lang="nl-NL" dirty="0"/>
-              <a:t> </a:t>
-            </a:r>
-            <a:r>
-              <a:rPr lang="nl-NL" dirty="0" err="1"/>
-              <a:t>ansible</a:t>
-            </a:r>
-            <a:endParaRPr lang="nl-NL" dirty="0"/>
-          </a:p>
-          <a:p>
-            <a:endParaRPr lang="nl-NL" dirty="0"/>
-          </a:p>
-          <a:p>
-            <a:endParaRPr lang="nl-NL" dirty="0"/>
-          </a:p>
-          <a:p>
+            <a:pPr marL="0" indent="0">
+              <a:buNone/>
+            </a:pPr>
             <a:endParaRPr lang="nl-NL" dirty="0"/>
           </a:p>
         </p:txBody>
@@ -10286,7 +10347,7 @@
           <p:cNvPr id="4" name="Slide Number Placeholder 3">
             <a:extLst>
               <a:ext uri="{FF2B5EF4-FFF2-40B4-BE49-F238E27FC236}">
-                <a16:creationId xmlns:a16="http://schemas.microsoft.com/office/drawing/2014/main" id="{73477698-0514-4778-9CDE-FAB159517B1B}"/>
+                <a16:creationId xmlns:a16="http://schemas.microsoft.com/office/drawing/2014/main" id="{0F619B6E-6273-48F2-A6F1-63DCD03A4312}"/>
               </a:ext>
             </a:extLst>
           </p:cNvPr>
@@ -10313,7 +10374,7 @@
     </p:spTree>
     <p:extLst>
       <p:ext uri="{BB962C8B-B14F-4D97-AF65-F5344CB8AC3E}">
-        <p14:creationId xmlns:p14="http://schemas.microsoft.com/office/powerpoint/2010/main" val="4052928765"/>
+        <p14:creationId xmlns:p14="http://schemas.microsoft.com/office/powerpoint/2010/main" val="4065054871"/>
       </p:ext>
     </p:extLst>
   </p:cSld>
@@ -10345,7 +10406,7 @@
           <p:cNvPr id="2" name="Title 1">
             <a:extLst>
               <a:ext uri="{FF2B5EF4-FFF2-40B4-BE49-F238E27FC236}">
-                <a16:creationId xmlns:a16="http://schemas.microsoft.com/office/drawing/2014/main" id="{5F820C6D-4460-4446-B814-D5CDBEA4E6CC}"/>
+                <a16:creationId xmlns:a16="http://schemas.microsoft.com/office/drawing/2014/main" id="{D962C000-A31F-49F6-ADDD-21CB1DD31726}"/>
               </a:ext>
             </a:extLst>
           </p:cNvPr>
@@ -10363,9 +10424,28 @@
           <a:p>
             <a:r>
               <a:rPr lang="nl-NL" dirty="0" err="1"/>
-              <a:t>Idempotency</a:t>
-            </a:r>
-            <a:endParaRPr lang="nl-NL" dirty="0"/>
+              <a:t>Where</a:t>
+            </a:r>
+            <a:r>
+              <a:rPr lang="nl-NL" dirty="0"/>
+              <a:t> </a:t>
+            </a:r>
+            <a:r>
+              <a:rPr lang="nl-NL" dirty="0" err="1"/>
+              <a:t>to</a:t>
+            </a:r>
+            <a:r>
+              <a:rPr lang="nl-NL" dirty="0"/>
+              <a:t> put </a:t>
+            </a:r>
+            <a:r>
+              <a:rPr lang="nl-NL" dirty="0" err="1"/>
+              <a:t>the</a:t>
+            </a:r>
+            <a:r>
+              <a:rPr lang="nl-NL" dirty="0"/>
+              <a:t> module</a:t>
+            </a:r>
           </a:p>
         </p:txBody>
       </p:sp>
@@ -10374,7 +10454,7 @@
           <p:cNvPr id="3" name="Content Placeholder 2">
             <a:extLst>
               <a:ext uri="{FF2B5EF4-FFF2-40B4-BE49-F238E27FC236}">
-                <a16:creationId xmlns:a16="http://schemas.microsoft.com/office/drawing/2014/main" id="{D8978477-384C-466D-B9E0-583C696989DC}"/>
+                <a16:creationId xmlns:a16="http://schemas.microsoft.com/office/drawing/2014/main" id="{27EF0C6E-90EC-4A90-8158-4F4A32506B5A}"/>
               </a:ext>
             </a:extLst>
           </p:cNvPr>
@@ -10387,162 +10467,209 @@
         </p:nvSpPr>
         <p:spPr/>
         <p:txBody>
-          <a:bodyPr/>
+          <a:bodyPr>
+            <a:normAutofit/>
+          </a:bodyPr>
           <a:lstStyle/>
           <a:p>
-            <a:r>
-              <a:rPr lang="nl-NL" dirty="0"/>
-              <a:t>A module </a:t>
-            </a:r>
-            <a:r>
-              <a:rPr lang="nl-NL" dirty="0" err="1"/>
-              <a:t>should</a:t>
-            </a:r>
-            <a:r>
-              <a:rPr lang="nl-NL" dirty="0"/>
-              <a:t> </a:t>
-            </a:r>
-            <a:r>
-              <a:rPr lang="nl-NL" dirty="0" err="1"/>
-              <a:t>be</a:t>
-            </a:r>
-            <a:r>
-              <a:rPr lang="nl-NL" dirty="0"/>
-              <a:t> idempotent </a:t>
-            </a:r>
-          </a:p>
-          <a:p>
-            <a:r>
-              <a:rPr lang="nl-NL" dirty="0"/>
-              <a:t>No action is taken </a:t>
-            </a:r>
-            <a:r>
-              <a:rPr lang="nl-NL" dirty="0" err="1"/>
-              <a:t>when</a:t>
-            </a:r>
-            <a:r>
-              <a:rPr lang="nl-NL" dirty="0"/>
-              <a:t> state is </a:t>
-            </a:r>
-            <a:r>
-              <a:rPr lang="nl-NL" dirty="0" err="1"/>
-              <a:t>allready</a:t>
-            </a:r>
-            <a:r>
-              <a:rPr lang="nl-NL" dirty="0"/>
-              <a:t> </a:t>
-            </a:r>
-            <a:r>
-              <a:rPr lang="nl-NL" dirty="0" err="1"/>
-              <a:t>defined</a:t>
-            </a:r>
+            <a:pPr marL="0" indent="0">
+              <a:buNone/>
+            </a:pPr>
             <a:endParaRPr lang="nl-NL" dirty="0"/>
           </a:p>
           <a:p>
-            <a:r>
-              <a:rPr lang="nl-NL" dirty="0" err="1"/>
-              <a:t>Find</a:t>
-            </a:r>
-            <a:r>
-              <a:rPr lang="nl-NL" dirty="0"/>
-              <a:t> out </a:t>
-            </a:r>
-            <a:r>
-              <a:rPr lang="nl-NL" dirty="0" err="1"/>
-              <a:t>the</a:t>
-            </a:r>
-            <a:r>
-              <a:rPr lang="nl-NL" dirty="0"/>
-              <a:t> </a:t>
-            </a:r>
-            <a:r>
-              <a:rPr lang="nl-NL" dirty="0" err="1"/>
-              <a:t>current</a:t>
-            </a:r>
-            <a:r>
-              <a:rPr lang="nl-NL" dirty="0"/>
-              <a:t> state of </a:t>
-            </a:r>
-            <a:r>
-              <a:rPr lang="nl-NL" dirty="0" err="1"/>
-              <a:t>the</a:t>
-            </a:r>
-            <a:r>
-              <a:rPr lang="nl-NL" dirty="0"/>
-              <a:t> item </a:t>
-            </a:r>
-            <a:r>
-              <a:rPr lang="nl-NL" dirty="0" err="1"/>
-              <a:t>under</a:t>
-            </a:r>
-            <a:r>
-              <a:rPr lang="nl-NL" dirty="0"/>
-              <a:t> change</a:t>
-            </a:r>
-          </a:p>
-          <a:p>
-            <a:endParaRPr lang="nl-NL" dirty="0"/>
-          </a:p>
-          <a:p>
-            <a:r>
-              <a:rPr lang="nl-NL" dirty="0"/>
-              <a:t>In </a:t>
-            </a:r>
-            <a:r>
-              <a:rPr lang="nl-NL" dirty="0" err="1"/>
-              <a:t>this</a:t>
-            </a:r>
-            <a:r>
-              <a:rPr lang="nl-NL" dirty="0"/>
-              <a:t> workshop:</a:t>
-            </a:r>
-          </a:p>
-          <a:p>
-            <a:r>
-              <a:rPr lang="nl-NL" dirty="0" err="1"/>
-              <a:t>Use</a:t>
-            </a:r>
-            <a:r>
-              <a:rPr lang="nl-NL" dirty="0"/>
-              <a:t> </a:t>
-            </a:r>
-            <a:r>
-              <a:rPr lang="nl-NL" dirty="0" err="1"/>
-              <a:t>ls</a:t>
-            </a:r>
-            <a:r>
-              <a:rPr lang="nl-NL" dirty="0"/>
-              <a:t> </a:t>
-            </a:r>
-            <a:r>
-              <a:rPr lang="nl-NL" dirty="0" err="1"/>
-              <a:t>to</a:t>
-            </a:r>
-            <a:r>
-              <a:rPr lang="nl-NL" dirty="0"/>
-              <a:t> check </a:t>
-            </a:r>
-            <a:r>
-              <a:rPr lang="nl-NL" dirty="0" err="1"/>
-              <a:t>if</a:t>
-            </a:r>
-            <a:r>
-              <a:rPr lang="nl-NL" dirty="0"/>
-              <a:t> </a:t>
-            </a:r>
-            <a:r>
-              <a:rPr lang="nl-NL" dirty="0" err="1"/>
-              <a:t>the</a:t>
-            </a:r>
-            <a:r>
-              <a:rPr lang="nl-NL" dirty="0"/>
-              <a:t> file is present</a:t>
-            </a:r>
-          </a:p>
-          <a:p>
-            <a:endParaRPr lang="nl-NL" dirty="0"/>
-          </a:p>
-          <a:p>
+            <a:pPr marL="0" indent="0">
+              <a:buNone/>
+            </a:pPr>
+            <a:r>
+              <a:rPr lang="nl-NL" dirty="0" err="1"/>
+              <a:t>Create</a:t>
+            </a:r>
+            <a:r>
+              <a:rPr lang="nl-NL" dirty="0"/>
+              <a:t> a </a:t>
+            </a:r>
+            <a:r>
+              <a:rPr lang="nl-NL" dirty="0" err="1"/>
+              <a:t>role</a:t>
+            </a:r>
+            <a:r>
+              <a:rPr lang="nl-NL" dirty="0"/>
+              <a:t> </a:t>
+            </a:r>
+            <a:r>
+              <a:rPr lang="nl-NL" dirty="0" err="1"/>
+              <a:t>with</a:t>
+            </a:r>
+            <a:r>
+              <a:rPr lang="nl-NL" dirty="0"/>
+              <a:t> </a:t>
+            </a:r>
+            <a:r>
+              <a:rPr lang="nl-NL" dirty="0" err="1"/>
+              <a:t>your</a:t>
+            </a:r>
+            <a:r>
+              <a:rPr lang="nl-NL" dirty="0"/>
+              <a:t> module</a:t>
+            </a:r>
+          </a:p>
+          <a:p>
+            <a:pPr marL="0" indent="0">
+              <a:lnSpc>
+                <a:spcPct val="120000"/>
+              </a:lnSpc>
+              <a:spcBef>
+                <a:spcPts val="0"/>
+              </a:spcBef>
+              <a:buNone/>
+            </a:pPr>
+            <a:r>
+              <a:rPr lang="nl-NL" dirty="0">
+                <a:latin typeface="Courier New" panose="02070309020205020404" pitchFamily="49" charset="0"/>
+                <a:cs typeface="Courier New" panose="02070309020205020404" pitchFamily="49" charset="0"/>
+              </a:rPr>
+              <a:t>.</a:t>
+            </a:r>
+          </a:p>
+          <a:p>
+            <a:pPr marL="0" indent="0">
+              <a:lnSpc>
+                <a:spcPct val="120000"/>
+              </a:lnSpc>
+              <a:spcBef>
+                <a:spcPts val="0"/>
+              </a:spcBef>
+              <a:buNone/>
+            </a:pPr>
+            <a:r>
+              <a:rPr lang="nl-NL" dirty="0">
+                <a:latin typeface="Courier New" panose="02070309020205020404" pitchFamily="49" charset="0"/>
+                <a:cs typeface="Courier New" panose="02070309020205020404" pitchFamily="49" charset="0"/>
+              </a:rPr>
+              <a:t>├── </a:t>
+            </a:r>
+            <a:r>
+              <a:rPr lang="nl-NL" dirty="0" err="1">
+                <a:latin typeface="Courier New" panose="02070309020205020404" pitchFamily="49" charset="0"/>
+                <a:cs typeface="Courier New" panose="02070309020205020404" pitchFamily="49" charset="0"/>
+              </a:rPr>
+              <a:t>roles</a:t>
+            </a:r>
+            <a:endParaRPr lang="nl-NL" dirty="0">
+              <a:latin typeface="Courier New" panose="02070309020205020404" pitchFamily="49" charset="0"/>
+              <a:cs typeface="Courier New" panose="02070309020205020404" pitchFamily="49" charset="0"/>
+            </a:endParaRPr>
+          </a:p>
+          <a:p>
+            <a:pPr marL="0" indent="0">
+              <a:lnSpc>
+                <a:spcPct val="120000"/>
+              </a:lnSpc>
+              <a:spcBef>
+                <a:spcPts val="0"/>
+              </a:spcBef>
+              <a:buNone/>
+            </a:pPr>
+            <a:r>
+              <a:rPr lang="nl-NL" dirty="0">
+                <a:latin typeface="Courier New" panose="02070309020205020404" pitchFamily="49" charset="0"/>
+                <a:cs typeface="Courier New" panose="02070309020205020404" pitchFamily="49" charset="0"/>
+              </a:rPr>
+              <a:t>│   └── </a:t>
+            </a:r>
+            <a:r>
+              <a:rPr lang="nl-NL" dirty="0" err="1">
+                <a:latin typeface="Courier New" panose="02070309020205020404" pitchFamily="49" charset="0"/>
+                <a:cs typeface="Courier New" panose="02070309020205020404" pitchFamily="49" charset="0"/>
+              </a:rPr>
+              <a:t>modules_role</a:t>
+            </a:r>
+            <a:endParaRPr lang="nl-NL" dirty="0">
+              <a:latin typeface="Courier New" panose="02070309020205020404" pitchFamily="49" charset="0"/>
+              <a:cs typeface="Courier New" panose="02070309020205020404" pitchFamily="49" charset="0"/>
+            </a:endParaRPr>
+          </a:p>
+          <a:p>
+            <a:pPr marL="0" indent="0">
+              <a:lnSpc>
+                <a:spcPct val="120000"/>
+              </a:lnSpc>
+              <a:spcBef>
+                <a:spcPts val="0"/>
+              </a:spcBef>
+              <a:buNone/>
+            </a:pPr>
+            <a:r>
+              <a:rPr lang="nl-NL" dirty="0">
+                <a:latin typeface="Courier New" panose="02070309020205020404" pitchFamily="49" charset="0"/>
+                <a:cs typeface="Courier New" panose="02070309020205020404" pitchFamily="49" charset="0"/>
+              </a:rPr>
+              <a:t>│       └── </a:t>
+            </a:r>
+            <a:r>
+              <a:rPr lang="nl-NL" dirty="0" err="1">
+                <a:latin typeface="Courier New" panose="02070309020205020404" pitchFamily="49" charset="0"/>
+                <a:cs typeface="Courier New" panose="02070309020205020404" pitchFamily="49" charset="0"/>
+              </a:rPr>
+              <a:t>library</a:t>
+            </a:r>
+            <a:endParaRPr lang="nl-NL" dirty="0">
+              <a:latin typeface="Courier New" panose="02070309020205020404" pitchFamily="49" charset="0"/>
+              <a:cs typeface="Courier New" panose="02070309020205020404" pitchFamily="49" charset="0"/>
+            </a:endParaRPr>
+          </a:p>
+          <a:p>
+            <a:pPr marL="0" indent="0">
+              <a:lnSpc>
+                <a:spcPct val="120000"/>
+              </a:lnSpc>
+              <a:spcBef>
+                <a:spcPts val="0"/>
+              </a:spcBef>
+              <a:buNone/>
+            </a:pPr>
+            <a:r>
+              <a:rPr lang="nl-NL" dirty="0">
+                <a:latin typeface="Courier New" panose="02070309020205020404" pitchFamily="49" charset="0"/>
+                <a:cs typeface="Courier New" panose="02070309020205020404" pitchFamily="49" charset="0"/>
+              </a:rPr>
+              <a:t>│           └── my_module.py</a:t>
+            </a:r>
+          </a:p>
+          <a:p>
+            <a:pPr marL="0" indent="0">
+              <a:lnSpc>
+                <a:spcPct val="120000"/>
+              </a:lnSpc>
+              <a:spcBef>
+                <a:spcPts val="0"/>
+              </a:spcBef>
+              <a:buNone/>
+            </a:pPr>
+            <a:r>
+              <a:rPr lang="nl-NL" dirty="0">
+                <a:latin typeface="Courier New" panose="02070309020205020404" pitchFamily="49" charset="0"/>
+                <a:cs typeface="Courier New" panose="02070309020205020404" pitchFamily="49" charset="0"/>
+              </a:rPr>
+              <a:t>└── </a:t>
+            </a:r>
+            <a:r>
+              <a:rPr lang="nl-NL" dirty="0" err="1">
+                <a:latin typeface="Courier New" panose="02070309020205020404" pitchFamily="49" charset="0"/>
+                <a:cs typeface="Courier New" panose="02070309020205020404" pitchFamily="49" charset="0"/>
+              </a:rPr>
+              <a:t>site.yml</a:t>
+            </a:r>
+            <a:endParaRPr lang="nl-NL" dirty="0">
+              <a:latin typeface="Courier New" panose="02070309020205020404" pitchFamily="49" charset="0"/>
+              <a:cs typeface="Courier New" panose="02070309020205020404" pitchFamily="49" charset="0"/>
+            </a:endParaRPr>
+          </a:p>
+          <a:p>
+            <a:pPr marL="0" indent="0">
+              <a:buNone/>
+            </a:pPr>
             <a:endParaRPr lang="nl-NL" dirty="0"/>
           </a:p>
         </p:txBody>
@@ -10552,7 +10679,7 @@
           <p:cNvPr id="4" name="Slide Number Placeholder 3">
             <a:extLst>
               <a:ext uri="{FF2B5EF4-FFF2-40B4-BE49-F238E27FC236}">
-                <a16:creationId xmlns:a16="http://schemas.microsoft.com/office/drawing/2014/main" id="{2C227855-A6EC-4ED7-A96E-92C1CB815012}"/>
+                <a16:creationId xmlns:a16="http://schemas.microsoft.com/office/drawing/2014/main" id="{0F619B6E-6273-48F2-A6F1-63DCD03A4312}"/>
               </a:ext>
             </a:extLst>
           </p:cNvPr>
@@ -10579,7 +10706,7 @@
     </p:spTree>
     <p:extLst>
       <p:ext uri="{BB962C8B-B14F-4D97-AF65-F5344CB8AC3E}">
-        <p14:creationId xmlns:p14="http://schemas.microsoft.com/office/powerpoint/2010/main" val="162835999"/>
+        <p14:creationId xmlns:p14="http://schemas.microsoft.com/office/powerpoint/2010/main" val="3964999444"/>
       </p:ext>
     </p:extLst>
   </p:cSld>
@@ -10611,7 +10738,7 @@
           <p:cNvPr id="2" name="Title 1">
             <a:extLst>
               <a:ext uri="{FF2B5EF4-FFF2-40B4-BE49-F238E27FC236}">
-                <a16:creationId xmlns:a16="http://schemas.microsoft.com/office/drawing/2014/main" id="{13EDB811-A006-48E2-A77A-A351224BE9E7}"/>
+                <a16:creationId xmlns:a16="http://schemas.microsoft.com/office/drawing/2014/main" id="{1A2D4EFC-77B8-4537-8AAA-9BB915C4FA73}"/>
               </a:ext>
             </a:extLst>
           </p:cNvPr>
@@ -10628,32 +10755,20 @@
           <a:lstStyle/>
           <a:p>
             <a:r>
-              <a:rPr lang="nl-NL" dirty="0" err="1"/>
-              <a:t>Add</a:t>
-            </a:r>
-            <a:r>
-              <a:rPr lang="nl-NL" dirty="0"/>
-              <a:t> </a:t>
-            </a:r>
-            <a:r>
-              <a:rPr lang="nl-NL" dirty="0" err="1"/>
-              <a:t>idempotency</a:t>
-            </a:r>
-            <a:r>
-              <a:rPr lang="nl-NL" dirty="0"/>
-              <a:t> </a:t>
-            </a:r>
-            <a:r>
-              <a:rPr lang="nl-NL" dirty="0" err="1"/>
-              <a:t>to</a:t>
-            </a:r>
-            <a:r>
-              <a:rPr lang="nl-NL" dirty="0"/>
-              <a:t> </a:t>
-            </a:r>
-            <a:r>
-              <a:rPr lang="nl-NL" dirty="0" err="1"/>
-              <a:t>the</a:t>
+              <a:rPr lang="nl-NL" dirty="0"/>
+              <a:t>First </a:t>
+            </a:r>
+            <a:r>
+              <a:rPr lang="nl-NL" dirty="0" err="1"/>
+              <a:t>version</a:t>
+            </a:r>
+            <a:r>
+              <a:rPr lang="nl-NL" dirty="0"/>
+              <a:t> of </a:t>
+            </a:r>
+            <a:r>
+              <a:rPr lang="nl-NL" dirty="0" err="1"/>
+              <a:t>your</a:t>
             </a:r>
             <a:r>
               <a:rPr lang="nl-NL" dirty="0"/>
@@ -10667,7 +10782,7 @@
           <p:cNvPr id="3" name="Content Placeholder 2">
             <a:extLst>
               <a:ext uri="{FF2B5EF4-FFF2-40B4-BE49-F238E27FC236}">
-                <a16:creationId xmlns:a16="http://schemas.microsoft.com/office/drawing/2014/main" id="{D32405F1-578B-4396-8798-FF4AEE6963DB}"/>
+                <a16:creationId xmlns:a16="http://schemas.microsoft.com/office/drawing/2014/main" id="{5C548DED-DE02-4CC2-B84B-A093F3CDE18D}"/>
               </a:ext>
             </a:extLst>
           </p:cNvPr>
@@ -10685,7 +10800,7 @@
           <a:p>
             <a:r>
               <a:rPr lang="nl-NL" dirty="0"/>
-              <a:t>Write code </a:t>
+              <a:t>We start </a:t>
             </a:r>
             <a:r>
               <a:rPr lang="nl-NL" dirty="0" err="1"/>
@@ -10693,19 +10808,45 @@
             </a:r>
             <a:r>
               <a:rPr lang="nl-NL" dirty="0"/>
-              <a:t> check </a:t>
-            </a:r>
-            <a:r>
-              <a:rPr lang="nl-NL" dirty="0" err="1"/>
-              <a:t>current</a:t>
-            </a:r>
-            <a:r>
-              <a:rPr lang="nl-NL" dirty="0"/>
-              <a:t> state </a:t>
-            </a:r>
-            <a:r>
-              <a:rPr lang="nl-NL" dirty="0" err="1"/>
-              <a:t>against</a:t>
+              <a:t> experiment </a:t>
+            </a:r>
+            <a:r>
+              <a:rPr lang="nl-NL" dirty="0" err="1"/>
+              <a:t>writing</a:t>
+            </a:r>
+            <a:r>
+              <a:rPr lang="nl-NL" dirty="0"/>
+              <a:t> </a:t>
+            </a:r>
+            <a:r>
+              <a:rPr lang="nl-NL" dirty="0" err="1"/>
+              <a:t>the</a:t>
+            </a:r>
+            <a:r>
+              <a:rPr lang="nl-NL" dirty="0"/>
+              <a:t> module</a:t>
+            </a:r>
+          </a:p>
+          <a:p>
+            <a:r>
+              <a:rPr lang="nl-NL" dirty="0" err="1"/>
+              <a:t>And</a:t>
+            </a:r>
+            <a:r>
+              <a:rPr lang="nl-NL" dirty="0"/>
+              <a:t> </a:t>
+            </a:r>
+            <a:r>
+              <a:rPr lang="nl-NL" dirty="0" err="1"/>
+              <a:t>writing</a:t>
+            </a:r>
+            <a:r>
+              <a:rPr lang="nl-NL" dirty="0"/>
+              <a:t> a </a:t>
+            </a:r>
+            <a:r>
+              <a:rPr lang="nl-NL" dirty="0" err="1"/>
+              <a:t>playbook</a:t>
             </a:r>
             <a:r>
               <a:rPr lang="nl-NL" dirty="0"/>
@@ -10721,22 +10862,171 @@
             </a:r>
             <a:r>
               <a:rPr lang="nl-NL" dirty="0" err="1"/>
-              <a:t>be</a:t>
-            </a:r>
-            <a:r>
-              <a:rPr lang="nl-NL" dirty="0"/>
-              <a:t> state</a:t>
-            </a:r>
-          </a:p>
-          <a:p>
-            <a:r>
-              <a:rPr lang="nl-NL" dirty="0" err="1"/>
-              <a:t>Adjust</a:t>
-            </a:r>
-            <a:r>
-              <a:rPr lang="nl-NL" dirty="0"/>
-              <a:t> handling </a:t>
-            </a:r>
+              <a:t>use</a:t>
+            </a:r>
+            <a:r>
+              <a:rPr lang="nl-NL" dirty="0"/>
+              <a:t> </a:t>
+            </a:r>
+            <a:r>
+              <a:rPr lang="nl-NL" dirty="0" err="1"/>
+              <a:t>the</a:t>
+            </a:r>
+            <a:r>
+              <a:rPr lang="nl-NL" dirty="0"/>
+              <a:t> module </a:t>
+            </a:r>
+            <a:r>
+              <a:rPr lang="nl-NL" dirty="0" err="1"/>
+              <a:t>for</a:t>
+            </a:r>
+            <a:r>
+              <a:rPr lang="nl-NL" dirty="0"/>
+              <a:t> </a:t>
+            </a:r>
+            <a:r>
+              <a:rPr lang="nl-NL" dirty="0" err="1"/>
+              <a:t>adding</a:t>
+            </a:r>
+            <a:r>
+              <a:rPr lang="nl-NL" dirty="0"/>
+              <a:t> </a:t>
+            </a:r>
+            <a:r>
+              <a:rPr lang="nl-NL" dirty="0" err="1"/>
+              <a:t>and</a:t>
+            </a:r>
+            <a:r>
+              <a:rPr lang="nl-NL" dirty="0"/>
+              <a:t> </a:t>
+            </a:r>
+            <a:r>
+              <a:rPr lang="nl-NL" dirty="0" err="1"/>
+              <a:t>removing</a:t>
+            </a:r>
+            <a:r>
+              <a:rPr lang="nl-NL" dirty="0"/>
+              <a:t> </a:t>
+            </a:r>
+            <a:r>
+              <a:rPr lang="nl-NL" dirty="0" err="1"/>
+              <a:t>the</a:t>
+            </a:r>
+            <a:r>
+              <a:rPr lang="nl-NL" dirty="0"/>
+              <a:t> file</a:t>
+            </a:r>
+          </a:p>
+          <a:p>
+            <a:endParaRPr lang="nl-NL" dirty="0"/>
+          </a:p>
+          <a:p>
+            <a:r>
+              <a:rPr lang="nl-NL" dirty="0"/>
+              <a:t>Start </a:t>
+            </a:r>
+            <a:r>
+              <a:rPr lang="nl-NL" dirty="0" err="1"/>
+              <a:t>with</a:t>
+            </a:r>
+            <a:r>
+              <a:rPr lang="nl-NL" dirty="0"/>
+              <a:t> </a:t>
+            </a:r>
+            <a:r>
+              <a:rPr lang="nl-NL" dirty="0" err="1"/>
+              <a:t>the</a:t>
+            </a:r>
+            <a:r>
+              <a:rPr lang="nl-NL" dirty="0"/>
+              <a:t> </a:t>
+            </a:r>
+            <a:r>
+              <a:rPr lang="nl-NL" dirty="0" err="1"/>
+              <a:t>definition</a:t>
+            </a:r>
+            <a:r>
+              <a:rPr lang="nl-NL" dirty="0"/>
+              <a:t> of </a:t>
+            </a:r>
+            <a:r>
+              <a:rPr lang="nl-NL" dirty="0" err="1"/>
+              <a:t>the</a:t>
+            </a:r>
+            <a:r>
+              <a:rPr lang="nl-NL" dirty="0"/>
+              <a:t> </a:t>
+            </a:r>
+            <a:r>
+              <a:rPr lang="nl-NL" dirty="0" err="1"/>
+              <a:t>arguments</a:t>
+            </a:r>
+            <a:endParaRPr lang="nl-NL" dirty="0"/>
+          </a:p>
+          <a:p>
+            <a:r>
+              <a:rPr lang="nl-NL" dirty="0"/>
+              <a:t>Handle </a:t>
+            </a:r>
+            <a:r>
+              <a:rPr lang="nl-NL" dirty="0" err="1"/>
+              <a:t>the</a:t>
+            </a:r>
+            <a:r>
+              <a:rPr lang="nl-NL" dirty="0"/>
+              <a:t> </a:t>
+            </a:r>
+            <a:r>
+              <a:rPr lang="nl-NL" dirty="0" err="1"/>
+              <a:t>arguments</a:t>
+            </a:r>
+            <a:endParaRPr lang="nl-NL" dirty="0"/>
+          </a:p>
+          <a:p>
+            <a:r>
+              <a:rPr lang="nl-NL" dirty="0"/>
+              <a:t>Program </a:t>
+            </a:r>
+            <a:r>
+              <a:rPr lang="nl-NL" dirty="0" err="1"/>
+              <a:t>the</a:t>
+            </a:r>
+            <a:r>
+              <a:rPr lang="nl-NL" dirty="0"/>
+              <a:t> actions</a:t>
+            </a:r>
+          </a:p>
+          <a:p>
+            <a:r>
+              <a:rPr lang="nl-NL" dirty="0" err="1"/>
+              <a:t>Create</a:t>
+            </a:r>
+            <a:r>
+              <a:rPr lang="nl-NL" dirty="0"/>
+              <a:t> feedback </a:t>
+            </a:r>
+            <a:r>
+              <a:rPr lang="nl-NL" dirty="0" err="1"/>
+              <a:t>to</a:t>
+            </a:r>
+            <a:r>
+              <a:rPr lang="nl-NL" dirty="0"/>
+              <a:t> </a:t>
+            </a:r>
+            <a:r>
+              <a:rPr lang="nl-NL" dirty="0" err="1"/>
+              <a:t>ansible</a:t>
+            </a:r>
+            <a:endParaRPr lang="nl-NL" dirty="0"/>
+          </a:p>
+          <a:p>
+            <a:endParaRPr lang="nl-NL" dirty="0"/>
+          </a:p>
+          <a:p>
+            <a:endParaRPr lang="nl-NL" dirty="0"/>
+          </a:p>
+          <a:p>
+            <a:endParaRPr lang="nl-NL" dirty="0"/>
           </a:p>
         </p:txBody>
       </p:sp>
@@ -10745,7 +11035,7 @@
           <p:cNvPr id="4" name="Slide Number Placeholder 3">
             <a:extLst>
               <a:ext uri="{FF2B5EF4-FFF2-40B4-BE49-F238E27FC236}">
-                <a16:creationId xmlns:a16="http://schemas.microsoft.com/office/drawing/2014/main" id="{03438C4D-827E-4271-B3A1-08CF915C0B00}"/>
+                <a16:creationId xmlns:a16="http://schemas.microsoft.com/office/drawing/2014/main" id="{73477698-0514-4778-9CDE-FAB159517B1B}"/>
               </a:ext>
             </a:extLst>
           </p:cNvPr>
@@ -10772,7 +11062,7 @@
     </p:spTree>
     <p:extLst>
       <p:ext uri="{BB962C8B-B14F-4D97-AF65-F5344CB8AC3E}">
-        <p14:creationId xmlns:p14="http://schemas.microsoft.com/office/powerpoint/2010/main" val="3905743222"/>
+        <p14:creationId xmlns:p14="http://schemas.microsoft.com/office/powerpoint/2010/main" val="4052928765"/>
       </p:ext>
     </p:extLst>
   </p:cSld>
@@ -10883,6 +11173,465 @@
           <p:cNvPr id="2" name="Title 1">
             <a:extLst>
               <a:ext uri="{FF2B5EF4-FFF2-40B4-BE49-F238E27FC236}">
+                <a16:creationId xmlns:a16="http://schemas.microsoft.com/office/drawing/2014/main" id="{5F820C6D-4460-4446-B814-D5CDBEA4E6CC}"/>
+              </a:ext>
+            </a:extLst>
+          </p:cNvPr>
+          <p:cNvSpPr>
+            <a:spLocks noGrp="1"/>
+          </p:cNvSpPr>
+          <p:nvPr>
+            <p:ph type="title"/>
+          </p:nvPr>
+        </p:nvSpPr>
+        <p:spPr/>
+        <p:txBody>
+          <a:bodyPr/>
+          <a:lstStyle/>
+          <a:p>
+            <a:r>
+              <a:rPr lang="nl-NL" dirty="0" err="1"/>
+              <a:t>Idempotency</a:t>
+            </a:r>
+            <a:endParaRPr lang="nl-NL" dirty="0"/>
+          </a:p>
+        </p:txBody>
+      </p:sp>
+      <p:sp>
+        <p:nvSpPr>
+          <p:cNvPr id="3" name="Content Placeholder 2">
+            <a:extLst>
+              <a:ext uri="{FF2B5EF4-FFF2-40B4-BE49-F238E27FC236}">
+                <a16:creationId xmlns:a16="http://schemas.microsoft.com/office/drawing/2014/main" id="{D8978477-384C-466D-B9E0-583C696989DC}"/>
+              </a:ext>
+            </a:extLst>
+          </p:cNvPr>
+          <p:cNvSpPr>
+            <a:spLocks noGrp="1"/>
+          </p:cNvSpPr>
+          <p:nvPr>
+            <p:ph idx="1"/>
+          </p:nvPr>
+        </p:nvSpPr>
+        <p:spPr/>
+        <p:txBody>
+          <a:bodyPr/>
+          <a:lstStyle/>
+          <a:p>
+            <a:r>
+              <a:rPr lang="nl-NL" dirty="0"/>
+              <a:t>A module </a:t>
+            </a:r>
+            <a:r>
+              <a:rPr lang="nl-NL" dirty="0" err="1"/>
+              <a:t>should</a:t>
+            </a:r>
+            <a:r>
+              <a:rPr lang="nl-NL" dirty="0"/>
+              <a:t> </a:t>
+            </a:r>
+            <a:r>
+              <a:rPr lang="nl-NL" dirty="0" err="1"/>
+              <a:t>be</a:t>
+            </a:r>
+            <a:r>
+              <a:rPr lang="nl-NL" dirty="0"/>
+              <a:t> idempotent </a:t>
+            </a:r>
+          </a:p>
+          <a:p>
+            <a:r>
+              <a:rPr lang="nl-NL" dirty="0"/>
+              <a:t>No action is taken </a:t>
+            </a:r>
+            <a:r>
+              <a:rPr lang="nl-NL" dirty="0" err="1"/>
+              <a:t>when</a:t>
+            </a:r>
+            <a:r>
+              <a:rPr lang="nl-NL" dirty="0"/>
+              <a:t> state is </a:t>
+            </a:r>
+            <a:r>
+              <a:rPr lang="nl-NL" dirty="0" err="1"/>
+              <a:t>allready</a:t>
+            </a:r>
+            <a:r>
+              <a:rPr lang="nl-NL" dirty="0"/>
+              <a:t> </a:t>
+            </a:r>
+            <a:r>
+              <a:rPr lang="nl-NL" dirty="0" err="1"/>
+              <a:t>defined</a:t>
+            </a:r>
+            <a:endParaRPr lang="nl-NL" dirty="0"/>
+          </a:p>
+          <a:p>
+            <a:r>
+              <a:rPr lang="nl-NL" dirty="0" err="1"/>
+              <a:t>Find</a:t>
+            </a:r>
+            <a:r>
+              <a:rPr lang="nl-NL" dirty="0"/>
+              <a:t> out </a:t>
+            </a:r>
+            <a:r>
+              <a:rPr lang="nl-NL" dirty="0" err="1"/>
+              <a:t>the</a:t>
+            </a:r>
+            <a:r>
+              <a:rPr lang="nl-NL" dirty="0"/>
+              <a:t> </a:t>
+            </a:r>
+            <a:r>
+              <a:rPr lang="nl-NL" dirty="0" err="1"/>
+              <a:t>current</a:t>
+            </a:r>
+            <a:r>
+              <a:rPr lang="nl-NL" dirty="0"/>
+              <a:t> state of </a:t>
+            </a:r>
+            <a:r>
+              <a:rPr lang="nl-NL" dirty="0" err="1"/>
+              <a:t>the</a:t>
+            </a:r>
+            <a:r>
+              <a:rPr lang="nl-NL" dirty="0"/>
+              <a:t> item </a:t>
+            </a:r>
+            <a:r>
+              <a:rPr lang="nl-NL" dirty="0" err="1"/>
+              <a:t>under</a:t>
+            </a:r>
+            <a:r>
+              <a:rPr lang="nl-NL" dirty="0"/>
+              <a:t> change</a:t>
+            </a:r>
+          </a:p>
+          <a:p>
+            <a:endParaRPr lang="nl-NL" dirty="0"/>
+          </a:p>
+          <a:p>
+            <a:r>
+              <a:rPr lang="nl-NL" dirty="0"/>
+              <a:t>In </a:t>
+            </a:r>
+            <a:r>
+              <a:rPr lang="nl-NL" dirty="0" err="1"/>
+              <a:t>this</a:t>
+            </a:r>
+            <a:r>
+              <a:rPr lang="nl-NL" dirty="0"/>
+              <a:t> workshop:</a:t>
+            </a:r>
+          </a:p>
+          <a:p>
+            <a:r>
+              <a:rPr lang="nl-NL" dirty="0" err="1"/>
+              <a:t>Use</a:t>
+            </a:r>
+            <a:r>
+              <a:rPr lang="nl-NL" dirty="0"/>
+              <a:t> </a:t>
+            </a:r>
+            <a:r>
+              <a:rPr lang="nl-NL" dirty="0" err="1"/>
+              <a:t>ls</a:t>
+            </a:r>
+            <a:r>
+              <a:rPr lang="nl-NL" dirty="0"/>
+              <a:t> </a:t>
+            </a:r>
+            <a:r>
+              <a:rPr lang="nl-NL" dirty="0" err="1"/>
+              <a:t>to</a:t>
+            </a:r>
+            <a:r>
+              <a:rPr lang="nl-NL" dirty="0"/>
+              <a:t> check </a:t>
+            </a:r>
+            <a:r>
+              <a:rPr lang="nl-NL" dirty="0" err="1"/>
+              <a:t>if</a:t>
+            </a:r>
+            <a:r>
+              <a:rPr lang="nl-NL" dirty="0"/>
+              <a:t> </a:t>
+            </a:r>
+            <a:r>
+              <a:rPr lang="nl-NL" dirty="0" err="1"/>
+              <a:t>the</a:t>
+            </a:r>
+            <a:r>
+              <a:rPr lang="nl-NL" dirty="0"/>
+              <a:t> file is present</a:t>
+            </a:r>
+          </a:p>
+          <a:p>
+            <a:endParaRPr lang="nl-NL" dirty="0"/>
+          </a:p>
+          <a:p>
+            <a:endParaRPr lang="nl-NL" dirty="0"/>
+          </a:p>
+        </p:txBody>
+      </p:sp>
+      <p:sp>
+        <p:nvSpPr>
+          <p:cNvPr id="4" name="Slide Number Placeholder 3">
+            <a:extLst>
+              <a:ext uri="{FF2B5EF4-FFF2-40B4-BE49-F238E27FC236}">
+                <a16:creationId xmlns:a16="http://schemas.microsoft.com/office/drawing/2014/main" id="{2C227855-A6EC-4ED7-A96E-92C1CB815012}"/>
+              </a:ext>
+            </a:extLst>
+          </p:cNvPr>
+          <p:cNvSpPr>
+            <a:spLocks noGrp="1"/>
+          </p:cNvSpPr>
+          <p:nvPr>
+            <p:ph type="sldNum" sz="quarter" idx="12"/>
+          </p:nvPr>
+        </p:nvSpPr>
+        <p:spPr/>
+        <p:txBody>
+          <a:bodyPr/>
+          <a:lstStyle/>
+          <a:p>
+            <a:fld id="{78529740-9F3A-41A0-9184-EDD7A8843EF9}" type="slidenum">
+              <a:rPr lang="nl-NL" smtClean="0"/>
+              <a:t>20</a:t>
+            </a:fld>
+            <a:endParaRPr lang="nl-NL"/>
+          </a:p>
+        </p:txBody>
+      </p:sp>
+    </p:spTree>
+    <p:extLst>
+      <p:ext uri="{BB962C8B-B14F-4D97-AF65-F5344CB8AC3E}">
+        <p14:creationId xmlns:p14="http://schemas.microsoft.com/office/powerpoint/2010/main" val="162835999"/>
+      </p:ext>
+    </p:extLst>
+  </p:cSld>
+  <p:clrMapOvr>
+    <a:masterClrMapping/>
+  </p:clrMapOvr>
+</p:sld>
+</file>
+
+<file path=ppt/slides/slide21.xml><?xml version="1.0" encoding="utf-8"?>
+<p:sld xmlns:a="http://schemas.openxmlformats.org/drawingml/2006/main" xmlns:r="http://schemas.openxmlformats.org/officeDocument/2006/relationships" xmlns:p="http://schemas.openxmlformats.org/presentationml/2006/main">
+  <p:cSld>
+    <p:spTree>
+      <p:nvGrpSpPr>
+        <p:cNvPr id="1" name=""/>
+        <p:cNvGrpSpPr/>
+        <p:nvPr/>
+      </p:nvGrpSpPr>
+      <p:grpSpPr>
+        <a:xfrm>
+          <a:off x="0" y="0"/>
+          <a:ext cx="0" cy="0"/>
+          <a:chOff x="0" y="0"/>
+          <a:chExt cx="0" cy="0"/>
+        </a:xfrm>
+      </p:grpSpPr>
+      <p:sp>
+        <p:nvSpPr>
+          <p:cNvPr id="2" name="Title 1">
+            <a:extLst>
+              <a:ext uri="{FF2B5EF4-FFF2-40B4-BE49-F238E27FC236}">
+                <a16:creationId xmlns:a16="http://schemas.microsoft.com/office/drawing/2014/main" id="{13EDB811-A006-48E2-A77A-A351224BE9E7}"/>
+              </a:ext>
+            </a:extLst>
+          </p:cNvPr>
+          <p:cNvSpPr>
+            <a:spLocks noGrp="1"/>
+          </p:cNvSpPr>
+          <p:nvPr>
+            <p:ph type="title"/>
+          </p:nvPr>
+        </p:nvSpPr>
+        <p:spPr/>
+        <p:txBody>
+          <a:bodyPr/>
+          <a:lstStyle/>
+          <a:p>
+            <a:r>
+              <a:rPr lang="nl-NL" dirty="0" err="1"/>
+              <a:t>Add</a:t>
+            </a:r>
+            <a:r>
+              <a:rPr lang="nl-NL" dirty="0"/>
+              <a:t> </a:t>
+            </a:r>
+            <a:r>
+              <a:rPr lang="nl-NL" dirty="0" err="1"/>
+              <a:t>idempotency</a:t>
+            </a:r>
+            <a:r>
+              <a:rPr lang="nl-NL" dirty="0"/>
+              <a:t> </a:t>
+            </a:r>
+            <a:r>
+              <a:rPr lang="nl-NL" dirty="0" err="1"/>
+              <a:t>to</a:t>
+            </a:r>
+            <a:r>
+              <a:rPr lang="nl-NL" dirty="0"/>
+              <a:t> </a:t>
+            </a:r>
+            <a:r>
+              <a:rPr lang="nl-NL" dirty="0" err="1"/>
+              <a:t>the</a:t>
+            </a:r>
+            <a:r>
+              <a:rPr lang="nl-NL" dirty="0"/>
+              <a:t> module</a:t>
+            </a:r>
+          </a:p>
+        </p:txBody>
+      </p:sp>
+      <p:sp>
+        <p:nvSpPr>
+          <p:cNvPr id="3" name="Content Placeholder 2">
+            <a:extLst>
+              <a:ext uri="{FF2B5EF4-FFF2-40B4-BE49-F238E27FC236}">
+                <a16:creationId xmlns:a16="http://schemas.microsoft.com/office/drawing/2014/main" id="{D32405F1-578B-4396-8798-FF4AEE6963DB}"/>
+              </a:ext>
+            </a:extLst>
+          </p:cNvPr>
+          <p:cNvSpPr>
+            <a:spLocks noGrp="1"/>
+          </p:cNvSpPr>
+          <p:nvPr>
+            <p:ph idx="1"/>
+          </p:nvPr>
+        </p:nvSpPr>
+        <p:spPr/>
+        <p:txBody>
+          <a:bodyPr/>
+          <a:lstStyle/>
+          <a:p>
+            <a:r>
+              <a:rPr lang="nl-NL" dirty="0"/>
+              <a:t>Write code </a:t>
+            </a:r>
+            <a:r>
+              <a:rPr lang="nl-NL" dirty="0" err="1"/>
+              <a:t>to</a:t>
+            </a:r>
+            <a:r>
+              <a:rPr lang="nl-NL" dirty="0"/>
+              <a:t> check </a:t>
+            </a:r>
+            <a:r>
+              <a:rPr lang="nl-NL" dirty="0" err="1"/>
+              <a:t>current</a:t>
+            </a:r>
+            <a:r>
+              <a:rPr lang="nl-NL" dirty="0"/>
+              <a:t> state </a:t>
+            </a:r>
+            <a:r>
+              <a:rPr lang="nl-NL" dirty="0" err="1"/>
+              <a:t>against</a:t>
+            </a:r>
+            <a:r>
+              <a:rPr lang="nl-NL" dirty="0"/>
+              <a:t> </a:t>
+            </a:r>
+            <a:r>
+              <a:rPr lang="nl-NL" dirty="0" err="1"/>
+              <a:t>to</a:t>
+            </a:r>
+            <a:r>
+              <a:rPr lang="nl-NL" dirty="0"/>
+              <a:t> </a:t>
+            </a:r>
+            <a:r>
+              <a:rPr lang="nl-NL" dirty="0" err="1"/>
+              <a:t>be</a:t>
+            </a:r>
+            <a:r>
+              <a:rPr lang="nl-NL" dirty="0"/>
+              <a:t> state</a:t>
+            </a:r>
+          </a:p>
+          <a:p>
+            <a:r>
+              <a:rPr lang="nl-NL" dirty="0" err="1"/>
+              <a:t>Adjust</a:t>
+            </a:r>
+            <a:r>
+              <a:rPr lang="nl-NL" dirty="0"/>
+              <a:t> handling </a:t>
+            </a:r>
+          </a:p>
+        </p:txBody>
+      </p:sp>
+      <p:sp>
+        <p:nvSpPr>
+          <p:cNvPr id="4" name="Slide Number Placeholder 3">
+            <a:extLst>
+              <a:ext uri="{FF2B5EF4-FFF2-40B4-BE49-F238E27FC236}">
+                <a16:creationId xmlns:a16="http://schemas.microsoft.com/office/drawing/2014/main" id="{03438C4D-827E-4271-B3A1-08CF915C0B00}"/>
+              </a:ext>
+            </a:extLst>
+          </p:cNvPr>
+          <p:cNvSpPr>
+            <a:spLocks noGrp="1"/>
+          </p:cNvSpPr>
+          <p:nvPr>
+            <p:ph type="sldNum" sz="quarter" idx="12"/>
+          </p:nvPr>
+        </p:nvSpPr>
+        <p:spPr/>
+        <p:txBody>
+          <a:bodyPr/>
+          <a:lstStyle/>
+          <a:p>
+            <a:fld id="{78529740-9F3A-41A0-9184-EDD7A8843EF9}" type="slidenum">
+              <a:rPr lang="nl-NL" smtClean="0"/>
+              <a:t>21</a:t>
+            </a:fld>
+            <a:endParaRPr lang="nl-NL"/>
+          </a:p>
+        </p:txBody>
+      </p:sp>
+    </p:spTree>
+    <p:extLst>
+      <p:ext uri="{BB962C8B-B14F-4D97-AF65-F5344CB8AC3E}">
+        <p14:creationId xmlns:p14="http://schemas.microsoft.com/office/powerpoint/2010/main" val="3905743222"/>
+      </p:ext>
+    </p:extLst>
+  </p:cSld>
+  <p:clrMapOvr>
+    <a:masterClrMapping/>
+  </p:clrMapOvr>
+</p:sld>
+</file>
+
+<file path=ppt/slides/slide22.xml><?xml version="1.0" encoding="utf-8"?>
+<p:sld xmlns:a="http://schemas.openxmlformats.org/drawingml/2006/main" xmlns:r="http://schemas.openxmlformats.org/officeDocument/2006/relationships" xmlns:p="http://schemas.openxmlformats.org/presentationml/2006/main">
+  <p:cSld>
+    <p:spTree>
+      <p:nvGrpSpPr>
+        <p:cNvPr id="1" name=""/>
+        <p:cNvGrpSpPr/>
+        <p:nvPr/>
+      </p:nvGrpSpPr>
+      <p:grpSpPr>
+        <a:xfrm>
+          <a:off x="0" y="0"/>
+          <a:ext cx="0" cy="0"/>
+          <a:chOff x="0" y="0"/>
+          <a:chExt cx="0" cy="0"/>
+        </a:xfrm>
+      </p:grpSpPr>
+      <p:sp>
+        <p:nvSpPr>
+          <p:cNvPr id="2" name="Title 1">
+            <a:extLst>
+              <a:ext uri="{FF2B5EF4-FFF2-40B4-BE49-F238E27FC236}">
                 <a16:creationId xmlns:a16="http://schemas.microsoft.com/office/drawing/2014/main" id="{B08410B3-EACB-4ABD-9013-70AAC0A88F90}"/>
               </a:ext>
             </a:extLst>
@@ -10954,7 +11703,7 @@
           <a:p>
             <a:fld id="{78529740-9F3A-41A0-9184-EDD7A8843EF9}" type="slidenum">
               <a:rPr lang="nl-NL" smtClean="0"/>
-              <a:t>20</a:t>
+              <a:t>22</a:t>
             </a:fld>
             <a:endParaRPr lang="nl-NL"/>
           </a:p>
@@ -11009,501 +11758,6 @@
 </p:sld>
 </file>
 
-<file path=ppt/slides/slide21.xml><?xml version="1.0" encoding="utf-8"?>
-<p:sld xmlns:a="http://schemas.openxmlformats.org/drawingml/2006/main" xmlns:r="http://schemas.openxmlformats.org/officeDocument/2006/relationships" xmlns:p="http://schemas.openxmlformats.org/presentationml/2006/main">
-  <p:cSld>
-    <p:spTree>
-      <p:nvGrpSpPr>
-        <p:cNvPr id="1" name=""/>
-        <p:cNvGrpSpPr/>
-        <p:nvPr/>
-      </p:nvGrpSpPr>
-      <p:grpSpPr>
-        <a:xfrm>
-          <a:off x="0" y="0"/>
-          <a:ext cx="0" cy="0"/>
-          <a:chOff x="0" y="0"/>
-          <a:chExt cx="0" cy="0"/>
-        </a:xfrm>
-      </p:grpSpPr>
-      <p:sp>
-        <p:nvSpPr>
-          <p:cNvPr id="2" name="Title 1">
-            <a:extLst>
-              <a:ext uri="{FF2B5EF4-FFF2-40B4-BE49-F238E27FC236}">
-                <a16:creationId xmlns:a16="http://schemas.microsoft.com/office/drawing/2014/main" id="{B3747BE4-A82F-40A5-9B87-8F12A8C7B0AC}"/>
-              </a:ext>
-            </a:extLst>
-          </p:cNvPr>
-          <p:cNvSpPr>
-            <a:spLocks noGrp="1"/>
-          </p:cNvSpPr>
-          <p:nvPr>
-            <p:ph type="title"/>
-          </p:nvPr>
-        </p:nvSpPr>
-        <p:spPr/>
-        <p:txBody>
-          <a:bodyPr/>
-          <a:lstStyle/>
-          <a:p>
-            <a:r>
-              <a:rPr lang="nl-NL" dirty="0" err="1"/>
-              <a:t>Extending</a:t>
-            </a:r>
-            <a:r>
-              <a:rPr lang="nl-NL" dirty="0"/>
-              <a:t> module </a:t>
-            </a:r>
-            <a:r>
-              <a:rPr lang="nl-NL" dirty="0" err="1"/>
-              <a:t>with</a:t>
-            </a:r>
-            <a:r>
-              <a:rPr lang="nl-NL" dirty="0"/>
-              <a:t> checkmode parameter</a:t>
-            </a:r>
-          </a:p>
-        </p:txBody>
-      </p:sp>
-      <p:sp>
-        <p:nvSpPr>
-          <p:cNvPr id="3" name="Content Placeholder 2">
-            <a:extLst>
-              <a:ext uri="{FF2B5EF4-FFF2-40B4-BE49-F238E27FC236}">
-                <a16:creationId xmlns:a16="http://schemas.microsoft.com/office/drawing/2014/main" id="{7075E6D9-ADF0-4DEF-9E87-E883905C7C23}"/>
-              </a:ext>
-            </a:extLst>
-          </p:cNvPr>
-          <p:cNvSpPr>
-            <a:spLocks noGrp="1"/>
-          </p:cNvSpPr>
-          <p:nvPr>
-            <p:ph idx="1"/>
-          </p:nvPr>
-        </p:nvSpPr>
-        <p:spPr/>
-        <p:txBody>
-          <a:bodyPr/>
-          <a:lstStyle/>
-          <a:p>
-            <a:r>
-              <a:rPr lang="nl-NL" dirty="0" err="1"/>
-              <a:t>Specified</a:t>
-            </a:r>
-            <a:r>
-              <a:rPr lang="nl-NL" dirty="0"/>
-              <a:t> in argument </a:t>
-            </a:r>
-            <a:r>
-              <a:rPr lang="nl-NL" dirty="0" err="1"/>
-              <a:t>spec</a:t>
-            </a:r>
-            <a:endParaRPr lang="nl-NL" dirty="0"/>
-          </a:p>
-          <a:p>
-            <a:r>
-              <a:rPr lang="nl-NL" dirty="0"/>
-              <a:t>Action is </a:t>
-            </a:r>
-            <a:r>
-              <a:rPr lang="nl-NL" dirty="0" err="1"/>
-              <a:t>not</a:t>
-            </a:r>
-            <a:r>
-              <a:rPr lang="nl-NL" dirty="0"/>
-              <a:t> </a:t>
-            </a:r>
-            <a:r>
-              <a:rPr lang="nl-NL" dirty="0" err="1"/>
-              <a:t>really</a:t>
-            </a:r>
-            <a:r>
-              <a:rPr lang="nl-NL" dirty="0"/>
-              <a:t> </a:t>
-            </a:r>
-            <a:r>
-              <a:rPr lang="nl-NL" dirty="0" err="1"/>
-              <a:t>executed</a:t>
-            </a:r>
-            <a:endParaRPr lang="nl-NL" dirty="0"/>
-          </a:p>
-          <a:p>
-            <a:r>
-              <a:rPr lang="nl-NL" dirty="0" err="1"/>
-              <a:t>Used</a:t>
-            </a:r>
-            <a:r>
-              <a:rPr lang="nl-NL" dirty="0"/>
-              <a:t> </a:t>
-            </a:r>
-            <a:r>
-              <a:rPr lang="nl-NL" dirty="0" err="1"/>
-              <a:t>for</a:t>
-            </a:r>
-            <a:r>
-              <a:rPr lang="nl-NL" dirty="0"/>
-              <a:t> </a:t>
-            </a:r>
-            <a:r>
-              <a:rPr lang="nl-NL" dirty="0" err="1"/>
-              <a:t>checking</a:t>
-            </a:r>
-            <a:r>
-              <a:rPr lang="nl-NL" dirty="0"/>
-              <a:t> </a:t>
-            </a:r>
-            <a:r>
-              <a:rPr lang="nl-NL" dirty="0" err="1"/>
-              <a:t>what</a:t>
-            </a:r>
-            <a:r>
-              <a:rPr lang="nl-NL" dirty="0"/>
-              <a:t> </a:t>
-            </a:r>
-            <a:r>
-              <a:rPr lang="nl-NL" dirty="0" err="1"/>
-              <a:t>the</a:t>
-            </a:r>
-            <a:r>
-              <a:rPr lang="nl-NL" dirty="0"/>
-              <a:t> </a:t>
-            </a:r>
-            <a:r>
-              <a:rPr lang="nl-NL" dirty="0" err="1"/>
-              <a:t>playbook</a:t>
-            </a:r>
-            <a:r>
-              <a:rPr lang="nl-NL" dirty="0"/>
-              <a:t> </a:t>
-            </a:r>
-            <a:r>
-              <a:rPr lang="nl-NL" dirty="0" err="1"/>
-              <a:t>will</a:t>
-            </a:r>
-            <a:r>
-              <a:rPr lang="nl-NL" dirty="0"/>
-              <a:t> change</a:t>
-            </a:r>
-          </a:p>
-          <a:p>
-            <a:endParaRPr lang="nl-NL" dirty="0"/>
-          </a:p>
-        </p:txBody>
-      </p:sp>
-      <p:sp>
-        <p:nvSpPr>
-          <p:cNvPr id="4" name="Slide Number Placeholder 3">
-            <a:extLst>
-              <a:ext uri="{FF2B5EF4-FFF2-40B4-BE49-F238E27FC236}">
-                <a16:creationId xmlns:a16="http://schemas.microsoft.com/office/drawing/2014/main" id="{BF5156D3-A59F-4BD4-BDEE-5BAB4761E206}"/>
-              </a:ext>
-            </a:extLst>
-          </p:cNvPr>
-          <p:cNvSpPr>
-            <a:spLocks noGrp="1"/>
-          </p:cNvSpPr>
-          <p:nvPr>
-            <p:ph type="sldNum" sz="quarter" idx="12"/>
-          </p:nvPr>
-        </p:nvSpPr>
-        <p:spPr/>
-        <p:txBody>
-          <a:bodyPr/>
-          <a:lstStyle/>
-          <a:p>
-            <a:fld id="{78529740-9F3A-41A0-9184-EDD7A8843EF9}" type="slidenum">
-              <a:rPr lang="nl-NL" smtClean="0"/>
-              <a:t>21</a:t>
-            </a:fld>
-            <a:endParaRPr lang="nl-NL"/>
-          </a:p>
-        </p:txBody>
-      </p:sp>
-    </p:spTree>
-    <p:extLst>
-      <p:ext uri="{BB962C8B-B14F-4D97-AF65-F5344CB8AC3E}">
-        <p14:creationId xmlns:p14="http://schemas.microsoft.com/office/powerpoint/2010/main" val="3020216834"/>
-      </p:ext>
-    </p:extLst>
-  </p:cSld>
-  <p:clrMapOvr>
-    <a:masterClrMapping/>
-  </p:clrMapOvr>
-</p:sld>
-</file>
-
-<file path=ppt/slides/slide22.xml><?xml version="1.0" encoding="utf-8"?>
-<p:sld xmlns:a="http://schemas.openxmlformats.org/drawingml/2006/main" xmlns:r="http://schemas.openxmlformats.org/officeDocument/2006/relationships" xmlns:p="http://schemas.openxmlformats.org/presentationml/2006/main">
-  <p:cSld>
-    <p:spTree>
-      <p:nvGrpSpPr>
-        <p:cNvPr id="1" name=""/>
-        <p:cNvGrpSpPr/>
-        <p:nvPr/>
-      </p:nvGrpSpPr>
-      <p:grpSpPr>
-        <a:xfrm>
-          <a:off x="0" y="0"/>
-          <a:ext cx="0" cy="0"/>
-          <a:chOff x="0" y="0"/>
-          <a:chExt cx="0" cy="0"/>
-        </a:xfrm>
-      </p:grpSpPr>
-      <p:sp>
-        <p:nvSpPr>
-          <p:cNvPr id="2" name="Title 1">
-            <a:extLst>
-              <a:ext uri="{FF2B5EF4-FFF2-40B4-BE49-F238E27FC236}">
-                <a16:creationId xmlns:a16="http://schemas.microsoft.com/office/drawing/2014/main" id="{54308BFE-D35D-4659-8BF9-825EC5686C35}"/>
-              </a:ext>
-            </a:extLst>
-          </p:cNvPr>
-          <p:cNvSpPr>
-            <a:spLocks noGrp="1"/>
-          </p:cNvSpPr>
-          <p:nvPr>
-            <p:ph type="title"/>
-          </p:nvPr>
-        </p:nvSpPr>
-        <p:spPr/>
-        <p:txBody>
-          <a:bodyPr/>
-          <a:lstStyle/>
-          <a:p>
-            <a:r>
-              <a:rPr lang="nl-NL" dirty="0" err="1"/>
-              <a:t>Documenting</a:t>
-            </a:r>
-            <a:r>
-              <a:rPr lang="nl-NL" dirty="0"/>
-              <a:t> </a:t>
-            </a:r>
-            <a:r>
-              <a:rPr lang="nl-NL" dirty="0" err="1"/>
-              <a:t>the</a:t>
-            </a:r>
-            <a:r>
-              <a:rPr lang="nl-NL" dirty="0"/>
-              <a:t> Module</a:t>
-            </a:r>
-          </a:p>
-        </p:txBody>
-      </p:sp>
-      <p:sp>
-        <p:nvSpPr>
-          <p:cNvPr id="3" name="Content Placeholder 2">
-            <a:extLst>
-              <a:ext uri="{FF2B5EF4-FFF2-40B4-BE49-F238E27FC236}">
-                <a16:creationId xmlns:a16="http://schemas.microsoft.com/office/drawing/2014/main" id="{E8BFC2E0-4088-460A-87AE-0996BF150C14}"/>
-              </a:ext>
-            </a:extLst>
-          </p:cNvPr>
-          <p:cNvSpPr>
-            <a:spLocks noGrp="1"/>
-          </p:cNvSpPr>
-          <p:nvPr>
-            <p:ph idx="1"/>
-          </p:nvPr>
-        </p:nvSpPr>
-        <p:spPr/>
-        <p:txBody>
-          <a:bodyPr/>
-          <a:lstStyle/>
-          <a:p>
-            <a:r>
-              <a:rPr lang="nl-NL" dirty="0" err="1"/>
-              <a:t>There</a:t>
-            </a:r>
-            <a:r>
-              <a:rPr lang="nl-NL" dirty="0"/>
-              <a:t> are 4 block of </a:t>
-            </a:r>
-            <a:r>
-              <a:rPr lang="nl-NL" dirty="0" err="1"/>
-              <a:t>documentation</a:t>
-            </a:r>
-            <a:endParaRPr lang="nl-NL" dirty="0"/>
-          </a:p>
-          <a:p>
-            <a:pPr lvl="1"/>
-            <a:r>
-              <a:rPr lang="nl-NL" dirty="0" err="1"/>
-              <a:t>Ansible</a:t>
-            </a:r>
-            <a:r>
-              <a:rPr lang="nl-NL" dirty="0"/>
-              <a:t> Meta block</a:t>
-            </a:r>
-          </a:p>
-          <a:p>
-            <a:pPr lvl="1"/>
-            <a:r>
-              <a:rPr lang="nl-NL" dirty="0" err="1"/>
-              <a:t>Documentation</a:t>
-            </a:r>
-            <a:r>
-              <a:rPr lang="nl-NL" dirty="0"/>
-              <a:t> block</a:t>
-            </a:r>
-          </a:p>
-          <a:p>
-            <a:pPr lvl="1"/>
-            <a:r>
-              <a:rPr lang="nl-NL" dirty="0" err="1"/>
-              <a:t>Examples</a:t>
-            </a:r>
-            <a:r>
-              <a:rPr lang="nl-NL" dirty="0"/>
-              <a:t> block</a:t>
-            </a:r>
-          </a:p>
-          <a:p>
-            <a:pPr lvl="1"/>
-            <a:r>
-              <a:rPr lang="nl-NL" dirty="0"/>
-              <a:t>Return block</a:t>
-            </a:r>
-          </a:p>
-          <a:p>
-            <a:endParaRPr lang="nl-NL" dirty="0"/>
-          </a:p>
-          <a:p>
-            <a:r>
-              <a:rPr lang="nl-NL" dirty="0"/>
-              <a:t>License agreement</a:t>
-            </a:r>
-          </a:p>
-          <a:p>
-            <a:pPr marL="457200" lvl="1" indent="0">
-              <a:buNone/>
-            </a:pPr>
-            <a:r>
-              <a:rPr lang="en-US" dirty="0"/>
-              <a:t># Copyright: (c) 2018, &lt;AUTHOR&gt;</a:t>
-            </a:r>
-          </a:p>
-          <a:p>
-            <a:pPr marL="457200" lvl="1" indent="0">
-              <a:buNone/>
-            </a:pPr>
-            <a:r>
-              <a:rPr lang="en-US" dirty="0"/>
-              <a:t># GNU General Public License v3.0+ (see COPYING or </a:t>
-            </a:r>
-            <a:r>
-              <a:rPr lang="en-US" dirty="0">
-                <a:hlinkClick r:id="rId2"/>
-              </a:rPr>
-              <a:t>https://www.gnu.org/licenses/gpl-3.0.txt</a:t>
-            </a:r>
-            <a:r>
-              <a:rPr lang="en-US" dirty="0"/>
-              <a:t>)</a:t>
-            </a:r>
-          </a:p>
-          <a:p>
-            <a:pPr marL="457200" lvl="1" indent="0">
-              <a:buNone/>
-            </a:pPr>
-            <a:endParaRPr lang="en-US" dirty="0"/>
-          </a:p>
-          <a:p>
-            <a:pPr marL="457200" lvl="1" indent="0">
-              <a:buNone/>
-            </a:pPr>
-            <a:endParaRPr lang="en-US" dirty="0"/>
-          </a:p>
-          <a:p>
-            <a:r>
-              <a:rPr lang="nl-NL" dirty="0"/>
-              <a:t>Test </a:t>
-            </a:r>
-            <a:r>
-              <a:rPr lang="nl-NL" dirty="0" err="1"/>
-              <a:t>documentation</a:t>
-            </a:r>
-            <a:r>
-              <a:rPr lang="nl-NL" dirty="0"/>
-              <a:t> / </a:t>
-            </a:r>
-            <a:r>
-              <a:rPr lang="nl-NL" dirty="0" err="1"/>
-              <a:t>Retrieve</a:t>
-            </a:r>
-            <a:r>
-              <a:rPr lang="nl-NL" dirty="0"/>
-              <a:t> </a:t>
-            </a:r>
-            <a:r>
-              <a:rPr lang="nl-NL" dirty="0" err="1"/>
-              <a:t>documentation</a:t>
-            </a:r>
-            <a:r>
-              <a:rPr lang="nl-NL" dirty="0"/>
-              <a:t> </a:t>
-            </a:r>
-            <a:r>
-              <a:rPr lang="nl-NL" dirty="0" err="1"/>
-              <a:t>with</a:t>
-            </a:r>
-            <a:r>
-              <a:rPr lang="nl-NL" dirty="0"/>
-              <a:t> </a:t>
-            </a:r>
-            <a:r>
-              <a:rPr lang="nl-NL" dirty="0" err="1"/>
-              <a:t>ansible-doc</a:t>
-            </a:r>
-            <a:endParaRPr lang="nl-NL" dirty="0"/>
-          </a:p>
-          <a:p>
-            <a:endParaRPr lang="nl-NL" dirty="0"/>
-          </a:p>
-        </p:txBody>
-      </p:sp>
-      <p:sp>
-        <p:nvSpPr>
-          <p:cNvPr id="4" name="Slide Number Placeholder 3">
-            <a:extLst>
-              <a:ext uri="{FF2B5EF4-FFF2-40B4-BE49-F238E27FC236}">
-                <a16:creationId xmlns:a16="http://schemas.microsoft.com/office/drawing/2014/main" id="{BF3BF1D6-3B01-46B4-9EAA-224E4F92B888}"/>
-              </a:ext>
-            </a:extLst>
-          </p:cNvPr>
-          <p:cNvSpPr>
-            <a:spLocks noGrp="1"/>
-          </p:cNvSpPr>
-          <p:nvPr>
-            <p:ph type="sldNum" sz="quarter" idx="12"/>
-          </p:nvPr>
-        </p:nvSpPr>
-        <p:spPr/>
-        <p:txBody>
-          <a:bodyPr/>
-          <a:lstStyle/>
-          <a:p>
-            <a:fld id="{78529740-9F3A-41A0-9184-EDD7A8843EF9}" type="slidenum">
-              <a:rPr lang="nl-NL" smtClean="0"/>
-              <a:t>22</a:t>
-            </a:fld>
-            <a:endParaRPr lang="nl-NL"/>
-          </a:p>
-        </p:txBody>
-      </p:sp>
-    </p:spTree>
-    <p:extLst>
-      <p:ext uri="{BB962C8B-B14F-4D97-AF65-F5344CB8AC3E}">
-        <p14:creationId xmlns:p14="http://schemas.microsoft.com/office/powerpoint/2010/main" val="4251570248"/>
-      </p:ext>
-    </p:extLst>
-  </p:cSld>
-  <p:clrMapOvr>
-    <a:masterClrMapping/>
-  </p:clrMapOvr>
-</p:sld>
-</file>
-
 <file path=ppt/slides/slide23.xml><?xml version="1.0" encoding="utf-8"?>
 <p:sld xmlns:a="http://schemas.openxmlformats.org/drawingml/2006/main" xmlns:r="http://schemas.openxmlformats.org/officeDocument/2006/relationships" xmlns:p="http://schemas.openxmlformats.org/presentationml/2006/main">
   <p:cSld>
@@ -11526,7 +11780,7 @@
           <p:cNvPr id="2" name="Title 1">
             <a:extLst>
               <a:ext uri="{FF2B5EF4-FFF2-40B4-BE49-F238E27FC236}">
-                <a16:creationId xmlns:a16="http://schemas.microsoft.com/office/drawing/2014/main" id="{B08410B3-EACB-4ABD-9013-70AAC0A88F90}"/>
+                <a16:creationId xmlns:a16="http://schemas.microsoft.com/office/drawing/2014/main" id="{B3747BE4-A82F-40A5-9B87-8F12A8C7B0AC}"/>
               </a:ext>
             </a:extLst>
           </p:cNvPr>
@@ -11544,11 +11798,19 @@
           <a:p>
             <a:r>
               <a:rPr lang="nl-NL" dirty="0" err="1"/>
-              <a:t>Testing</a:t>
-            </a:r>
-            <a:r>
-              <a:rPr lang="nl-NL" dirty="0"/>
-              <a:t> module</a:t>
+              <a:t>Extending</a:t>
+            </a:r>
+            <a:r>
+              <a:rPr lang="nl-NL" dirty="0"/>
+              <a:t> module </a:t>
+            </a:r>
+            <a:r>
+              <a:rPr lang="nl-NL" dirty="0" err="1"/>
+              <a:t>with</a:t>
+            </a:r>
+            <a:r>
+              <a:rPr lang="nl-NL" dirty="0"/>
+              <a:t> checkmode parameter</a:t>
             </a:r>
           </a:p>
         </p:txBody>
@@ -11558,7 +11820,7 @@
           <p:cNvPr id="3" name="Content Placeholder 2">
             <a:extLst>
               <a:ext uri="{FF2B5EF4-FFF2-40B4-BE49-F238E27FC236}">
-                <a16:creationId xmlns:a16="http://schemas.microsoft.com/office/drawing/2014/main" id="{0322ACFC-0603-48CE-98D8-0CBE7B24E071}"/>
+                <a16:creationId xmlns:a16="http://schemas.microsoft.com/office/drawing/2014/main" id="{7075E6D9-ADF0-4DEF-9E87-E883905C7C23}"/>
               </a:ext>
             </a:extLst>
           </p:cNvPr>
@@ -11576,19 +11838,77 @@
           <a:p>
             <a:r>
               <a:rPr lang="nl-NL" dirty="0" err="1"/>
-              <a:t>Testing</a:t>
-            </a:r>
-            <a:r>
-              <a:rPr lang="nl-NL" dirty="0"/>
-              <a:t> is </a:t>
-            </a:r>
-            <a:r>
-              <a:rPr lang="nl-NL" dirty="0" err="1"/>
-              <a:t>included</a:t>
-            </a:r>
-            <a:r>
-              <a:rPr lang="nl-NL" dirty="0"/>
-              <a:t> in </a:t>
+              <a:t>Specified</a:t>
+            </a:r>
+            <a:r>
+              <a:rPr lang="nl-NL" dirty="0"/>
+              <a:t> in argument </a:t>
+            </a:r>
+            <a:r>
+              <a:rPr lang="nl-NL" dirty="0" err="1"/>
+              <a:t>spec</a:t>
+            </a:r>
+            <a:endParaRPr lang="nl-NL" dirty="0"/>
+          </a:p>
+          <a:p>
+            <a:r>
+              <a:rPr lang="nl-NL" dirty="0"/>
+              <a:t>Action is </a:t>
+            </a:r>
+            <a:r>
+              <a:rPr lang="nl-NL" dirty="0" err="1"/>
+              <a:t>not</a:t>
+            </a:r>
+            <a:r>
+              <a:rPr lang="nl-NL" dirty="0"/>
+              <a:t> </a:t>
+            </a:r>
+            <a:r>
+              <a:rPr lang="nl-NL" dirty="0" err="1"/>
+              <a:t>really</a:t>
+            </a:r>
+            <a:r>
+              <a:rPr lang="nl-NL" dirty="0"/>
+              <a:t> </a:t>
+            </a:r>
+            <a:r>
+              <a:rPr lang="nl-NL" dirty="0" err="1"/>
+              <a:t>executed</a:t>
+            </a:r>
+            <a:endParaRPr lang="nl-NL" dirty="0"/>
+          </a:p>
+          <a:p>
+            <a:r>
+              <a:rPr lang="nl-NL" dirty="0" err="1"/>
+              <a:t>Used</a:t>
+            </a:r>
+            <a:r>
+              <a:rPr lang="nl-NL" dirty="0"/>
+              <a:t> </a:t>
+            </a:r>
+            <a:r>
+              <a:rPr lang="nl-NL" dirty="0" err="1"/>
+              <a:t>for</a:t>
+            </a:r>
+            <a:r>
+              <a:rPr lang="nl-NL" dirty="0"/>
+              <a:t> </a:t>
+            </a:r>
+            <a:r>
+              <a:rPr lang="nl-NL" dirty="0" err="1"/>
+              <a:t>checking</a:t>
+            </a:r>
+            <a:r>
+              <a:rPr lang="nl-NL" dirty="0"/>
+              <a:t> </a:t>
+            </a:r>
+            <a:r>
+              <a:rPr lang="nl-NL" dirty="0" err="1"/>
+              <a:t>what</a:t>
+            </a:r>
+            <a:r>
+              <a:rPr lang="nl-NL" dirty="0"/>
+              <a:t> </a:t>
             </a:r>
             <a:r>
               <a:rPr lang="nl-NL" dirty="0" err="1"/>
@@ -11600,173 +11920,20 @@
             </a:r>
             <a:r>
               <a:rPr lang="nl-NL" dirty="0" err="1"/>
-              <a:t>Ansible</a:t>
-            </a:r>
-            <a:r>
-              <a:rPr lang="nl-NL" dirty="0"/>
-              <a:t> development </a:t>
-            </a:r>
-            <a:r>
-              <a:rPr lang="nl-NL" dirty="0" err="1"/>
-              <a:t>branch</a:t>
-            </a:r>
-            <a:r>
-              <a:rPr lang="nl-NL" dirty="0"/>
-              <a:t> at GITHUB</a:t>
-            </a:r>
-          </a:p>
-          <a:p>
-            <a:r>
-              <a:rPr lang="nl-NL" dirty="0"/>
-              <a:t>Types of </a:t>
-            </a:r>
-            <a:r>
-              <a:rPr lang="nl-NL" dirty="0" err="1"/>
-              <a:t>testing</a:t>
-            </a:r>
-            <a:endParaRPr lang="nl-NL" dirty="0"/>
-          </a:p>
-          <a:p>
-            <a:pPr lvl="1"/>
-            <a:r>
-              <a:rPr lang="nl-NL" dirty="0" err="1"/>
-              <a:t>compile</a:t>
-            </a:r>
-            <a:endParaRPr lang="nl-NL" dirty="0"/>
-          </a:p>
-          <a:p>
-            <a:pPr lvl="1"/>
-            <a:r>
-              <a:rPr lang="nl-NL" dirty="0" err="1"/>
-              <a:t>sanity</a:t>
-            </a:r>
-            <a:endParaRPr lang="nl-NL" dirty="0"/>
-          </a:p>
-          <a:p>
-            <a:pPr lvl="1"/>
-            <a:r>
-              <a:rPr lang="nl-NL" dirty="0" err="1"/>
-              <a:t>integration</a:t>
-            </a:r>
-            <a:endParaRPr lang="nl-NL" dirty="0"/>
-          </a:p>
-          <a:p>
-            <a:pPr lvl="1"/>
-            <a:r>
-              <a:rPr lang="nl-NL" dirty="0"/>
-              <a:t>units</a:t>
-            </a:r>
-          </a:p>
-          <a:p>
-            <a:endParaRPr lang="nl-NL" dirty="0"/>
-          </a:p>
-          <a:p>
-            <a:r>
-              <a:rPr lang="nl-NL" dirty="0"/>
-              <a:t>CI Pipeline </a:t>
-            </a:r>
-            <a:r>
-              <a:rPr lang="nl-NL" dirty="0" err="1"/>
-              <a:t>whithis</a:t>
-            </a:r>
-            <a:r>
-              <a:rPr lang="nl-NL" dirty="0"/>
-              <a:t> GITHUB </a:t>
-            </a:r>
-            <a:r>
-              <a:rPr lang="nl-NL" dirty="0" err="1"/>
-              <a:t>uses</a:t>
-            </a:r>
-            <a:r>
-              <a:rPr lang="nl-NL" dirty="0"/>
-              <a:t> </a:t>
-            </a:r>
-            <a:r>
-              <a:rPr lang="nl-NL" dirty="0" err="1"/>
-              <a:t>shippable</a:t>
-            </a:r>
-            <a:endParaRPr lang="nl-NL" dirty="0"/>
-          </a:p>
-          <a:p>
-            <a:endParaRPr lang="nl-NL" dirty="0"/>
-          </a:p>
-          <a:p>
-            <a:r>
-              <a:rPr lang="nl-NL" dirty="0" err="1"/>
-              <a:t>You</a:t>
-            </a:r>
-            <a:r>
-              <a:rPr lang="nl-NL" dirty="0"/>
-              <a:t> </a:t>
-            </a:r>
-            <a:r>
-              <a:rPr lang="nl-NL" dirty="0" err="1"/>
-              <a:t>can</a:t>
-            </a:r>
-            <a:r>
-              <a:rPr lang="nl-NL" dirty="0"/>
-              <a:t> test </a:t>
-            </a:r>
-            <a:r>
-              <a:rPr lang="nl-NL" dirty="0" err="1"/>
-              <a:t>previous</a:t>
-            </a:r>
-            <a:r>
-              <a:rPr lang="nl-NL" dirty="0"/>
-              <a:t> </a:t>
-            </a:r>
-            <a:r>
-              <a:rPr lang="nl-NL" dirty="0" err="1"/>
-              <a:t>to</a:t>
-            </a:r>
-            <a:r>
-              <a:rPr lang="nl-NL" dirty="0"/>
-              <a:t> </a:t>
-            </a:r>
-            <a:r>
-              <a:rPr lang="nl-NL" dirty="0" err="1"/>
-              <a:t>getting</a:t>
-            </a:r>
-            <a:r>
-              <a:rPr lang="nl-NL" dirty="0"/>
-              <a:t> </a:t>
-            </a:r>
-            <a:r>
-              <a:rPr lang="nl-NL" dirty="0" err="1"/>
-              <a:t>your</a:t>
-            </a:r>
-            <a:r>
-              <a:rPr lang="nl-NL" dirty="0"/>
-              <a:t> module </a:t>
-            </a:r>
-            <a:r>
-              <a:rPr lang="nl-NL" dirty="0" err="1"/>
-              <a:t>into</a:t>
-            </a:r>
-            <a:r>
-              <a:rPr lang="nl-NL" dirty="0"/>
-              <a:t> </a:t>
-            </a:r>
-            <a:r>
-              <a:rPr lang="nl-NL" dirty="0" err="1"/>
-              <a:t>ansible</a:t>
-            </a:r>
-            <a:r>
-              <a:rPr lang="nl-NL" dirty="0"/>
-              <a:t> code directory</a:t>
-            </a:r>
-          </a:p>
-          <a:p>
-            <a:endParaRPr lang="nl-NL" dirty="0"/>
-          </a:p>
-          <a:p>
-            <a:r>
-              <a:rPr lang="nl-NL" dirty="0">
-                <a:hlinkClick r:id="rId3"/>
-              </a:rPr>
-              <a:t>https://docs.ansible.com/ansible/latest/dev_guide/testing.html#developing-testing</a:t>
-            </a:r>
-            <a:endParaRPr lang="nl-NL" dirty="0"/>
+              <a:t>playbook</a:t>
+            </a:r>
+            <a:r>
+              <a:rPr lang="nl-NL" dirty="0"/>
+              <a:t> </a:t>
+            </a:r>
+            <a:r>
+              <a:rPr lang="nl-NL" dirty="0" err="1"/>
+              <a:t>will</a:t>
+            </a:r>
+            <a:r>
+              <a:rPr lang="nl-NL" dirty="0"/>
+              <a:t> change</a:t>
+            </a:r>
           </a:p>
           <a:p>
             <a:endParaRPr lang="nl-NL" dirty="0"/>
@@ -11778,7 +11945,7 @@
           <p:cNvPr id="4" name="Slide Number Placeholder 3">
             <a:extLst>
               <a:ext uri="{FF2B5EF4-FFF2-40B4-BE49-F238E27FC236}">
-                <a16:creationId xmlns:a16="http://schemas.microsoft.com/office/drawing/2014/main" id="{47B4FBB7-37EC-4C4A-BC42-6E428584C1D2}"/>
+                <a16:creationId xmlns:a16="http://schemas.microsoft.com/office/drawing/2014/main" id="{BF5156D3-A59F-4BD4-BDEE-5BAB4761E206}"/>
               </a:ext>
             </a:extLst>
           </p:cNvPr>
@@ -11805,7 +11972,7 @@
     </p:spTree>
     <p:extLst>
       <p:ext uri="{BB962C8B-B14F-4D97-AF65-F5344CB8AC3E}">
-        <p14:creationId xmlns:p14="http://schemas.microsoft.com/office/powerpoint/2010/main" val="2429407697"/>
+        <p14:creationId xmlns:p14="http://schemas.microsoft.com/office/powerpoint/2010/main" val="3020216834"/>
       </p:ext>
     </p:extLst>
   </p:cSld>
@@ -11837,7 +12004,7 @@
           <p:cNvPr id="2" name="Title 1">
             <a:extLst>
               <a:ext uri="{FF2B5EF4-FFF2-40B4-BE49-F238E27FC236}">
-                <a16:creationId xmlns:a16="http://schemas.microsoft.com/office/drawing/2014/main" id="{11A7415A-E843-40F4-A6A3-1337ADE787EA}"/>
+                <a16:creationId xmlns:a16="http://schemas.microsoft.com/office/drawing/2014/main" id="{54308BFE-D35D-4659-8BF9-825EC5686C35}"/>
               </a:ext>
             </a:extLst>
           </p:cNvPr>
@@ -11855,27 +12022,19 @@
           <a:p>
             <a:r>
               <a:rPr lang="nl-NL" dirty="0" err="1"/>
-              <a:t>Add</a:t>
-            </a:r>
-            <a:r>
-              <a:rPr lang="nl-NL" dirty="0"/>
-              <a:t> module </a:t>
-            </a:r>
-            <a:r>
-              <a:rPr lang="nl-NL" dirty="0" err="1"/>
-              <a:t>to</a:t>
-            </a:r>
-            <a:r>
-              <a:rPr lang="nl-NL" dirty="0"/>
-              <a:t> </a:t>
-            </a:r>
-            <a:r>
-              <a:rPr lang="nl-NL" dirty="0" err="1"/>
-              <a:t>Ansible</a:t>
-            </a:r>
-            <a:r>
-              <a:rPr lang="nl-NL" dirty="0"/>
-              <a:t> code</a:t>
+              <a:t>Documenting</a:t>
+            </a:r>
+            <a:r>
+              <a:rPr lang="nl-NL" dirty="0"/>
+              <a:t> </a:t>
+            </a:r>
+            <a:r>
+              <a:rPr lang="nl-NL" dirty="0" err="1"/>
+              <a:t>the</a:t>
+            </a:r>
+            <a:r>
+              <a:rPr lang="nl-NL" dirty="0"/>
+              <a:t> Module</a:t>
             </a:r>
           </a:p>
         </p:txBody>
@@ -11885,7 +12044,7 @@
           <p:cNvPr id="3" name="Content Placeholder 2">
             <a:extLst>
               <a:ext uri="{FF2B5EF4-FFF2-40B4-BE49-F238E27FC236}">
-                <a16:creationId xmlns:a16="http://schemas.microsoft.com/office/drawing/2014/main" id="{B84AF600-23AD-4C87-82F7-3E181F288A34}"/>
+                <a16:creationId xmlns:a16="http://schemas.microsoft.com/office/drawing/2014/main" id="{E8BFC2E0-4088-460A-87AE-0996BF150C14}"/>
               </a:ext>
             </a:extLst>
           </p:cNvPr>
@@ -11898,286 +12057,177 @@
         </p:nvSpPr>
         <p:spPr/>
         <p:txBody>
-          <a:bodyPr/>
+          <a:bodyPr>
+            <a:normAutofit/>
+          </a:bodyPr>
           <a:lstStyle/>
           <a:p>
             <a:r>
-              <a:rPr lang="nl-NL" dirty="0"/>
-              <a:t>Is </a:t>
-            </a:r>
-            <a:r>
-              <a:rPr lang="nl-NL" dirty="0" err="1"/>
-              <a:t>your</a:t>
-            </a:r>
-            <a:r>
-              <a:rPr lang="nl-NL" dirty="0"/>
-              <a:t> module </a:t>
-            </a:r>
-            <a:r>
-              <a:rPr lang="nl-NL" dirty="0" err="1"/>
-              <a:t>really</a:t>
-            </a:r>
-            <a:r>
-              <a:rPr lang="nl-NL" dirty="0"/>
-              <a:t> </a:t>
-            </a:r>
-            <a:r>
-              <a:rPr lang="nl-NL" dirty="0" err="1"/>
-              <a:t>something</a:t>
-            </a:r>
-            <a:r>
-              <a:rPr lang="nl-NL" dirty="0"/>
-              <a:t> new?</a:t>
-            </a:r>
-          </a:p>
-          <a:p>
-            <a:r>
-              <a:rPr lang="nl-NL" dirty="0" err="1"/>
-              <a:t>Fork</a:t>
-            </a:r>
-            <a:r>
-              <a:rPr lang="nl-NL" dirty="0"/>
-              <a:t> </a:t>
-            </a:r>
-            <a:r>
-              <a:rPr lang="nl-NL" dirty="0" err="1"/>
-              <a:t>your</a:t>
-            </a:r>
-            <a:r>
-              <a:rPr lang="nl-NL" dirty="0"/>
-              <a:t> </a:t>
-            </a:r>
-            <a:r>
-              <a:rPr lang="nl-NL" dirty="0" err="1"/>
-              <a:t>own</a:t>
-            </a:r>
-            <a:r>
-              <a:rPr lang="nl-NL" dirty="0"/>
-              <a:t> </a:t>
-            </a:r>
-            <a:r>
-              <a:rPr lang="nl-NL" dirty="0" err="1"/>
-              <a:t>ansible</a:t>
-            </a:r>
-            <a:r>
-              <a:rPr lang="nl-NL" dirty="0"/>
-              <a:t> at </a:t>
-            </a:r>
-            <a:r>
-              <a:rPr lang="nl-NL" dirty="0" err="1"/>
-              <a:t>Github</a:t>
+              <a:rPr lang="nl-NL" dirty="0" err="1"/>
+              <a:t>There</a:t>
+            </a:r>
+            <a:r>
+              <a:rPr lang="nl-NL" dirty="0"/>
+              <a:t> are 4 block of </a:t>
+            </a:r>
+            <a:r>
+              <a:rPr lang="nl-NL" dirty="0" err="1"/>
+              <a:t>documentation</a:t>
             </a:r>
             <a:endParaRPr lang="nl-NL" dirty="0"/>
           </a:p>
           <a:p>
-            <a:r>
-              <a:rPr lang="nl-NL" dirty="0" err="1"/>
-              <a:t>Clone</a:t>
-            </a:r>
-            <a:r>
-              <a:rPr lang="nl-NL" dirty="0"/>
-              <a:t> </a:t>
-            </a:r>
-            <a:r>
-              <a:rPr lang="nl-NL" dirty="0" err="1"/>
-              <a:t>it</a:t>
-            </a:r>
-            <a:r>
-              <a:rPr lang="nl-NL" dirty="0"/>
-              <a:t> </a:t>
-            </a:r>
-            <a:r>
-              <a:rPr lang="nl-NL" dirty="0" err="1"/>
-              <a:t>to</a:t>
-            </a:r>
-            <a:r>
-              <a:rPr lang="nl-NL" dirty="0"/>
-              <a:t> </a:t>
-            </a:r>
-            <a:r>
-              <a:rPr lang="nl-NL" dirty="0" err="1"/>
-              <a:t>you</a:t>
-            </a:r>
-            <a:r>
-              <a:rPr lang="nl-NL" dirty="0"/>
-              <a:t> development environment</a:t>
-            </a:r>
-          </a:p>
-          <a:p>
-            <a:r>
-              <a:rPr lang="nl-NL" dirty="0" err="1"/>
-              <a:t>Add</a:t>
-            </a:r>
-            <a:r>
-              <a:rPr lang="nl-NL" dirty="0"/>
-              <a:t> </a:t>
-            </a:r>
-            <a:r>
-              <a:rPr lang="nl-NL" dirty="0" err="1"/>
-              <a:t>your</a:t>
-            </a:r>
-            <a:r>
-              <a:rPr lang="nl-NL" dirty="0"/>
-              <a:t> module </a:t>
-            </a:r>
-            <a:r>
-              <a:rPr lang="nl-NL" dirty="0" err="1"/>
-              <a:t>to</a:t>
-            </a:r>
-            <a:r>
-              <a:rPr lang="nl-NL" dirty="0"/>
-              <a:t> </a:t>
-            </a:r>
-            <a:r>
-              <a:rPr lang="nl-NL" dirty="0" err="1"/>
-              <a:t>the</a:t>
-            </a:r>
-            <a:r>
-              <a:rPr lang="nl-NL" dirty="0"/>
-              <a:t> </a:t>
-            </a:r>
-            <a:r>
-              <a:rPr lang="nl-NL" dirty="0" err="1"/>
-              <a:t>ansible</a:t>
-            </a:r>
-            <a:r>
-              <a:rPr lang="nl-NL" dirty="0"/>
-              <a:t>/</a:t>
-            </a:r>
-            <a:r>
-              <a:rPr lang="nl-NL" dirty="0" err="1"/>
-              <a:t>lib</a:t>
-            </a:r>
-            <a:r>
-              <a:rPr lang="nl-NL" dirty="0"/>
-              <a:t>/modules/&lt;correct </a:t>
-            </a:r>
-            <a:r>
-              <a:rPr lang="nl-NL" dirty="0" err="1"/>
-              <a:t>place</a:t>
-            </a:r>
-            <a:r>
-              <a:rPr lang="nl-NL" dirty="0"/>
-              <a:t>&gt;</a:t>
-            </a:r>
-          </a:p>
-          <a:p>
-            <a:r>
-              <a:rPr lang="nl-NL" dirty="0"/>
-              <a:t>TEST, TEST, TEST </a:t>
-            </a:r>
-            <a:r>
-              <a:rPr lang="nl-NL" dirty="0" err="1"/>
-              <a:t>TEST</a:t>
-            </a:r>
+            <a:pPr lvl="1"/>
+            <a:r>
+              <a:rPr lang="nl-NL" dirty="0" err="1"/>
+              <a:t>Ansible</a:t>
+            </a:r>
+            <a:r>
+              <a:rPr lang="nl-NL" dirty="0"/>
+              <a:t> Meta block</a:t>
+            </a:r>
+          </a:p>
+          <a:p>
+            <a:pPr lvl="1"/>
+            <a:r>
+              <a:rPr lang="nl-NL" dirty="0" err="1"/>
+              <a:t>Documentation</a:t>
+            </a:r>
+            <a:r>
+              <a:rPr lang="nl-NL" dirty="0"/>
+              <a:t> block</a:t>
+            </a:r>
+          </a:p>
+          <a:p>
+            <a:pPr lvl="1"/>
+            <a:r>
+              <a:rPr lang="nl-NL" dirty="0" err="1"/>
+              <a:t>Examples</a:t>
+            </a:r>
+            <a:r>
+              <a:rPr lang="nl-NL" dirty="0"/>
+              <a:t> block</a:t>
+            </a:r>
+          </a:p>
+          <a:p>
+            <a:pPr lvl="1"/>
+            <a:r>
+              <a:rPr lang="nl-NL" dirty="0"/>
+              <a:t>Return block</a:t>
+            </a:r>
+          </a:p>
+          <a:p>
             <a:endParaRPr lang="nl-NL" dirty="0"/>
           </a:p>
           <a:p>
             <a:r>
               <a:rPr lang="nl-NL" dirty="0"/>
-              <a:t>Push </a:t>
-            </a:r>
-            <a:r>
-              <a:rPr lang="nl-NL" dirty="0" err="1"/>
-              <a:t>to</a:t>
-            </a:r>
-            <a:r>
-              <a:rPr lang="nl-NL" dirty="0"/>
-              <a:t> </a:t>
-            </a:r>
-            <a:r>
-              <a:rPr lang="nl-NL" dirty="0" err="1"/>
-              <a:t>your</a:t>
-            </a:r>
-            <a:r>
-              <a:rPr lang="nl-NL" dirty="0"/>
-              <a:t> </a:t>
-            </a:r>
-            <a:r>
-              <a:rPr lang="nl-NL" dirty="0" err="1"/>
-              <a:t>repository</a:t>
-            </a:r>
+              <a:t>YAML</a:t>
+            </a:r>
+          </a:p>
+          <a:p>
             <a:endParaRPr lang="nl-NL" dirty="0"/>
           </a:p>
           <a:p>
             <a:r>
               <a:rPr lang="nl-NL" dirty="0"/>
-              <a:t>TEST</a:t>
-            </a:r>
-          </a:p>
-          <a:p>
-            <a:r>
-              <a:rPr lang="nl-NL" dirty="0" err="1"/>
-              <a:t>Create</a:t>
-            </a:r>
-            <a:r>
-              <a:rPr lang="nl-NL" dirty="0"/>
-              <a:t> a PULL </a:t>
-            </a:r>
-            <a:r>
-              <a:rPr lang="nl-NL" dirty="0" err="1"/>
-              <a:t>request</a:t>
+              <a:t>License agreement</a:t>
+            </a:r>
+          </a:p>
+          <a:p>
+            <a:pPr marL="457200" lvl="1" indent="0">
+              <a:buNone/>
+            </a:pPr>
+            <a:r>
+              <a:rPr lang="en-US" dirty="0"/>
+              <a:t># Copyright: (c) 2018, &lt;AUTHOR&gt;</a:t>
+            </a:r>
+          </a:p>
+          <a:p>
+            <a:pPr marL="457200" lvl="1" indent="0">
+              <a:buNone/>
+            </a:pPr>
+            <a:r>
+              <a:rPr lang="en-US" dirty="0"/>
+              <a:t># GNU General Public License v3.0+ (see COPYING or </a:t>
+            </a:r>
+            <a:r>
+              <a:rPr lang="en-US" dirty="0">
+                <a:hlinkClick r:id="rId2"/>
+              </a:rPr>
+              <a:t>https://www.gnu.org/licenses/gpl-3.0.txt</a:t>
+            </a:r>
+            <a:r>
+              <a:rPr lang="en-US" dirty="0"/>
+              <a:t>)</a:t>
+            </a:r>
+          </a:p>
+          <a:p>
+            <a:pPr marL="457200" lvl="1" indent="0">
+              <a:buNone/>
+            </a:pPr>
+            <a:endParaRPr lang="en-US" dirty="0"/>
+          </a:p>
+          <a:p>
+            <a:pPr marL="457200" lvl="1" indent="0">
+              <a:buNone/>
+            </a:pPr>
+            <a:endParaRPr lang="en-US" dirty="0"/>
+          </a:p>
+          <a:p>
+            <a:r>
+              <a:rPr lang="nl-NL" dirty="0"/>
+              <a:t>Test </a:t>
+            </a:r>
+            <a:r>
+              <a:rPr lang="nl-NL" dirty="0" err="1"/>
+              <a:t>documentation</a:t>
+            </a:r>
+            <a:r>
+              <a:rPr lang="nl-NL" dirty="0"/>
+              <a:t> / </a:t>
+            </a:r>
+            <a:r>
+              <a:rPr lang="nl-NL" dirty="0" err="1"/>
+              <a:t>Retrieve</a:t>
+            </a:r>
+            <a:r>
+              <a:rPr lang="nl-NL" dirty="0"/>
+              <a:t> </a:t>
+            </a:r>
+            <a:r>
+              <a:rPr lang="nl-NL" dirty="0" err="1"/>
+              <a:t>documentation</a:t>
+            </a:r>
+            <a:r>
+              <a:rPr lang="nl-NL" dirty="0"/>
+              <a:t> </a:t>
+            </a:r>
+            <a:r>
+              <a:rPr lang="nl-NL" dirty="0" err="1"/>
+              <a:t>with</a:t>
+            </a:r>
+            <a:r>
+              <a:rPr lang="nl-NL" dirty="0"/>
+              <a:t> </a:t>
+            </a:r>
+            <a:r>
+              <a:rPr lang="nl-NL" dirty="0" err="1"/>
+              <a:t>ansible-doc</a:t>
             </a:r>
             <a:endParaRPr lang="nl-NL" dirty="0"/>
           </a:p>
           <a:p>
-            <a:r>
-              <a:rPr lang="nl-NL" dirty="0" err="1"/>
-              <a:t>Rebase</a:t>
-            </a:r>
-            <a:r>
-              <a:rPr lang="nl-NL" dirty="0"/>
-              <a:t>?</a:t>
-            </a:r>
-          </a:p>
-          <a:p>
-            <a:r>
-              <a:rPr lang="nl-NL" dirty="0"/>
-              <a:t>Are </a:t>
-            </a:r>
-            <a:r>
-              <a:rPr lang="nl-NL" dirty="0" err="1"/>
-              <a:t>you</a:t>
-            </a:r>
-            <a:r>
-              <a:rPr lang="nl-NL" dirty="0"/>
-              <a:t> </a:t>
-            </a:r>
-            <a:r>
-              <a:rPr lang="nl-NL" dirty="0" err="1"/>
-              <a:t>lucky</a:t>
-            </a:r>
-            <a:r>
-              <a:rPr lang="nl-NL" dirty="0"/>
-              <a:t>?</a:t>
-            </a:r>
-          </a:p>
-          <a:p>
             <a:endParaRPr lang="nl-NL" dirty="0"/>
           </a:p>
           <a:p>
             <a:r>
-              <a:rPr lang="nl-NL" sz="1200" dirty="0">
+              <a:rPr lang="nl-NL" sz="1600" dirty="0">
                 <a:hlinkClick r:id="rId3"/>
               </a:rPr>
-              <a:t>https://docs.ansible.com/ansible/latest/dev_guide/index.html</a:t>
-            </a:r>
-            <a:endParaRPr lang="nl-NL" sz="1200" dirty="0"/>
-          </a:p>
-          <a:p>
-            <a:r>
-              <a:rPr lang="nl-NL" sz="1200" dirty="0">
-                <a:hlinkClick r:id="rId4"/>
-              </a:rPr>
-              <a:t>https://docs.ansible.com/ansible/latest/dev_guide/developing_modules_checklist.html#developing-modules-checklist</a:t>
-            </a:r>
-            <a:endParaRPr lang="nl-NL" sz="1200" dirty="0"/>
-          </a:p>
-          <a:p>
-            <a:endParaRPr lang="nl-NL" sz="1200" dirty="0"/>
-          </a:p>
-          <a:p>
-            <a:endParaRPr lang="nl-NL" dirty="0"/>
+              <a:t>https://docs.ansible.com/ansible/latest/dev_guide/developing_modules_documenting.html</a:t>
+            </a:r>
+            <a:endParaRPr lang="nl-NL" sz="1600" dirty="0"/>
           </a:p>
           <a:p>
             <a:endParaRPr lang="nl-NL" dirty="0"/>
@@ -12192,7 +12242,7 @@
           <p:cNvPr id="4" name="Slide Number Placeholder 3">
             <a:extLst>
               <a:ext uri="{FF2B5EF4-FFF2-40B4-BE49-F238E27FC236}">
-                <a16:creationId xmlns:a16="http://schemas.microsoft.com/office/drawing/2014/main" id="{DCCEA2B4-7EC3-46F6-B4E8-588D9FDE5C7B}"/>
+                <a16:creationId xmlns:a16="http://schemas.microsoft.com/office/drawing/2014/main" id="{BF3BF1D6-3B01-46B4-9EAA-224E4F92B888}"/>
               </a:ext>
             </a:extLst>
           </p:cNvPr>
@@ -12219,7 +12269,7 @@
     </p:spTree>
     <p:extLst>
       <p:ext uri="{BB962C8B-B14F-4D97-AF65-F5344CB8AC3E}">
-        <p14:creationId xmlns:p14="http://schemas.microsoft.com/office/powerpoint/2010/main" val="2724736290"/>
+        <p14:creationId xmlns:p14="http://schemas.microsoft.com/office/powerpoint/2010/main" val="4251570248"/>
       </p:ext>
     </p:extLst>
   </p:cSld>
@@ -12251,6 +12301,1025 @@
           <p:cNvPr id="2" name="Title 1">
             <a:extLst>
               <a:ext uri="{FF2B5EF4-FFF2-40B4-BE49-F238E27FC236}">
+                <a16:creationId xmlns:a16="http://schemas.microsoft.com/office/drawing/2014/main" id="{B08410B3-EACB-4ABD-9013-70AAC0A88F90}"/>
+              </a:ext>
+            </a:extLst>
+          </p:cNvPr>
+          <p:cNvSpPr>
+            <a:spLocks noGrp="1"/>
+          </p:cNvSpPr>
+          <p:nvPr>
+            <p:ph type="title"/>
+          </p:nvPr>
+        </p:nvSpPr>
+        <p:spPr/>
+        <p:txBody>
+          <a:bodyPr/>
+          <a:lstStyle/>
+          <a:p>
+            <a:r>
+              <a:rPr lang="nl-NL" dirty="0" err="1"/>
+              <a:t>Testing</a:t>
+            </a:r>
+            <a:r>
+              <a:rPr lang="nl-NL" dirty="0"/>
+              <a:t> module</a:t>
+            </a:r>
+          </a:p>
+        </p:txBody>
+      </p:sp>
+      <p:sp>
+        <p:nvSpPr>
+          <p:cNvPr id="3" name="Content Placeholder 2">
+            <a:extLst>
+              <a:ext uri="{FF2B5EF4-FFF2-40B4-BE49-F238E27FC236}">
+                <a16:creationId xmlns:a16="http://schemas.microsoft.com/office/drawing/2014/main" id="{0322ACFC-0603-48CE-98D8-0CBE7B24E071}"/>
+              </a:ext>
+            </a:extLst>
+          </p:cNvPr>
+          <p:cNvSpPr>
+            <a:spLocks noGrp="1"/>
+          </p:cNvSpPr>
+          <p:nvPr>
+            <p:ph idx="1"/>
+          </p:nvPr>
+        </p:nvSpPr>
+        <p:spPr/>
+        <p:txBody>
+          <a:bodyPr/>
+          <a:lstStyle/>
+          <a:p>
+            <a:r>
+              <a:rPr lang="nl-NL" dirty="0" err="1"/>
+              <a:t>Testing</a:t>
+            </a:r>
+            <a:r>
+              <a:rPr lang="nl-NL" dirty="0"/>
+              <a:t> is </a:t>
+            </a:r>
+            <a:r>
+              <a:rPr lang="nl-NL" dirty="0" err="1"/>
+              <a:t>included</a:t>
+            </a:r>
+            <a:r>
+              <a:rPr lang="nl-NL" dirty="0"/>
+              <a:t> in </a:t>
+            </a:r>
+            <a:r>
+              <a:rPr lang="nl-NL" dirty="0" err="1"/>
+              <a:t>the</a:t>
+            </a:r>
+            <a:r>
+              <a:rPr lang="nl-NL" dirty="0"/>
+              <a:t> </a:t>
+            </a:r>
+            <a:r>
+              <a:rPr lang="nl-NL" dirty="0" err="1"/>
+              <a:t>Ansible</a:t>
+            </a:r>
+            <a:r>
+              <a:rPr lang="nl-NL" dirty="0"/>
+              <a:t> development </a:t>
+            </a:r>
+            <a:r>
+              <a:rPr lang="nl-NL" dirty="0" err="1"/>
+              <a:t>branch</a:t>
+            </a:r>
+            <a:r>
+              <a:rPr lang="nl-NL" dirty="0"/>
+              <a:t> at GITHUB</a:t>
+            </a:r>
+          </a:p>
+          <a:p>
+            <a:r>
+              <a:rPr lang="nl-NL" dirty="0"/>
+              <a:t>Types of </a:t>
+            </a:r>
+            <a:r>
+              <a:rPr lang="nl-NL" dirty="0" err="1"/>
+              <a:t>testing</a:t>
+            </a:r>
+            <a:endParaRPr lang="nl-NL" dirty="0"/>
+          </a:p>
+          <a:p>
+            <a:pPr lvl="1"/>
+            <a:r>
+              <a:rPr lang="nl-NL" dirty="0" err="1"/>
+              <a:t>compile</a:t>
+            </a:r>
+            <a:endParaRPr lang="nl-NL" dirty="0"/>
+          </a:p>
+          <a:p>
+            <a:pPr lvl="1"/>
+            <a:r>
+              <a:rPr lang="nl-NL" dirty="0" err="1"/>
+              <a:t>sanity</a:t>
+            </a:r>
+            <a:endParaRPr lang="nl-NL" dirty="0"/>
+          </a:p>
+          <a:p>
+            <a:pPr lvl="1"/>
+            <a:r>
+              <a:rPr lang="nl-NL" dirty="0" err="1"/>
+              <a:t>integration</a:t>
+            </a:r>
+            <a:endParaRPr lang="nl-NL" dirty="0"/>
+          </a:p>
+          <a:p>
+            <a:pPr lvl="1"/>
+            <a:r>
+              <a:rPr lang="nl-NL" dirty="0"/>
+              <a:t>units</a:t>
+            </a:r>
+          </a:p>
+          <a:p>
+            <a:endParaRPr lang="nl-NL" dirty="0"/>
+          </a:p>
+          <a:p>
+            <a:r>
+              <a:rPr lang="nl-NL" dirty="0"/>
+              <a:t>CI Pipeline </a:t>
+            </a:r>
+            <a:r>
+              <a:rPr lang="nl-NL"/>
+              <a:t>with</a:t>
+            </a:r>
+            <a:r>
+              <a:rPr lang="nl-NL" dirty="0"/>
+              <a:t> </a:t>
+            </a:r>
+            <a:r>
+              <a:rPr lang="nl-NL" dirty="0" err="1"/>
+              <a:t>this</a:t>
+            </a:r>
+            <a:r>
+              <a:rPr lang="nl-NL" dirty="0"/>
+              <a:t> GITHUB </a:t>
+            </a:r>
+            <a:r>
+              <a:rPr lang="nl-NL" dirty="0" err="1"/>
+              <a:t>uses</a:t>
+            </a:r>
+            <a:r>
+              <a:rPr lang="nl-NL" dirty="0"/>
+              <a:t> </a:t>
+            </a:r>
+            <a:r>
+              <a:rPr lang="nl-NL" dirty="0" err="1"/>
+              <a:t>shippable</a:t>
+            </a:r>
+            <a:endParaRPr lang="nl-NL" dirty="0"/>
+          </a:p>
+          <a:p>
+            <a:endParaRPr lang="nl-NL" dirty="0"/>
+          </a:p>
+          <a:p>
+            <a:r>
+              <a:rPr lang="nl-NL" dirty="0" err="1"/>
+              <a:t>You</a:t>
+            </a:r>
+            <a:r>
+              <a:rPr lang="nl-NL" dirty="0"/>
+              <a:t> </a:t>
+            </a:r>
+            <a:r>
+              <a:rPr lang="nl-NL" dirty="0" err="1"/>
+              <a:t>can</a:t>
+            </a:r>
+            <a:r>
+              <a:rPr lang="nl-NL" dirty="0"/>
+              <a:t> test </a:t>
+            </a:r>
+            <a:r>
+              <a:rPr lang="nl-NL" dirty="0" err="1"/>
+              <a:t>previous</a:t>
+            </a:r>
+            <a:r>
+              <a:rPr lang="nl-NL" dirty="0"/>
+              <a:t> </a:t>
+            </a:r>
+            <a:r>
+              <a:rPr lang="nl-NL" dirty="0" err="1"/>
+              <a:t>to</a:t>
+            </a:r>
+            <a:r>
+              <a:rPr lang="nl-NL" dirty="0"/>
+              <a:t> </a:t>
+            </a:r>
+            <a:r>
+              <a:rPr lang="nl-NL" dirty="0" err="1"/>
+              <a:t>getting</a:t>
+            </a:r>
+            <a:r>
+              <a:rPr lang="nl-NL" dirty="0"/>
+              <a:t> </a:t>
+            </a:r>
+            <a:r>
+              <a:rPr lang="nl-NL" dirty="0" err="1"/>
+              <a:t>your</a:t>
+            </a:r>
+            <a:r>
+              <a:rPr lang="nl-NL" dirty="0"/>
+              <a:t> module </a:t>
+            </a:r>
+            <a:r>
+              <a:rPr lang="nl-NL" dirty="0" err="1"/>
+              <a:t>into</a:t>
+            </a:r>
+            <a:r>
+              <a:rPr lang="nl-NL" dirty="0"/>
+              <a:t> </a:t>
+            </a:r>
+            <a:r>
+              <a:rPr lang="nl-NL" dirty="0" err="1"/>
+              <a:t>ansible</a:t>
+            </a:r>
+            <a:r>
+              <a:rPr lang="nl-NL" dirty="0"/>
+              <a:t> code directory</a:t>
+            </a:r>
+          </a:p>
+          <a:p>
+            <a:endParaRPr lang="nl-NL" dirty="0"/>
+          </a:p>
+          <a:p>
+            <a:r>
+              <a:rPr lang="nl-NL" dirty="0">
+                <a:hlinkClick r:id="rId3"/>
+              </a:rPr>
+              <a:t>https://docs.ansible.com/ansible/latest/dev_guide/testing.html#developing-testing</a:t>
+            </a:r>
+            <a:endParaRPr lang="nl-NL" dirty="0"/>
+          </a:p>
+          <a:p>
+            <a:endParaRPr lang="nl-NL" dirty="0"/>
+          </a:p>
+        </p:txBody>
+      </p:sp>
+      <p:sp>
+        <p:nvSpPr>
+          <p:cNvPr id="4" name="Slide Number Placeholder 3">
+            <a:extLst>
+              <a:ext uri="{FF2B5EF4-FFF2-40B4-BE49-F238E27FC236}">
+                <a16:creationId xmlns:a16="http://schemas.microsoft.com/office/drawing/2014/main" id="{47B4FBB7-37EC-4C4A-BC42-6E428584C1D2}"/>
+              </a:ext>
+            </a:extLst>
+          </p:cNvPr>
+          <p:cNvSpPr>
+            <a:spLocks noGrp="1"/>
+          </p:cNvSpPr>
+          <p:nvPr>
+            <p:ph type="sldNum" sz="quarter" idx="12"/>
+          </p:nvPr>
+        </p:nvSpPr>
+        <p:spPr/>
+        <p:txBody>
+          <a:bodyPr/>
+          <a:lstStyle/>
+          <a:p>
+            <a:fld id="{78529740-9F3A-41A0-9184-EDD7A8843EF9}" type="slidenum">
+              <a:rPr lang="nl-NL" smtClean="0"/>
+              <a:t>25</a:t>
+            </a:fld>
+            <a:endParaRPr lang="nl-NL"/>
+          </a:p>
+        </p:txBody>
+      </p:sp>
+    </p:spTree>
+    <p:extLst>
+      <p:ext uri="{BB962C8B-B14F-4D97-AF65-F5344CB8AC3E}">
+        <p14:creationId xmlns:p14="http://schemas.microsoft.com/office/powerpoint/2010/main" val="2429407697"/>
+      </p:ext>
+    </p:extLst>
+  </p:cSld>
+  <p:clrMapOvr>
+    <a:masterClrMapping/>
+  </p:clrMapOvr>
+</p:sld>
+</file>
+
+<file path=ppt/slides/slide26.xml><?xml version="1.0" encoding="utf-8"?>
+<p:sld xmlns:a="http://schemas.openxmlformats.org/drawingml/2006/main" xmlns:r="http://schemas.openxmlformats.org/officeDocument/2006/relationships" xmlns:p="http://schemas.openxmlformats.org/presentationml/2006/main">
+  <p:cSld>
+    <p:spTree>
+      <p:nvGrpSpPr>
+        <p:cNvPr id="1" name=""/>
+        <p:cNvGrpSpPr/>
+        <p:nvPr/>
+      </p:nvGrpSpPr>
+      <p:grpSpPr>
+        <a:xfrm>
+          <a:off x="0" y="0"/>
+          <a:ext cx="0" cy="0"/>
+          <a:chOff x="0" y="0"/>
+          <a:chExt cx="0" cy="0"/>
+        </a:xfrm>
+      </p:grpSpPr>
+      <p:sp>
+        <p:nvSpPr>
+          <p:cNvPr id="2" name="Title 1">
+            <a:extLst>
+              <a:ext uri="{FF2B5EF4-FFF2-40B4-BE49-F238E27FC236}">
+                <a16:creationId xmlns:a16="http://schemas.microsoft.com/office/drawing/2014/main" id="{9D6644AC-6CAB-4181-B46F-62CF2B8118C8}"/>
+              </a:ext>
+            </a:extLst>
+          </p:cNvPr>
+          <p:cNvSpPr>
+            <a:spLocks noGrp="1"/>
+          </p:cNvSpPr>
+          <p:nvPr>
+            <p:ph type="title"/>
+          </p:nvPr>
+        </p:nvSpPr>
+        <p:spPr/>
+        <p:txBody>
+          <a:bodyPr/>
+          <a:lstStyle/>
+          <a:p>
+            <a:r>
+              <a:rPr lang="nl-NL" dirty="0"/>
+              <a:t>Extra software </a:t>
+            </a:r>
+            <a:r>
+              <a:rPr lang="nl-NL" dirty="0" err="1"/>
+              <a:t>for</a:t>
+            </a:r>
+            <a:r>
+              <a:rPr lang="nl-NL" dirty="0"/>
+              <a:t> </a:t>
+            </a:r>
+            <a:r>
+              <a:rPr lang="nl-NL" dirty="0" err="1"/>
+              <a:t>testing</a:t>
+            </a:r>
+            <a:endParaRPr lang="nl-NL" dirty="0"/>
+          </a:p>
+        </p:txBody>
+      </p:sp>
+      <p:sp>
+        <p:nvSpPr>
+          <p:cNvPr id="3" name="Content Placeholder 2">
+            <a:extLst>
+              <a:ext uri="{FF2B5EF4-FFF2-40B4-BE49-F238E27FC236}">
+                <a16:creationId xmlns:a16="http://schemas.microsoft.com/office/drawing/2014/main" id="{1AA6FDB0-0401-458E-9187-4417BA06FCBE}"/>
+              </a:ext>
+            </a:extLst>
+          </p:cNvPr>
+          <p:cNvSpPr>
+            <a:spLocks noGrp="1"/>
+          </p:cNvSpPr>
+          <p:nvPr>
+            <p:ph idx="1"/>
+          </p:nvPr>
+        </p:nvSpPr>
+        <p:spPr/>
+        <p:txBody>
+          <a:bodyPr/>
+          <a:lstStyle/>
+          <a:p>
+            <a:endParaRPr lang="en-GB" b="1" dirty="0"/>
+          </a:p>
+          <a:p>
+            <a:r>
+              <a:rPr lang="en-GB" b="1" dirty="0"/>
+              <a:t>GIT issue:</a:t>
+            </a:r>
+            <a:endParaRPr lang="nl-NL" dirty="0"/>
+          </a:p>
+          <a:p>
+            <a:pPr marL="457200" lvl="1" indent="0">
+              <a:buNone/>
+            </a:pPr>
+            <a:r>
+              <a:rPr lang="en-GB" dirty="0"/>
+              <a:t>fatal: unable to access 'https://github.com/ansible/</a:t>
+            </a:r>
+            <a:r>
+              <a:rPr lang="en-GB" dirty="0" err="1"/>
+              <a:t>ansible.git</a:t>
+            </a:r>
+            <a:r>
+              <a:rPr lang="en-GB" dirty="0"/>
+              <a:t>/': Peer reports incompatible or unsupported protocol version.</a:t>
+            </a:r>
+            <a:endParaRPr lang="nl-NL" dirty="0"/>
+          </a:p>
+          <a:p>
+            <a:pPr marL="457200" lvl="1" indent="0">
+              <a:buNone/>
+            </a:pPr>
+            <a:r>
+              <a:rPr lang="en-GB" dirty="0"/>
+              <a:t>Solution: yum update -y </a:t>
+            </a:r>
+            <a:r>
+              <a:rPr lang="en-GB" dirty="0" err="1"/>
+              <a:t>nss</a:t>
+            </a:r>
+            <a:r>
+              <a:rPr lang="en-GB" dirty="0"/>
+              <a:t> curl </a:t>
+            </a:r>
+            <a:r>
+              <a:rPr lang="en-GB" dirty="0" err="1"/>
+              <a:t>libcurl</a:t>
+            </a:r>
+            <a:endParaRPr lang="nl-NL" dirty="0"/>
+          </a:p>
+          <a:p>
+            <a:pPr marL="0" indent="0">
+              <a:buNone/>
+            </a:pPr>
+            <a:r>
+              <a:rPr lang="en-GB" dirty="0"/>
+              <a:t> </a:t>
+            </a:r>
+            <a:endParaRPr lang="nl-NL" dirty="0"/>
+          </a:p>
+          <a:p>
+            <a:endParaRPr lang="en-GB" b="1" dirty="0"/>
+          </a:p>
+          <a:p>
+            <a:r>
+              <a:rPr lang="nl-NL" b="1" dirty="0"/>
+              <a:t>Extra software</a:t>
+            </a:r>
+            <a:endParaRPr lang="nl-NL" dirty="0"/>
+          </a:p>
+          <a:p>
+            <a:pPr lvl="1"/>
+            <a:r>
+              <a:rPr lang="en-GB" dirty="0">
+                <a:latin typeface="Courier New" panose="02070309020205020404" pitchFamily="49" charset="0"/>
+                <a:cs typeface="Courier New" panose="02070309020205020404" pitchFamily="49" charset="0"/>
+              </a:rPr>
+              <a:t>yum install </a:t>
+            </a:r>
+            <a:r>
+              <a:rPr lang="en-GB" dirty="0" err="1">
+                <a:latin typeface="Courier New" panose="02070309020205020404" pitchFamily="49" charset="0"/>
+                <a:cs typeface="Courier New" panose="02070309020205020404" pitchFamily="49" charset="0"/>
+              </a:rPr>
+              <a:t>epel</a:t>
+            </a:r>
+            <a:r>
+              <a:rPr lang="en-GB" dirty="0">
+                <a:latin typeface="Courier New" panose="02070309020205020404" pitchFamily="49" charset="0"/>
+                <a:cs typeface="Courier New" panose="02070309020205020404" pitchFamily="49" charset="0"/>
+              </a:rPr>
+              <a:t>-release</a:t>
+            </a:r>
+            <a:endParaRPr lang="nl-NL" dirty="0">
+              <a:latin typeface="Courier New" panose="02070309020205020404" pitchFamily="49" charset="0"/>
+              <a:cs typeface="Courier New" panose="02070309020205020404" pitchFamily="49" charset="0"/>
+            </a:endParaRPr>
+          </a:p>
+          <a:p>
+            <a:pPr lvl="1"/>
+            <a:r>
+              <a:rPr lang="en-GB" dirty="0">
+                <a:latin typeface="Courier New" panose="02070309020205020404" pitchFamily="49" charset="0"/>
+                <a:cs typeface="Courier New" panose="02070309020205020404" pitchFamily="49" charset="0"/>
+              </a:rPr>
+              <a:t>yum install python-pip</a:t>
+            </a:r>
+            <a:endParaRPr lang="nl-NL" dirty="0">
+              <a:latin typeface="Courier New" panose="02070309020205020404" pitchFamily="49" charset="0"/>
+              <a:cs typeface="Courier New" panose="02070309020205020404" pitchFamily="49" charset="0"/>
+            </a:endParaRPr>
+          </a:p>
+          <a:p>
+            <a:pPr lvl="1"/>
+            <a:r>
+              <a:rPr lang="en-GB" dirty="0">
+                <a:latin typeface="Courier New" panose="02070309020205020404" pitchFamily="49" charset="0"/>
+                <a:cs typeface="Courier New" panose="02070309020205020404" pitchFamily="49" charset="0"/>
+              </a:rPr>
+              <a:t>pip install </a:t>
+            </a:r>
+            <a:r>
+              <a:rPr lang="en-GB" dirty="0" err="1">
+                <a:latin typeface="Courier New" panose="02070309020205020404" pitchFamily="49" charset="0"/>
+                <a:cs typeface="Courier New" panose="02070309020205020404" pitchFamily="49" charset="0"/>
+              </a:rPr>
+              <a:t>pycodestyle</a:t>
+            </a:r>
+            <a:endParaRPr lang="nl-NL" dirty="0">
+              <a:latin typeface="Courier New" panose="02070309020205020404" pitchFamily="49" charset="0"/>
+              <a:cs typeface="Courier New" panose="02070309020205020404" pitchFamily="49" charset="0"/>
+            </a:endParaRPr>
+          </a:p>
+          <a:p>
+            <a:pPr lvl="1"/>
+            <a:r>
+              <a:rPr lang="en-GB" dirty="0">
+                <a:latin typeface="Courier New" panose="02070309020205020404" pitchFamily="49" charset="0"/>
+                <a:cs typeface="Courier New" panose="02070309020205020404" pitchFamily="49" charset="0"/>
+              </a:rPr>
+              <a:t>pip install mock</a:t>
+            </a:r>
+            <a:endParaRPr lang="nl-NL" dirty="0">
+              <a:latin typeface="Courier New" panose="02070309020205020404" pitchFamily="49" charset="0"/>
+              <a:cs typeface="Courier New" panose="02070309020205020404" pitchFamily="49" charset="0"/>
+            </a:endParaRPr>
+          </a:p>
+          <a:p>
+            <a:pPr lvl="1"/>
+            <a:r>
+              <a:rPr lang="en-GB" dirty="0">
+                <a:latin typeface="Courier New" panose="02070309020205020404" pitchFamily="49" charset="0"/>
+                <a:cs typeface="Courier New" panose="02070309020205020404" pitchFamily="49" charset="0"/>
+              </a:rPr>
+              <a:t>pip install voluptuous</a:t>
+            </a:r>
+            <a:endParaRPr lang="nl-NL" dirty="0">
+              <a:latin typeface="Courier New" panose="02070309020205020404" pitchFamily="49" charset="0"/>
+              <a:cs typeface="Courier New" panose="02070309020205020404" pitchFamily="49" charset="0"/>
+            </a:endParaRPr>
+          </a:p>
+          <a:p>
+            <a:endParaRPr lang="nl-NL" dirty="0"/>
+          </a:p>
+        </p:txBody>
+      </p:sp>
+      <p:sp>
+        <p:nvSpPr>
+          <p:cNvPr id="4" name="Slide Number Placeholder 3">
+            <a:extLst>
+              <a:ext uri="{FF2B5EF4-FFF2-40B4-BE49-F238E27FC236}">
+                <a16:creationId xmlns:a16="http://schemas.microsoft.com/office/drawing/2014/main" id="{F2CA8666-F741-4638-BDBC-8D2A1AECDC8D}"/>
+              </a:ext>
+            </a:extLst>
+          </p:cNvPr>
+          <p:cNvSpPr>
+            <a:spLocks noGrp="1"/>
+          </p:cNvSpPr>
+          <p:nvPr>
+            <p:ph type="sldNum" sz="quarter" idx="12"/>
+          </p:nvPr>
+        </p:nvSpPr>
+        <p:spPr/>
+        <p:txBody>
+          <a:bodyPr/>
+          <a:lstStyle/>
+          <a:p>
+            <a:fld id="{78529740-9F3A-41A0-9184-EDD7A8843EF9}" type="slidenum">
+              <a:rPr lang="nl-NL" smtClean="0"/>
+              <a:t>26</a:t>
+            </a:fld>
+            <a:endParaRPr lang="nl-NL"/>
+          </a:p>
+        </p:txBody>
+      </p:sp>
+    </p:spTree>
+    <p:extLst>
+      <p:ext uri="{BB962C8B-B14F-4D97-AF65-F5344CB8AC3E}">
+        <p14:creationId xmlns:p14="http://schemas.microsoft.com/office/powerpoint/2010/main" val="1789604387"/>
+      </p:ext>
+    </p:extLst>
+  </p:cSld>
+  <p:clrMapOvr>
+    <a:masterClrMapping/>
+  </p:clrMapOvr>
+</p:sld>
+</file>
+
+<file path=ppt/slides/slide27.xml><?xml version="1.0" encoding="utf-8"?>
+<p:sld xmlns:a="http://schemas.openxmlformats.org/drawingml/2006/main" xmlns:r="http://schemas.openxmlformats.org/officeDocument/2006/relationships" xmlns:p="http://schemas.openxmlformats.org/presentationml/2006/main">
+  <p:cSld>
+    <p:spTree>
+      <p:nvGrpSpPr>
+        <p:cNvPr id="1" name=""/>
+        <p:cNvGrpSpPr/>
+        <p:nvPr/>
+      </p:nvGrpSpPr>
+      <p:grpSpPr>
+        <a:xfrm>
+          <a:off x="0" y="0"/>
+          <a:ext cx="0" cy="0"/>
+          <a:chOff x="0" y="0"/>
+          <a:chExt cx="0" cy="0"/>
+        </a:xfrm>
+      </p:grpSpPr>
+      <p:sp>
+        <p:nvSpPr>
+          <p:cNvPr id="2" name="Title 1">
+            <a:extLst>
+              <a:ext uri="{FF2B5EF4-FFF2-40B4-BE49-F238E27FC236}">
+                <a16:creationId xmlns:a16="http://schemas.microsoft.com/office/drawing/2014/main" id="{11A7415A-E843-40F4-A6A3-1337ADE787EA}"/>
+              </a:ext>
+            </a:extLst>
+          </p:cNvPr>
+          <p:cNvSpPr>
+            <a:spLocks noGrp="1"/>
+          </p:cNvSpPr>
+          <p:nvPr>
+            <p:ph type="title"/>
+          </p:nvPr>
+        </p:nvSpPr>
+        <p:spPr/>
+        <p:txBody>
+          <a:bodyPr/>
+          <a:lstStyle/>
+          <a:p>
+            <a:r>
+              <a:rPr lang="nl-NL" dirty="0" err="1"/>
+              <a:t>Add</a:t>
+            </a:r>
+            <a:r>
+              <a:rPr lang="nl-NL" dirty="0"/>
+              <a:t> module </a:t>
+            </a:r>
+            <a:r>
+              <a:rPr lang="nl-NL" dirty="0" err="1"/>
+              <a:t>to</a:t>
+            </a:r>
+            <a:r>
+              <a:rPr lang="nl-NL" dirty="0"/>
+              <a:t> </a:t>
+            </a:r>
+            <a:r>
+              <a:rPr lang="nl-NL" dirty="0" err="1"/>
+              <a:t>Ansible</a:t>
+            </a:r>
+            <a:r>
+              <a:rPr lang="nl-NL" dirty="0"/>
+              <a:t> code</a:t>
+            </a:r>
+          </a:p>
+        </p:txBody>
+      </p:sp>
+      <p:sp>
+        <p:nvSpPr>
+          <p:cNvPr id="3" name="Content Placeholder 2">
+            <a:extLst>
+              <a:ext uri="{FF2B5EF4-FFF2-40B4-BE49-F238E27FC236}">
+                <a16:creationId xmlns:a16="http://schemas.microsoft.com/office/drawing/2014/main" id="{B84AF600-23AD-4C87-82F7-3E181F288A34}"/>
+              </a:ext>
+            </a:extLst>
+          </p:cNvPr>
+          <p:cNvSpPr>
+            <a:spLocks noGrp="1"/>
+          </p:cNvSpPr>
+          <p:nvPr>
+            <p:ph idx="1"/>
+          </p:nvPr>
+        </p:nvSpPr>
+        <p:spPr/>
+        <p:txBody>
+          <a:bodyPr/>
+          <a:lstStyle/>
+          <a:p>
+            <a:r>
+              <a:rPr lang="nl-NL" dirty="0"/>
+              <a:t>Is </a:t>
+            </a:r>
+            <a:r>
+              <a:rPr lang="nl-NL" dirty="0" err="1"/>
+              <a:t>your</a:t>
+            </a:r>
+            <a:r>
+              <a:rPr lang="nl-NL" dirty="0"/>
+              <a:t> module </a:t>
+            </a:r>
+            <a:r>
+              <a:rPr lang="nl-NL" dirty="0" err="1"/>
+              <a:t>really</a:t>
+            </a:r>
+            <a:r>
+              <a:rPr lang="nl-NL" dirty="0"/>
+              <a:t> </a:t>
+            </a:r>
+            <a:r>
+              <a:rPr lang="nl-NL" dirty="0" err="1"/>
+              <a:t>something</a:t>
+            </a:r>
+            <a:r>
+              <a:rPr lang="nl-NL" dirty="0"/>
+              <a:t> new?</a:t>
+            </a:r>
+          </a:p>
+          <a:p>
+            <a:r>
+              <a:rPr lang="nl-NL" dirty="0" err="1"/>
+              <a:t>Fork</a:t>
+            </a:r>
+            <a:r>
+              <a:rPr lang="nl-NL" dirty="0"/>
+              <a:t> </a:t>
+            </a:r>
+            <a:r>
+              <a:rPr lang="nl-NL" dirty="0" err="1"/>
+              <a:t>your</a:t>
+            </a:r>
+            <a:r>
+              <a:rPr lang="nl-NL" dirty="0"/>
+              <a:t> </a:t>
+            </a:r>
+            <a:r>
+              <a:rPr lang="nl-NL" dirty="0" err="1"/>
+              <a:t>own</a:t>
+            </a:r>
+            <a:r>
+              <a:rPr lang="nl-NL" dirty="0"/>
+              <a:t> </a:t>
+            </a:r>
+            <a:r>
+              <a:rPr lang="nl-NL" dirty="0" err="1"/>
+              <a:t>ansible</a:t>
+            </a:r>
+            <a:r>
+              <a:rPr lang="nl-NL" dirty="0"/>
+              <a:t> at </a:t>
+            </a:r>
+            <a:r>
+              <a:rPr lang="nl-NL" dirty="0" err="1"/>
+              <a:t>Github</a:t>
+            </a:r>
+            <a:endParaRPr lang="nl-NL" dirty="0"/>
+          </a:p>
+          <a:p>
+            <a:r>
+              <a:rPr lang="nl-NL" dirty="0" err="1"/>
+              <a:t>Clone</a:t>
+            </a:r>
+            <a:r>
+              <a:rPr lang="nl-NL" dirty="0"/>
+              <a:t> </a:t>
+            </a:r>
+            <a:r>
+              <a:rPr lang="nl-NL" dirty="0" err="1"/>
+              <a:t>it</a:t>
+            </a:r>
+            <a:r>
+              <a:rPr lang="nl-NL" dirty="0"/>
+              <a:t> </a:t>
+            </a:r>
+            <a:r>
+              <a:rPr lang="nl-NL" dirty="0" err="1"/>
+              <a:t>to</a:t>
+            </a:r>
+            <a:r>
+              <a:rPr lang="nl-NL" dirty="0"/>
+              <a:t> </a:t>
+            </a:r>
+            <a:r>
+              <a:rPr lang="nl-NL" dirty="0" err="1"/>
+              <a:t>you</a:t>
+            </a:r>
+            <a:r>
+              <a:rPr lang="nl-NL" dirty="0"/>
+              <a:t> development environment</a:t>
+            </a:r>
+          </a:p>
+          <a:p>
+            <a:r>
+              <a:rPr lang="nl-NL" dirty="0" err="1"/>
+              <a:t>Add</a:t>
+            </a:r>
+            <a:r>
+              <a:rPr lang="nl-NL" dirty="0"/>
+              <a:t> </a:t>
+            </a:r>
+            <a:r>
+              <a:rPr lang="nl-NL" dirty="0" err="1"/>
+              <a:t>your</a:t>
+            </a:r>
+            <a:r>
+              <a:rPr lang="nl-NL" dirty="0"/>
+              <a:t> module </a:t>
+            </a:r>
+            <a:r>
+              <a:rPr lang="nl-NL" dirty="0" err="1"/>
+              <a:t>to</a:t>
+            </a:r>
+            <a:r>
+              <a:rPr lang="nl-NL" dirty="0"/>
+              <a:t> </a:t>
+            </a:r>
+            <a:r>
+              <a:rPr lang="nl-NL" dirty="0" err="1"/>
+              <a:t>the</a:t>
+            </a:r>
+            <a:r>
+              <a:rPr lang="nl-NL" dirty="0"/>
+              <a:t> </a:t>
+            </a:r>
+            <a:r>
+              <a:rPr lang="nl-NL" dirty="0" err="1"/>
+              <a:t>ansible</a:t>
+            </a:r>
+            <a:r>
+              <a:rPr lang="nl-NL" dirty="0"/>
+              <a:t>/</a:t>
+            </a:r>
+            <a:r>
+              <a:rPr lang="nl-NL" dirty="0" err="1"/>
+              <a:t>lib</a:t>
+            </a:r>
+            <a:r>
+              <a:rPr lang="nl-NL" dirty="0"/>
+              <a:t>/modules/&lt;correct </a:t>
+            </a:r>
+            <a:r>
+              <a:rPr lang="nl-NL" dirty="0" err="1"/>
+              <a:t>place</a:t>
+            </a:r>
+            <a:r>
+              <a:rPr lang="nl-NL" dirty="0"/>
+              <a:t>&gt;</a:t>
+            </a:r>
+          </a:p>
+          <a:p>
+            <a:r>
+              <a:rPr lang="nl-NL" dirty="0"/>
+              <a:t>TEST, TEST, TEST </a:t>
+            </a:r>
+            <a:r>
+              <a:rPr lang="nl-NL" dirty="0" err="1"/>
+              <a:t>TEST</a:t>
+            </a:r>
+            <a:endParaRPr lang="nl-NL" dirty="0"/>
+          </a:p>
+          <a:p>
+            <a:r>
+              <a:rPr lang="nl-NL" dirty="0"/>
+              <a:t>Push </a:t>
+            </a:r>
+            <a:r>
+              <a:rPr lang="nl-NL" dirty="0" err="1"/>
+              <a:t>to</a:t>
+            </a:r>
+            <a:r>
+              <a:rPr lang="nl-NL" dirty="0"/>
+              <a:t> </a:t>
+            </a:r>
+            <a:r>
+              <a:rPr lang="nl-NL" dirty="0" err="1"/>
+              <a:t>your</a:t>
+            </a:r>
+            <a:r>
+              <a:rPr lang="nl-NL" dirty="0"/>
+              <a:t> </a:t>
+            </a:r>
+            <a:r>
+              <a:rPr lang="nl-NL" dirty="0" err="1"/>
+              <a:t>repository</a:t>
+            </a:r>
+            <a:endParaRPr lang="nl-NL" dirty="0"/>
+          </a:p>
+          <a:p>
+            <a:r>
+              <a:rPr lang="nl-NL" dirty="0"/>
+              <a:t>TEST</a:t>
+            </a:r>
+          </a:p>
+          <a:p>
+            <a:r>
+              <a:rPr lang="nl-NL" dirty="0" err="1"/>
+              <a:t>Create</a:t>
+            </a:r>
+            <a:r>
+              <a:rPr lang="nl-NL" dirty="0"/>
+              <a:t> a PULL </a:t>
+            </a:r>
+            <a:r>
+              <a:rPr lang="nl-NL" dirty="0" err="1"/>
+              <a:t>request</a:t>
+            </a:r>
+            <a:endParaRPr lang="nl-NL" dirty="0"/>
+          </a:p>
+          <a:p>
+            <a:r>
+              <a:rPr lang="nl-NL" dirty="0" err="1"/>
+              <a:t>Rebase</a:t>
+            </a:r>
+            <a:r>
+              <a:rPr lang="nl-NL" dirty="0"/>
+              <a:t>?</a:t>
+            </a:r>
+          </a:p>
+          <a:p>
+            <a:r>
+              <a:rPr lang="nl-NL" dirty="0"/>
+              <a:t>Are </a:t>
+            </a:r>
+            <a:r>
+              <a:rPr lang="nl-NL" dirty="0" err="1"/>
+              <a:t>you</a:t>
+            </a:r>
+            <a:r>
+              <a:rPr lang="nl-NL" dirty="0"/>
+              <a:t> </a:t>
+            </a:r>
+            <a:r>
+              <a:rPr lang="nl-NL" dirty="0" err="1"/>
+              <a:t>lucky</a:t>
+            </a:r>
+            <a:r>
+              <a:rPr lang="nl-NL" dirty="0"/>
+              <a:t>?</a:t>
+            </a:r>
+          </a:p>
+          <a:p>
+            <a:endParaRPr lang="nl-NL" dirty="0"/>
+          </a:p>
+          <a:p>
+            <a:r>
+              <a:rPr lang="nl-NL" sz="1200" dirty="0">
+                <a:hlinkClick r:id="rId3"/>
+              </a:rPr>
+              <a:t>https://docs.ansible.com/ansible/latest/dev_guide/index.html</a:t>
+            </a:r>
+            <a:endParaRPr lang="nl-NL" sz="1200" dirty="0"/>
+          </a:p>
+          <a:p>
+            <a:r>
+              <a:rPr lang="nl-NL" sz="1200" dirty="0">
+                <a:hlinkClick r:id="rId4"/>
+              </a:rPr>
+              <a:t>https://docs.ansible.com/ansible/latest/dev_guide/developing_modules_checklist.html#developing-modules-checklist</a:t>
+            </a:r>
+            <a:endParaRPr lang="nl-NL" sz="1200" dirty="0"/>
+          </a:p>
+          <a:p>
+            <a:endParaRPr lang="nl-NL" sz="1200" dirty="0"/>
+          </a:p>
+          <a:p>
+            <a:endParaRPr lang="nl-NL" dirty="0"/>
+          </a:p>
+          <a:p>
+            <a:endParaRPr lang="nl-NL" dirty="0"/>
+          </a:p>
+          <a:p>
+            <a:endParaRPr lang="nl-NL" dirty="0"/>
+          </a:p>
+        </p:txBody>
+      </p:sp>
+      <p:sp>
+        <p:nvSpPr>
+          <p:cNvPr id="4" name="Slide Number Placeholder 3">
+            <a:extLst>
+              <a:ext uri="{FF2B5EF4-FFF2-40B4-BE49-F238E27FC236}">
+                <a16:creationId xmlns:a16="http://schemas.microsoft.com/office/drawing/2014/main" id="{DCCEA2B4-7EC3-46F6-B4E8-588D9FDE5C7B}"/>
+              </a:ext>
+            </a:extLst>
+          </p:cNvPr>
+          <p:cNvSpPr>
+            <a:spLocks noGrp="1"/>
+          </p:cNvSpPr>
+          <p:nvPr>
+            <p:ph type="sldNum" sz="quarter" idx="12"/>
+          </p:nvPr>
+        </p:nvSpPr>
+        <p:spPr/>
+        <p:txBody>
+          <a:bodyPr/>
+          <a:lstStyle/>
+          <a:p>
+            <a:fld id="{78529740-9F3A-41A0-9184-EDD7A8843EF9}" type="slidenum">
+              <a:rPr lang="nl-NL" smtClean="0"/>
+              <a:t>27</a:t>
+            </a:fld>
+            <a:endParaRPr lang="nl-NL"/>
+          </a:p>
+        </p:txBody>
+      </p:sp>
+    </p:spTree>
+    <p:extLst>
+      <p:ext uri="{BB962C8B-B14F-4D97-AF65-F5344CB8AC3E}">
+        <p14:creationId xmlns:p14="http://schemas.microsoft.com/office/powerpoint/2010/main" val="2724736290"/>
+      </p:ext>
+    </p:extLst>
+  </p:cSld>
+  <p:clrMapOvr>
+    <a:masterClrMapping/>
+  </p:clrMapOvr>
+</p:sld>
+</file>
+
+<file path=ppt/slides/slide28.xml><?xml version="1.0" encoding="utf-8"?>
+<p:sld xmlns:a="http://schemas.openxmlformats.org/drawingml/2006/main" xmlns:r="http://schemas.openxmlformats.org/officeDocument/2006/relationships" xmlns:p="http://schemas.openxmlformats.org/presentationml/2006/main">
+  <p:cSld>
+    <p:spTree>
+      <p:nvGrpSpPr>
+        <p:cNvPr id="1" name=""/>
+        <p:cNvGrpSpPr/>
+        <p:nvPr/>
+      </p:nvGrpSpPr>
+      <p:grpSpPr>
+        <a:xfrm>
+          <a:off x="0" y="0"/>
+          <a:ext cx="0" cy="0"/>
+          <a:chOff x="0" y="0"/>
+          <a:chExt cx="0" cy="0"/>
+        </a:xfrm>
+      </p:grpSpPr>
+      <p:sp>
+        <p:nvSpPr>
+          <p:cNvPr id="2" name="Title 1">
+            <a:extLst>
+              <a:ext uri="{FF2B5EF4-FFF2-40B4-BE49-F238E27FC236}">
                 <a16:creationId xmlns:a16="http://schemas.microsoft.com/office/drawing/2014/main" id="{0FF4E790-C50E-4DDE-89D3-786CA8F312E7}"/>
               </a:ext>
             </a:extLst>
@@ -12298,7 +13367,7 @@
           <a:p>
             <a:fld id="{78529740-9F3A-41A0-9184-EDD7A8843EF9}" type="slidenum">
               <a:rPr lang="nl-NL" smtClean="0"/>
-              <a:t>25</a:t>
+              <a:t>28</a:t>
             </a:fld>
             <a:endParaRPr lang="nl-NL"/>
           </a:p>
@@ -12352,7 +13421,7 @@
 </p:sld>
 </file>
 
-<file path=ppt/slides/slide26.xml><?xml version="1.0" encoding="utf-8"?>
+<file path=ppt/slides/slide29.xml><?xml version="1.0" encoding="utf-8"?>
 <p:sld xmlns:a="http://schemas.openxmlformats.org/drawingml/2006/main" xmlns:r="http://schemas.openxmlformats.org/officeDocument/2006/relationships" xmlns:p="http://schemas.openxmlformats.org/presentationml/2006/main">
   <p:cSld>
     <p:spTree>
@@ -12455,7 +13524,7 @@
           <a:p>
             <a:fld id="{78529740-9F3A-41A0-9184-EDD7A8843EF9}" type="slidenum">
               <a:rPr lang="nl-NL" smtClean="0"/>
-              <a:t>26</a:t>
+              <a:t>29</a:t>
             </a:fld>
             <a:endParaRPr lang="nl-NL"/>
           </a:p>
@@ -12474,7 +13543,265 @@
 </p:sld>
 </file>
 
-<file path=ppt/slides/slide27.xml><?xml version="1.0" encoding="utf-8"?>
+<file path=ppt/slides/slide3.xml><?xml version="1.0" encoding="utf-8"?>
+<p:sld xmlns:a="http://schemas.openxmlformats.org/drawingml/2006/main" xmlns:r="http://schemas.openxmlformats.org/officeDocument/2006/relationships" xmlns:p="http://schemas.openxmlformats.org/presentationml/2006/main">
+  <p:cSld>
+    <p:spTree>
+      <p:nvGrpSpPr>
+        <p:cNvPr id="1" name=""/>
+        <p:cNvGrpSpPr/>
+        <p:nvPr/>
+      </p:nvGrpSpPr>
+      <p:grpSpPr>
+        <a:xfrm>
+          <a:off x="0" y="0"/>
+          <a:ext cx="0" cy="0"/>
+          <a:chOff x="0" y="0"/>
+          <a:chExt cx="0" cy="0"/>
+        </a:xfrm>
+      </p:grpSpPr>
+      <p:sp>
+        <p:nvSpPr>
+          <p:cNvPr id="2" name="Title 1">
+            <a:extLst>
+              <a:ext uri="{FF2B5EF4-FFF2-40B4-BE49-F238E27FC236}">
+                <a16:creationId xmlns:a16="http://schemas.microsoft.com/office/drawing/2014/main" id="{B2FB5385-4B2B-4A5B-AC61-AD893ECC55B7}"/>
+              </a:ext>
+            </a:extLst>
+          </p:cNvPr>
+          <p:cNvSpPr>
+            <a:spLocks noGrp="1"/>
+          </p:cNvSpPr>
+          <p:nvPr>
+            <p:ph type="title"/>
+          </p:nvPr>
+        </p:nvSpPr>
+        <p:spPr/>
+        <p:txBody>
+          <a:bodyPr/>
+          <a:lstStyle/>
+          <a:p>
+            <a:r>
+              <a:rPr lang="nl-NL" dirty="0"/>
+              <a:t>Agenda</a:t>
+            </a:r>
+          </a:p>
+        </p:txBody>
+      </p:sp>
+      <p:sp>
+        <p:nvSpPr>
+          <p:cNvPr id="3" name="Content Placeholder 2">
+            <a:extLst>
+              <a:ext uri="{FF2B5EF4-FFF2-40B4-BE49-F238E27FC236}">
+                <a16:creationId xmlns:a16="http://schemas.microsoft.com/office/drawing/2014/main" id="{5BE92AD5-80F6-49A0-BB78-5801777BB567}"/>
+              </a:ext>
+            </a:extLst>
+          </p:cNvPr>
+          <p:cNvSpPr>
+            <a:spLocks noGrp="1"/>
+          </p:cNvSpPr>
+          <p:nvPr>
+            <p:ph idx="1"/>
+          </p:nvPr>
+        </p:nvSpPr>
+        <p:spPr/>
+        <p:txBody>
+          <a:bodyPr/>
+          <a:lstStyle/>
+          <a:p>
+            <a:r>
+              <a:rPr lang="nl-NL" dirty="0"/>
+              <a:t>10:00 – 10:30 	</a:t>
+            </a:r>
+            <a:r>
+              <a:rPr lang="nl-NL" dirty="0" err="1"/>
+              <a:t>Welcome</a:t>
+            </a:r>
+            <a:endParaRPr lang="nl-NL" dirty="0"/>
+          </a:p>
+          <a:p>
+            <a:r>
+              <a:rPr lang="nl-NL" dirty="0"/>
+              <a:t>10:30 – 11:00 	</a:t>
+            </a:r>
+            <a:r>
+              <a:rPr lang="nl-NL" dirty="0" err="1"/>
+              <a:t>architectural</a:t>
+            </a:r>
+            <a:r>
+              <a:rPr lang="nl-NL" dirty="0"/>
+              <a:t> </a:t>
+            </a:r>
+            <a:r>
+              <a:rPr lang="nl-NL" dirty="0" err="1"/>
+              <a:t>overview</a:t>
+            </a:r>
+            <a:endParaRPr lang="nl-NL" dirty="0"/>
+          </a:p>
+          <a:p>
+            <a:r>
+              <a:rPr lang="nl-NL" dirty="0"/>
+              <a:t>11:00 – 12:00	</a:t>
+            </a:r>
+            <a:r>
+              <a:rPr lang="nl-NL" dirty="0" err="1"/>
+              <a:t>Creating</a:t>
+            </a:r>
+            <a:r>
+              <a:rPr lang="nl-NL" dirty="0"/>
+              <a:t> </a:t>
+            </a:r>
+            <a:r>
+              <a:rPr lang="nl-NL" dirty="0" err="1"/>
+              <a:t>your</a:t>
+            </a:r>
+            <a:r>
+              <a:rPr lang="nl-NL" dirty="0"/>
+              <a:t> 1st Module</a:t>
+            </a:r>
+          </a:p>
+          <a:p>
+            <a:r>
+              <a:rPr lang="nl-NL" dirty="0"/>
+              <a:t>12:00 – 12:30	</a:t>
+            </a:r>
+            <a:r>
+              <a:rPr lang="nl-NL" dirty="0" err="1"/>
+              <a:t>Idempotency</a:t>
+            </a:r>
+            <a:endParaRPr lang="nl-NL" dirty="0"/>
+          </a:p>
+          <a:p>
+            <a:r>
+              <a:rPr lang="nl-NL" dirty="0"/>
+              <a:t>12:30 – 13:30 	Lunch</a:t>
+            </a:r>
+          </a:p>
+          <a:p>
+            <a:r>
+              <a:rPr lang="nl-NL" dirty="0"/>
+              <a:t>13:30 – 14:00	Checkmode</a:t>
+            </a:r>
+          </a:p>
+          <a:p>
+            <a:r>
+              <a:rPr lang="nl-NL" dirty="0"/>
+              <a:t>14:00 – 14:30	</a:t>
+            </a:r>
+            <a:r>
+              <a:rPr lang="nl-NL" dirty="0" err="1"/>
+              <a:t>Documentation</a:t>
+            </a:r>
+            <a:endParaRPr lang="nl-NL" dirty="0"/>
+          </a:p>
+          <a:p>
+            <a:r>
+              <a:rPr lang="nl-NL" dirty="0"/>
+              <a:t>14:30 – 15:30	</a:t>
+            </a:r>
+            <a:r>
+              <a:rPr lang="nl-NL" dirty="0" err="1"/>
+              <a:t>Testing</a:t>
+            </a:r>
+            <a:r>
+              <a:rPr lang="nl-NL" dirty="0"/>
+              <a:t> </a:t>
+            </a:r>
+            <a:r>
+              <a:rPr lang="nl-NL" dirty="0" err="1"/>
+              <a:t>the</a:t>
+            </a:r>
+            <a:r>
+              <a:rPr lang="nl-NL" dirty="0"/>
+              <a:t> module</a:t>
+            </a:r>
+          </a:p>
+          <a:p>
+            <a:r>
+              <a:rPr lang="nl-NL" dirty="0"/>
+              <a:t>15:30 – 16:00	</a:t>
+            </a:r>
+            <a:r>
+              <a:rPr lang="nl-NL" dirty="0" err="1"/>
+              <a:t>Submitting</a:t>
+            </a:r>
+            <a:r>
+              <a:rPr lang="nl-NL" dirty="0"/>
+              <a:t> </a:t>
+            </a:r>
+            <a:r>
+              <a:rPr lang="nl-NL" dirty="0" err="1"/>
+              <a:t>the</a:t>
+            </a:r>
+            <a:r>
+              <a:rPr lang="nl-NL" dirty="0"/>
+              <a:t> module </a:t>
+            </a:r>
+            <a:r>
+              <a:rPr lang="nl-NL" dirty="0" err="1"/>
+              <a:t>to</a:t>
+            </a:r>
+            <a:r>
+              <a:rPr lang="nl-NL" dirty="0"/>
+              <a:t> </a:t>
+            </a:r>
+            <a:r>
+              <a:rPr lang="nl-NL" dirty="0" err="1"/>
+              <a:t>Ansible</a:t>
+            </a:r>
+            <a:endParaRPr lang="nl-NL" dirty="0"/>
+          </a:p>
+          <a:p>
+            <a:r>
+              <a:rPr lang="nl-NL" dirty="0"/>
+              <a:t>16:00 – 17:00 	Drinks</a:t>
+            </a:r>
+          </a:p>
+        </p:txBody>
+      </p:sp>
+      <p:sp>
+        <p:nvSpPr>
+          <p:cNvPr id="4" name="Slide Number Placeholder 3">
+            <a:extLst>
+              <a:ext uri="{FF2B5EF4-FFF2-40B4-BE49-F238E27FC236}">
+                <a16:creationId xmlns:a16="http://schemas.microsoft.com/office/drawing/2014/main" id="{B367A82F-240E-42A5-806C-1B84D1629371}"/>
+              </a:ext>
+            </a:extLst>
+          </p:cNvPr>
+          <p:cNvSpPr>
+            <a:spLocks noGrp="1"/>
+          </p:cNvSpPr>
+          <p:nvPr>
+            <p:ph type="sldNum" sz="quarter" idx="12"/>
+          </p:nvPr>
+        </p:nvSpPr>
+        <p:spPr/>
+        <p:txBody>
+          <a:bodyPr/>
+          <a:lstStyle/>
+          <a:p>
+            <a:fld id="{78529740-9F3A-41A0-9184-EDD7A8843EF9}" type="slidenum">
+              <a:rPr lang="nl-NL" smtClean="0"/>
+              <a:t>3</a:t>
+            </a:fld>
+            <a:endParaRPr lang="nl-NL"/>
+          </a:p>
+        </p:txBody>
+      </p:sp>
+    </p:spTree>
+    <p:extLst>
+      <p:ext uri="{BB962C8B-B14F-4D97-AF65-F5344CB8AC3E}">
+        <p14:creationId xmlns:p14="http://schemas.microsoft.com/office/powerpoint/2010/main" val="580517516"/>
+      </p:ext>
+    </p:extLst>
+  </p:cSld>
+  <p:clrMapOvr>
+    <a:masterClrMapping/>
+  </p:clrMapOvr>
+</p:sld>
+</file>
+
+<file path=ppt/slides/slide30.xml><?xml version="1.0" encoding="utf-8"?>
 <p:sld xmlns:a="http://schemas.openxmlformats.org/drawingml/2006/main" xmlns:r="http://schemas.openxmlformats.org/officeDocument/2006/relationships" xmlns:p="http://schemas.openxmlformats.org/presentationml/2006/main">
   <p:cSld>
     <p:spTree>
@@ -12504,7 +13831,7 @@
 </p:sld>
 </file>
 
-<file path=ppt/slides/slide28.xml><?xml version="1.0" encoding="utf-8"?>
+<file path=ppt/slides/slide31.xml><?xml version="1.0" encoding="utf-8"?>
 <p:sld xmlns:a="http://schemas.openxmlformats.org/drawingml/2006/main" xmlns:r="http://schemas.openxmlformats.org/officeDocument/2006/relationships" xmlns:p="http://schemas.openxmlformats.org/presentationml/2006/main">
   <p:cSld>
     <p:spTree>
@@ -12597,7 +13924,7 @@
 </p:sld>
 </file>
 
-<file path=ppt/slides/slide29.xml><?xml version="1.0" encoding="utf-8"?>
+<file path=ppt/slides/slide32.xml><?xml version="1.0" encoding="utf-8"?>
 <p:sld xmlns:a="http://schemas.openxmlformats.org/drawingml/2006/main" xmlns:r="http://schemas.openxmlformats.org/officeDocument/2006/relationships" xmlns:p="http://schemas.openxmlformats.org/presentationml/2006/main">
   <p:cSld>
     <p:spTree>
@@ -12652,162 +13979,7 @@
 </p:sld>
 </file>
 
-<file path=ppt/slides/slide3.xml><?xml version="1.0" encoding="utf-8"?>
-<p:sld xmlns:a="http://schemas.openxmlformats.org/drawingml/2006/main" xmlns:r="http://schemas.openxmlformats.org/officeDocument/2006/relationships" xmlns:p="http://schemas.openxmlformats.org/presentationml/2006/main">
-  <p:cSld>
-    <p:spTree>
-      <p:nvGrpSpPr>
-        <p:cNvPr id="1" name=""/>
-        <p:cNvGrpSpPr/>
-        <p:nvPr/>
-      </p:nvGrpSpPr>
-      <p:grpSpPr>
-        <a:xfrm>
-          <a:off x="0" y="0"/>
-          <a:ext cx="0" cy="0"/>
-          <a:chOff x="0" y="0"/>
-          <a:chExt cx="0" cy="0"/>
-        </a:xfrm>
-      </p:grpSpPr>
-      <p:sp>
-        <p:nvSpPr>
-          <p:cNvPr id="2" name="Title 1">
-            <a:extLst>
-              <a:ext uri="{FF2B5EF4-FFF2-40B4-BE49-F238E27FC236}">
-                <a16:creationId xmlns:a16="http://schemas.microsoft.com/office/drawing/2014/main" id="{B2FB5385-4B2B-4A5B-AC61-AD893ECC55B7}"/>
-              </a:ext>
-            </a:extLst>
-          </p:cNvPr>
-          <p:cNvSpPr>
-            <a:spLocks noGrp="1"/>
-          </p:cNvSpPr>
-          <p:nvPr>
-            <p:ph type="title"/>
-          </p:nvPr>
-        </p:nvSpPr>
-        <p:spPr/>
-        <p:txBody>
-          <a:bodyPr/>
-          <a:lstStyle/>
-          <a:p>
-            <a:r>
-              <a:rPr lang="nl-NL" dirty="0"/>
-              <a:t>Agenda</a:t>
-            </a:r>
-          </a:p>
-        </p:txBody>
-      </p:sp>
-      <p:sp>
-        <p:nvSpPr>
-          <p:cNvPr id="3" name="Content Placeholder 2">
-            <a:extLst>
-              <a:ext uri="{FF2B5EF4-FFF2-40B4-BE49-F238E27FC236}">
-                <a16:creationId xmlns:a16="http://schemas.microsoft.com/office/drawing/2014/main" id="{5BE92AD5-80F6-49A0-BB78-5801777BB567}"/>
-              </a:ext>
-            </a:extLst>
-          </p:cNvPr>
-          <p:cNvSpPr>
-            <a:spLocks noGrp="1"/>
-          </p:cNvSpPr>
-          <p:nvPr>
-            <p:ph idx="1"/>
-          </p:nvPr>
-        </p:nvSpPr>
-        <p:spPr/>
-        <p:txBody>
-          <a:bodyPr/>
-          <a:lstStyle/>
-          <a:p>
-            <a:r>
-              <a:rPr lang="nl-NL" dirty="0"/>
-              <a:t>10:00 – 10:30 	Ontvangst</a:t>
-            </a:r>
-          </a:p>
-          <a:p>
-            <a:r>
-              <a:rPr lang="nl-NL" dirty="0"/>
-              <a:t>10:30 – 12:30 	</a:t>
-            </a:r>
-            <a:r>
-              <a:rPr lang="nl-NL" dirty="0" err="1"/>
-              <a:t>Session</a:t>
-            </a:r>
-            <a:r>
-              <a:rPr lang="nl-NL" dirty="0"/>
-              <a:t> 1</a:t>
-            </a:r>
-          </a:p>
-          <a:p>
-            <a:r>
-              <a:rPr lang="nl-NL" dirty="0"/>
-              <a:t>12:30 – 13:30 	Lunch</a:t>
-            </a:r>
-          </a:p>
-          <a:p>
-            <a:r>
-              <a:rPr lang="nl-NL" dirty="0"/>
-              <a:t>13:30 – 16:00	</a:t>
-            </a:r>
-            <a:r>
-              <a:rPr lang="nl-NL" dirty="0" err="1"/>
-              <a:t>Session</a:t>
-            </a:r>
-            <a:r>
-              <a:rPr lang="nl-NL" dirty="0"/>
-              <a:t> 2</a:t>
-            </a:r>
-          </a:p>
-          <a:p>
-            <a:r>
-              <a:rPr lang="nl-NL" dirty="0"/>
-              <a:t>16:00 – 17:00 	Drinks</a:t>
-            </a:r>
-          </a:p>
-        </p:txBody>
-      </p:sp>
-      <p:sp>
-        <p:nvSpPr>
-          <p:cNvPr id="4" name="Slide Number Placeholder 3">
-            <a:extLst>
-              <a:ext uri="{FF2B5EF4-FFF2-40B4-BE49-F238E27FC236}">
-                <a16:creationId xmlns:a16="http://schemas.microsoft.com/office/drawing/2014/main" id="{B367A82F-240E-42A5-806C-1B84D1629371}"/>
-              </a:ext>
-            </a:extLst>
-          </p:cNvPr>
-          <p:cNvSpPr>
-            <a:spLocks noGrp="1"/>
-          </p:cNvSpPr>
-          <p:nvPr>
-            <p:ph type="sldNum" sz="quarter" idx="12"/>
-          </p:nvPr>
-        </p:nvSpPr>
-        <p:spPr/>
-        <p:txBody>
-          <a:bodyPr/>
-          <a:lstStyle/>
-          <a:p>
-            <a:fld id="{78529740-9F3A-41A0-9184-EDD7A8843EF9}" type="slidenum">
-              <a:rPr lang="nl-NL" smtClean="0"/>
-              <a:t>3</a:t>
-            </a:fld>
-            <a:endParaRPr lang="nl-NL"/>
-          </a:p>
-        </p:txBody>
-      </p:sp>
-    </p:spTree>
-    <p:extLst>
-      <p:ext uri="{BB962C8B-B14F-4D97-AF65-F5344CB8AC3E}">
-        <p14:creationId xmlns:p14="http://schemas.microsoft.com/office/powerpoint/2010/main" val="580517516"/>
-      </p:ext>
-    </p:extLst>
-  </p:cSld>
-  <p:clrMapOvr>
-    <a:masterClrMapping/>
-  </p:clrMapOvr>
-</p:sld>
-</file>
-
-<file path=ppt/slides/slide30.xml><?xml version="1.0" encoding="utf-8"?>
+<file path=ppt/slides/slide33.xml><?xml version="1.0" encoding="utf-8"?>
 <p:sld xmlns:a="http://schemas.openxmlformats.org/drawingml/2006/main" xmlns:r="http://schemas.openxmlformats.org/officeDocument/2006/relationships" xmlns:p="http://schemas.openxmlformats.org/presentationml/2006/main">
   <p:cSld>
     <p:spTree>
@@ -12925,7 +14097,9 @@
         </p:nvSpPr>
         <p:spPr/>
         <p:txBody>
-          <a:bodyPr/>
+          <a:bodyPr>
+            <a:normAutofit lnSpcReduction="10000"/>
+          </a:bodyPr>
           <a:lstStyle/>
           <a:p>
             <a:r>
@@ -13161,6 +14335,60 @@
           <a:p>
             <a:r>
               <a:rPr lang="nl-NL" dirty="0" err="1"/>
+              <a:t>Extending</a:t>
+            </a:r>
+            <a:r>
+              <a:rPr lang="nl-NL" dirty="0"/>
+              <a:t> </a:t>
+            </a:r>
+            <a:r>
+              <a:rPr lang="nl-NL" dirty="0" err="1"/>
+              <a:t>the</a:t>
+            </a:r>
+            <a:r>
+              <a:rPr lang="nl-NL" dirty="0"/>
+              <a:t> module </a:t>
+            </a:r>
+            <a:r>
+              <a:rPr lang="nl-NL" dirty="0" err="1"/>
+              <a:t>with</a:t>
+            </a:r>
+            <a:r>
+              <a:rPr lang="nl-NL" dirty="0"/>
+              <a:t> parameters</a:t>
+            </a:r>
+          </a:p>
+          <a:p>
+            <a:r>
+              <a:rPr lang="nl-NL" dirty="0" err="1"/>
+              <a:t>Adding</a:t>
+            </a:r>
+            <a:r>
+              <a:rPr lang="nl-NL" dirty="0"/>
+              <a:t> Checkmode</a:t>
+            </a:r>
+          </a:p>
+          <a:p>
+            <a:r>
+              <a:rPr lang="nl-NL" dirty="0" err="1"/>
+              <a:t>Documenting</a:t>
+            </a:r>
+            <a:r>
+              <a:rPr lang="nl-NL" dirty="0"/>
+              <a:t> </a:t>
+            </a:r>
+            <a:r>
+              <a:rPr lang="nl-NL" dirty="0" err="1"/>
+              <a:t>the</a:t>
+            </a:r>
+            <a:r>
+              <a:rPr lang="nl-NL" dirty="0"/>
+              <a:t> module</a:t>
+            </a:r>
+          </a:p>
+          <a:p>
+            <a:r>
+              <a:rPr lang="nl-NL" dirty="0" err="1"/>
               <a:t>Testing</a:t>
             </a:r>
             <a:r>
@@ -13179,15 +14407,15 @@
           <a:p>
             <a:r>
               <a:rPr lang="nl-NL" dirty="0" err="1"/>
-              <a:t>Extending</a:t>
-            </a:r>
-            <a:r>
-              <a:rPr lang="nl-NL" dirty="0"/>
-              <a:t> </a:t>
-            </a:r>
-            <a:r>
-              <a:rPr lang="nl-NL" dirty="0" err="1"/>
-              <a:t>the</a:t>
+              <a:t>Contributing</a:t>
+            </a:r>
+            <a:r>
+              <a:rPr lang="nl-NL" dirty="0"/>
+              <a:t> </a:t>
+            </a:r>
+            <a:r>
+              <a:rPr lang="nl-NL" dirty="0" err="1"/>
+              <a:t>your</a:t>
             </a:r>
             <a:r>
               <a:rPr lang="nl-NL" dirty="0"/>
@@ -13195,60 +14423,6 @@
             </a:r>
             <a:r>
               <a:rPr lang="nl-NL" dirty="0" err="1"/>
-              <a:t>with</a:t>
-            </a:r>
-            <a:r>
-              <a:rPr lang="nl-NL" dirty="0"/>
-              <a:t> parameters</a:t>
-            </a:r>
-          </a:p>
-          <a:p>
-            <a:r>
-              <a:rPr lang="nl-NL" dirty="0" err="1"/>
-              <a:t>Adding</a:t>
-            </a:r>
-            <a:r>
-              <a:rPr lang="nl-NL" dirty="0"/>
-              <a:t> Checkmode</a:t>
-            </a:r>
-          </a:p>
-          <a:p>
-            <a:r>
-              <a:rPr lang="nl-NL" dirty="0" err="1"/>
-              <a:t>Documenting</a:t>
-            </a:r>
-            <a:r>
-              <a:rPr lang="nl-NL" dirty="0"/>
-              <a:t> </a:t>
-            </a:r>
-            <a:r>
-              <a:rPr lang="nl-NL" dirty="0" err="1"/>
-              <a:t>the</a:t>
-            </a:r>
-            <a:r>
-              <a:rPr lang="nl-NL" dirty="0"/>
-              <a:t> module</a:t>
-            </a:r>
-          </a:p>
-          <a:p>
-            <a:r>
-              <a:rPr lang="nl-NL" dirty="0" err="1"/>
-              <a:t>Contributing</a:t>
-            </a:r>
-            <a:r>
-              <a:rPr lang="nl-NL" dirty="0"/>
-              <a:t> </a:t>
-            </a:r>
-            <a:r>
-              <a:rPr lang="nl-NL" dirty="0" err="1"/>
-              <a:t>your</a:t>
-            </a:r>
-            <a:r>
-              <a:rPr lang="nl-NL" dirty="0"/>
-              <a:t> module </a:t>
-            </a:r>
-            <a:r>
-              <a:rPr lang="nl-NL" dirty="0" err="1"/>
               <a:t>to</a:t>
             </a:r>
             <a:r>
@@ -13262,6 +14436,15 @@
             <a:br>
               <a:rPr lang="nl-NL" dirty="0"/>
             </a:br>
+            <a:endParaRPr lang="nl-NL" dirty="0"/>
+          </a:p>
+          <a:p>
+            <a:r>
+              <a:rPr lang="nl-NL" dirty="0">
+                <a:hlinkClick r:id="rId3"/>
+              </a:rPr>
+              <a:t>https://github.com/molekuul/modules_workshop</a:t>
+            </a:r>
             <a:endParaRPr lang="nl-NL" dirty="0"/>
           </a:p>
         </p:txBody>
@@ -13480,10 +14663,101 @@
             <a:endParaRPr lang="nl-NL" dirty="0"/>
           </a:p>
           <a:p>
+            <a:r>
+              <a:rPr lang="nl-NL" dirty="0"/>
+              <a:t>I </a:t>
+            </a:r>
+            <a:r>
+              <a:rPr lang="nl-NL" dirty="0" err="1"/>
+              <a:t>wrote</a:t>
+            </a:r>
+            <a:r>
+              <a:rPr lang="nl-NL" dirty="0"/>
+              <a:t> </a:t>
+            </a:r>
+            <a:r>
+              <a:rPr lang="nl-NL" dirty="0" err="1"/>
+              <a:t>several</a:t>
+            </a:r>
+            <a:r>
+              <a:rPr lang="nl-NL" dirty="0"/>
+              <a:t> modules </a:t>
+            </a:r>
+            <a:r>
+              <a:rPr lang="nl-NL" dirty="0" err="1"/>
+              <a:t>and</a:t>
+            </a:r>
+            <a:r>
+              <a:rPr lang="nl-NL" dirty="0"/>
+              <a:t> </a:t>
+            </a:r>
+            <a:r>
+              <a:rPr lang="nl-NL" dirty="0" err="1"/>
+              <a:t>added</a:t>
+            </a:r>
+            <a:r>
+              <a:rPr lang="nl-NL" dirty="0"/>
+              <a:t> </a:t>
+            </a:r>
+            <a:r>
+              <a:rPr lang="nl-NL" dirty="0" err="1"/>
+              <a:t>one</a:t>
+            </a:r>
+            <a:r>
+              <a:rPr lang="nl-NL" dirty="0"/>
+              <a:t> </a:t>
+            </a:r>
+            <a:r>
+              <a:rPr lang="nl-NL" dirty="0" err="1"/>
+              <a:t>to</a:t>
+            </a:r>
+            <a:r>
+              <a:rPr lang="nl-NL" dirty="0"/>
+              <a:t> </a:t>
+            </a:r>
+            <a:r>
+              <a:rPr lang="nl-NL" dirty="0" err="1"/>
+              <a:t>ansible</a:t>
+            </a:r>
+            <a:r>
+              <a:rPr lang="nl-NL" dirty="0"/>
+              <a:t> </a:t>
+            </a:r>
+          </a:p>
+          <a:p>
             <a:endParaRPr lang="nl-NL" dirty="0"/>
           </a:p>
           <a:p>
             <a:endParaRPr lang="nl-NL" dirty="0"/>
+          </a:p>
+          <a:p>
+            <a:endParaRPr lang="nl-NL" dirty="0"/>
+          </a:p>
+          <a:p>
+            <a:r>
+              <a:rPr lang="nl-NL" dirty="0">
+                <a:highlight>
+                  <a:srgbClr val="FF0000"/>
+                </a:highlight>
+              </a:rPr>
+              <a:t>WIFI: IA-</a:t>
+            </a:r>
+            <a:r>
+              <a:rPr lang="nl-NL" dirty="0" err="1">
+                <a:highlight>
+                  <a:srgbClr val="FF0000"/>
+                </a:highlight>
+              </a:rPr>
+              <a:t>guest</a:t>
+            </a:r>
+            <a:r>
+              <a:rPr lang="nl-NL" dirty="0">
+                <a:highlight>
+                  <a:srgbClr val="FF0000"/>
+                </a:highlight>
+              </a:rPr>
+              <a:t> ??</a:t>
+            </a:r>
           </a:p>
         </p:txBody>
       </p:sp>
@@ -15078,6 +16352,11 @@
 </file>
 
 <file path=customXml/item1.xml><?xml version="1.0" encoding="utf-8"?>
+<?mso-contentType ?>
+<SharedContentType xmlns="Microsoft.SharePoint.Taxonomy.ContentTypeSync" SourceId="c6e030e2-3e3a-45ba-a53e-53dff030c947" ContentTypeId="0x0101" PreviousValue="false"/>
+</file>
+
+<file path=customXml/item2.xml><?xml version="1.0" encoding="utf-8"?>
 <ct:contentTypeSchema xmlns:ct="http://schemas.microsoft.com/office/2006/metadata/contentType" xmlns:ma="http://schemas.microsoft.com/office/2006/metadata/properties/metaAttributes" ct:_="" ma:_="" ma:contentTypeName="IA Document" ma:contentTypeID="0x010100078A85D19E75CB418B5D2B7022AEA49B200029B06B8B51ADFA43AA7512E3DAF2AADF" ma:contentTypeVersion="39" ma:contentTypeDescription="" ma:contentTypeScope="" ma:versionID="688927893a7c18c44d5d9aced05a9ed7">
   <xsd:schema xmlns:xsd="http://www.w3.org/2001/XMLSchema" xmlns:xs="http://www.w3.org/2001/XMLSchema" xmlns:p="http://schemas.microsoft.com/office/2006/metadata/properties" xmlns:ns1="http://schemas.microsoft.com/sharepoint/v3" xmlns:ns2="1c74d3cb-2ed3-4478-8cbd-da38a905f8f5" xmlns:ns3="c2f264be-b1cd-49e6-922e-81b507358670" xmlns:ns4="58d0729a-8a26-42ba-9623-74a26282907b" xmlns:ns5="bffd4b92-34eb-4d3c-b083-dbc8afd73601" targetNamespace="http://schemas.microsoft.com/office/2006/metadata/properties" ma:root="true" ma:fieldsID="fa57f972707e9c3ef4b383f2073bbfbd" ns1:_="" ns2:_="" ns3:_="" ns4:_="" ns5:_="">
     <xsd:import namespace="http://schemas.microsoft.com/sharepoint/v3"/>
@@ -15355,21 +16634,7 @@
 </ct:contentTypeSchema>
 </file>
 
-<file path=customXml/item2.xml><?xml version="1.0" encoding="utf-8"?>
-<?mso-contentType ?>
-<SharedContentType xmlns="Microsoft.SharePoint.Taxonomy.ContentTypeSync" SourceId="c6e030e2-3e3a-45ba-a53e-53dff030c947" ContentTypeId="0x0101" PreviousValue="false"/>
-</file>
-
 <file path=customXml/item3.xml><?xml version="1.0" encoding="utf-8"?>
-<?mso-contentType ?>
-<FormTemplates xmlns="http://schemas.microsoft.com/sharepoint/v3/contenttype/forms">
-  <Display>DocumentLibraryForm</Display>
-  <Edit>DocumentLibraryForm</Edit>
-  <New>DocumentLibraryForm</New>
-</FormTemplates>
-</file>
-
-<file path=customXml/item4.xml><?xml version="1.0" encoding="utf-8"?>
 <p:properties xmlns:p="http://schemas.microsoft.com/office/2006/metadata/properties" xmlns:xsi="http://www.w3.org/2001/XMLSchema-instance" xmlns:pc="http://schemas.microsoft.com/office/infopath/2007/PartnerControls">
   <documentManagement>
     <TaxKeywordTaxHTField xmlns="58d0729a-8a26-42ba-9623-74a26282907b">
@@ -15413,7 +16678,24 @@
 </p:properties>
 </file>
 
+<file path=customXml/item4.xml><?xml version="1.0" encoding="utf-8"?>
+<?mso-contentType ?>
+<FormTemplates xmlns="http://schemas.microsoft.com/sharepoint/v3/contenttype/forms">
+  <Display>DocumentLibraryForm</Display>
+  <Edit>DocumentLibraryForm</Edit>
+  <New>DocumentLibraryForm</New>
+</FormTemplates>
+</file>
+
 <file path=customXml/itemProps1.xml><?xml version="1.0" encoding="utf-8"?>
+<ds:datastoreItem xmlns:ds="http://schemas.openxmlformats.org/officeDocument/2006/customXml" ds:itemID="{DAD6D8D0-5F44-4EF5-94AC-943D0C462C17}">
+  <ds:schemaRefs>
+    <ds:schemaRef ds:uri="Microsoft.SharePoint.Taxonomy.ContentTypeSync"/>
+  </ds:schemaRefs>
+</ds:datastoreItem>
+</file>
+
+<file path=customXml/itemProps2.xml><?xml version="1.0" encoding="utf-8"?>
 <ds:datastoreItem xmlns:ds="http://schemas.openxmlformats.org/officeDocument/2006/customXml" ds:itemID="{B3894B85-CA3B-4D8B-ABEE-E6064C53B2D3}">
   <ds:schemaRefs>
     <ds:schemaRef ds:uri="http://schemas.microsoft.com/office/2006/metadata/contentType"/>
@@ -15435,23 +16717,7 @@
 </ds:datastoreItem>
 </file>
 
-<file path=customXml/itemProps2.xml><?xml version="1.0" encoding="utf-8"?>
-<ds:datastoreItem xmlns:ds="http://schemas.openxmlformats.org/officeDocument/2006/customXml" ds:itemID="{DAD6D8D0-5F44-4EF5-94AC-943D0C462C17}">
-  <ds:schemaRefs>
-    <ds:schemaRef ds:uri="Microsoft.SharePoint.Taxonomy.ContentTypeSync"/>
-  </ds:schemaRefs>
-</ds:datastoreItem>
-</file>
-
 <file path=customXml/itemProps3.xml><?xml version="1.0" encoding="utf-8"?>
-<ds:datastoreItem xmlns:ds="http://schemas.openxmlformats.org/officeDocument/2006/customXml" ds:itemID="{D4C7E4B6-937B-4A66-BEE6-30066972A3C7}">
-  <ds:schemaRefs>
-    <ds:schemaRef ds:uri="http://schemas.microsoft.com/sharepoint/v3/contenttype/forms"/>
-  </ds:schemaRefs>
-</ds:datastoreItem>
-</file>
-
-<file path=customXml/itemProps4.xml><?xml version="1.0" encoding="utf-8"?>
 <ds:datastoreItem xmlns:ds="http://schemas.openxmlformats.org/officeDocument/2006/customXml" ds:itemID="{785AF6C5-AF6E-4B0F-877F-6B126EBB4D5B}">
   <ds:schemaRefs>
     <ds:schemaRef ds:uri="c2f264be-b1cd-49e6-922e-81b507358670"/>
@@ -15469,4 +16735,12 @@
     <ds:schemaRef ds:uri="http://www.w3.org/XML/1998/namespace"/>
   </ds:schemaRefs>
 </ds:datastoreItem>
+</file>
+
+<file path=customXml/itemProps4.xml><?xml version="1.0" encoding="utf-8"?>
+<ds:datastoreItem xmlns:ds="http://schemas.openxmlformats.org/officeDocument/2006/customXml" ds:itemID="{D4C7E4B6-937B-4A66-BEE6-30066972A3C7}">
+  <ds:schemaRefs>
+    <ds:schemaRef ds:uri="http://schemas.microsoft.com/sharepoint/v3/contenttype/forms"/>
+  </ds:schemaRefs>
+</ds:datastoreItem>
 </file>